--- a/presentations/CLPA Auto Scoring Overview.pptx
+++ b/presentations/CLPA Auto Scoring Overview.pptx
@@ -1,25 +1,25 @@
 
 <file path=ppt/presentation.xml><?xml version="1.0" encoding="utf-8"?>
-<p:presentation xmlns:a="http://schemas.openxmlformats.org/drawingml/2006/main" xmlns:r="http://schemas.openxmlformats.org/officeDocument/2006/relationships" xmlns:mc="http://schemas.openxmlformats.org/markup-compatibility/2006" xmlns:mv="urn:schemas-microsoft-com:mac:vml" xmlns:p="http://schemas.openxmlformats.org/presentationml/2006/main" xmlns:c="http://schemas.openxmlformats.org/drawingml/2006/chart" xmlns:dgm="http://schemas.openxmlformats.org/drawingml/2006/diagram" xmlns:o="urn:schemas-microsoft-com:office:office" xmlns:v="urn:schemas-microsoft-com:vml" xmlns:pvml="urn:schemas-microsoft-com:office:powerpoint" xmlns:com="http://schemas.openxmlformats.org/drawingml/2006/compatibility" xmlns:p14="http://schemas.microsoft.com/office/powerpoint/2010/main" xmlns:p15="http://schemas.microsoft.com/office/powerpoint/2012/main" autoCompressPictures="0" strictFirstAndLastChars="0" saveSubsetFonts="1">
+<p:presentation xmlns:a="http://schemas.openxmlformats.org/drawingml/2006/main" xmlns:r="http://schemas.openxmlformats.org/officeDocument/2006/relationships" xmlns:p="http://schemas.openxmlformats.org/presentationml/2006/main" strictFirstAndLastChars="0" saveSubsetFonts="1" autoCompressPictures="0">
   <p:sldMasterIdLst>
-    <p:sldMasterId id="2147483659" r:id="rId5"/>
+    <p:sldMasterId id="2147483659" r:id="rId1"/>
   </p:sldMasterIdLst>
   <p:notesMasterIdLst>
-    <p:notesMasterId r:id="rId6"/>
+    <p:notesMasterId r:id="rId9"/>
   </p:notesMasterIdLst>
   <p:sldIdLst>
-    <p:sldId id="256" r:id="rId7"/>
-    <p:sldId id="257" r:id="rId8"/>
-    <p:sldId id="258" r:id="rId9"/>
-    <p:sldId id="259" r:id="rId10"/>
-    <p:sldId id="260" r:id="rId11"/>
-    <p:sldId id="261" r:id="rId12"/>
-    <p:sldId id="262" r:id="rId13"/>
+    <p:sldId id="256" r:id="rId2"/>
+    <p:sldId id="257" r:id="rId3"/>
+    <p:sldId id="258" r:id="rId4"/>
+    <p:sldId id="259" r:id="rId5"/>
+    <p:sldId id="260" r:id="rId6"/>
+    <p:sldId id="261" r:id="rId7"/>
+    <p:sldId id="262" r:id="rId8"/>
   </p:sldIdLst>
-  <p:sldSz cy="5143500" cx="9144000"/>
+  <p:sldSz cx="9144000" cy="5143500" type="screen16x9"/>
   <p:notesSz cx="6858000" cy="9144000"/>
   <p:defaultTextStyle>
-    <a:defPPr lvl="0" marR="0" rtl="0" algn="l">
+    <a:defPPr marR="0" lvl="0" algn="l" rtl="0">
       <a:lnSpc>
         <a:spcPct val="100000"/>
       </a:lnSpc>
@@ -30,7 +30,7 @@
         <a:spcPts val="0"/>
       </a:spcAft>
     </a:defPPr>
-    <a:lvl1pPr lvl="0" marR="0" rtl="0" algn="l">
+    <a:lvl1pPr marR="0" lvl="0" algn="l" rtl="0">
       <a:lnSpc>
         <a:spcPct val="100000"/>
       </a:lnSpc>
@@ -44,7 +44,7 @@
         <a:srgbClr val="000000"/>
       </a:buClr>
       <a:buFont typeface="Arial"/>
-      <a:defRPr b="0" i="0" sz="1400" u="none" cap="none" strike="noStrike">
+      <a:defRPr sz="1400" b="0" i="0" u="none" strike="noStrike" cap="none">
         <a:solidFill>
           <a:srgbClr val="000000"/>
         </a:solidFill>
@@ -54,7 +54,7 @@
         <a:sym typeface="Arial"/>
       </a:defRPr>
     </a:lvl1pPr>
-    <a:lvl2pPr lvl="1" marR="0" rtl="0" algn="l">
+    <a:lvl2pPr marR="0" lvl="1" algn="l" rtl="0">
       <a:lnSpc>
         <a:spcPct val="100000"/>
       </a:lnSpc>
@@ -68,7 +68,7 @@
         <a:srgbClr val="000000"/>
       </a:buClr>
       <a:buFont typeface="Arial"/>
-      <a:defRPr b="0" i="0" sz="1400" u="none" cap="none" strike="noStrike">
+      <a:defRPr sz="1400" b="0" i="0" u="none" strike="noStrike" cap="none">
         <a:solidFill>
           <a:srgbClr val="000000"/>
         </a:solidFill>
@@ -78,7 +78,7 @@
         <a:sym typeface="Arial"/>
       </a:defRPr>
     </a:lvl2pPr>
-    <a:lvl3pPr lvl="2" marR="0" rtl="0" algn="l">
+    <a:lvl3pPr marR="0" lvl="2" algn="l" rtl="0">
       <a:lnSpc>
         <a:spcPct val="100000"/>
       </a:lnSpc>
@@ -92,7 +92,7 @@
         <a:srgbClr val="000000"/>
       </a:buClr>
       <a:buFont typeface="Arial"/>
-      <a:defRPr b="0" i="0" sz="1400" u="none" cap="none" strike="noStrike">
+      <a:defRPr sz="1400" b="0" i="0" u="none" strike="noStrike" cap="none">
         <a:solidFill>
           <a:srgbClr val="000000"/>
         </a:solidFill>
@@ -102,7 +102,7 @@
         <a:sym typeface="Arial"/>
       </a:defRPr>
     </a:lvl3pPr>
-    <a:lvl4pPr lvl="3" marR="0" rtl="0" algn="l">
+    <a:lvl4pPr marR="0" lvl="3" algn="l" rtl="0">
       <a:lnSpc>
         <a:spcPct val="100000"/>
       </a:lnSpc>
@@ -116,7 +116,7 @@
         <a:srgbClr val="000000"/>
       </a:buClr>
       <a:buFont typeface="Arial"/>
-      <a:defRPr b="0" i="0" sz="1400" u="none" cap="none" strike="noStrike">
+      <a:defRPr sz="1400" b="0" i="0" u="none" strike="noStrike" cap="none">
         <a:solidFill>
           <a:srgbClr val="000000"/>
         </a:solidFill>
@@ -126,7 +126,7 @@
         <a:sym typeface="Arial"/>
       </a:defRPr>
     </a:lvl4pPr>
-    <a:lvl5pPr lvl="4" marR="0" rtl="0" algn="l">
+    <a:lvl5pPr marR="0" lvl="4" algn="l" rtl="0">
       <a:lnSpc>
         <a:spcPct val="100000"/>
       </a:lnSpc>
@@ -140,7 +140,7 @@
         <a:srgbClr val="000000"/>
       </a:buClr>
       <a:buFont typeface="Arial"/>
-      <a:defRPr b="0" i="0" sz="1400" u="none" cap="none" strike="noStrike">
+      <a:defRPr sz="1400" b="0" i="0" u="none" strike="noStrike" cap="none">
         <a:solidFill>
           <a:srgbClr val="000000"/>
         </a:solidFill>
@@ -150,7 +150,7 @@
         <a:sym typeface="Arial"/>
       </a:defRPr>
     </a:lvl5pPr>
-    <a:lvl6pPr lvl="5" marR="0" rtl="0" algn="l">
+    <a:lvl6pPr marR="0" lvl="5" algn="l" rtl="0">
       <a:lnSpc>
         <a:spcPct val="100000"/>
       </a:lnSpc>
@@ -164,7 +164,7 @@
         <a:srgbClr val="000000"/>
       </a:buClr>
       <a:buFont typeface="Arial"/>
-      <a:defRPr b="0" i="0" sz="1400" u="none" cap="none" strike="noStrike">
+      <a:defRPr sz="1400" b="0" i="0" u="none" strike="noStrike" cap="none">
         <a:solidFill>
           <a:srgbClr val="000000"/>
         </a:solidFill>
@@ -174,7 +174,7 @@
         <a:sym typeface="Arial"/>
       </a:defRPr>
     </a:lvl6pPr>
-    <a:lvl7pPr lvl="6" marR="0" rtl="0" algn="l">
+    <a:lvl7pPr marR="0" lvl="6" algn="l" rtl="0">
       <a:lnSpc>
         <a:spcPct val="100000"/>
       </a:lnSpc>
@@ -188,7 +188,7 @@
         <a:srgbClr val="000000"/>
       </a:buClr>
       <a:buFont typeface="Arial"/>
-      <a:defRPr b="0" i="0" sz="1400" u="none" cap="none" strike="noStrike">
+      <a:defRPr sz="1400" b="0" i="0" u="none" strike="noStrike" cap="none">
         <a:solidFill>
           <a:srgbClr val="000000"/>
         </a:solidFill>
@@ -198,7 +198,7 @@
         <a:sym typeface="Arial"/>
       </a:defRPr>
     </a:lvl7pPr>
-    <a:lvl8pPr lvl="7" marR="0" rtl="0" algn="l">
+    <a:lvl8pPr marR="0" lvl="7" algn="l" rtl="0">
       <a:lnSpc>
         <a:spcPct val="100000"/>
       </a:lnSpc>
@@ -212,7 +212,7 @@
         <a:srgbClr val="000000"/>
       </a:buClr>
       <a:buFont typeface="Arial"/>
-      <a:defRPr b="0" i="0" sz="1400" u="none" cap="none" strike="noStrike">
+      <a:defRPr sz="1400" b="0" i="0" u="none" strike="noStrike" cap="none">
         <a:solidFill>
           <a:srgbClr val="000000"/>
         </a:solidFill>
@@ -222,7 +222,7 @@
         <a:sym typeface="Arial"/>
       </a:defRPr>
     </a:lvl8pPr>
-    <a:lvl9pPr lvl="8" marR="0" rtl="0" algn="l">
+    <a:lvl9pPr marR="0" lvl="8" algn="l" rtl="0">
       <a:lnSpc>
         <a:spcPct val="100000"/>
       </a:lnSpc>
@@ -236,7 +236,7 @@
         <a:srgbClr val="000000"/>
       </a:buClr>
       <a:buFont typeface="Arial"/>
-      <a:defRPr b="0" i="0" sz="1400" u="none" cap="none" strike="noStrike">
+      <a:defRPr sz="1400" b="0" i="0" u="none" strike="noStrike" cap="none">
         <a:solidFill>
           <a:srgbClr val="000000"/>
         </a:solidFill>
@@ -249,7 +249,7 @@
   </p:defaultTextStyle>
   <p:extLst>
     <p:ext uri="{EFAFB233-063F-42B5-8137-9DF3F51BA10A}">
-      <p15:sldGuideLst>
+      <p15:sldGuideLst xmlns:p15="http://schemas.microsoft.com/office/powerpoint/2012/main">
         <p15:guide id="1" orient="horz" pos="1620">
           <p15:clr>
             <a:srgbClr val="A4A3A4"/>
@@ -267,11 +267,16 @@
 </file>
 
 <file path=ppt/notesMasters/notesMaster1.xml><?xml version="1.0" encoding="utf-8"?>
-<p:notesMaster xmlns:a="http://schemas.openxmlformats.org/drawingml/2006/main" xmlns:r="http://schemas.openxmlformats.org/officeDocument/2006/relationships" xmlns:mc="http://schemas.openxmlformats.org/markup-compatibility/2006" xmlns:mv="urn:schemas-microsoft-com:mac:vml" xmlns:p="http://schemas.openxmlformats.org/presentationml/2006/main" xmlns:c="http://schemas.openxmlformats.org/drawingml/2006/chart" xmlns:dgm="http://schemas.openxmlformats.org/drawingml/2006/diagram" xmlns:o="urn:schemas-microsoft-com:office:office" xmlns:v="urn:schemas-microsoft-com:vml" xmlns:pvml="urn:schemas-microsoft-com:office:powerpoint" xmlns:com="http://schemas.openxmlformats.org/drawingml/2006/compatibility" xmlns:p14="http://schemas.microsoft.com/office/powerpoint/2010/main" xmlns:p15="http://schemas.microsoft.com/office/powerpoint/2012/main">
+<p:notesMaster xmlns:a="http://schemas.openxmlformats.org/drawingml/2006/main" xmlns:r="http://schemas.openxmlformats.org/officeDocument/2006/relationships" xmlns:p="http://schemas.openxmlformats.org/presentationml/2006/main">
   <p:cSld>
+    <p:bg>
+      <p:bgRef idx="1001">
+        <a:schemeClr val="bg1"/>
+      </p:bgRef>
+    </p:bg>
     <p:spTree>
       <p:nvGrpSpPr>
-        <p:cNvPr id="2" name="Shape 2"/>
+        <p:cNvPr id="1" name="Shape 2"/>
         <p:cNvGrpSpPr/>
         <p:nvPr/>
       </p:nvGrpSpPr>
@@ -286,9 +291,11 @@
       <p:sp>
         <p:nvSpPr>
           <p:cNvPr id="3" name="Google Shape;3;n"/>
-          <p:cNvSpPr/>
+          <p:cNvSpPr>
+            <a:spLocks noGrp="1" noRot="1" noChangeAspect="1"/>
+          </p:cNvSpPr>
           <p:nvPr>
-            <p:ph idx="2" type="sldImg"/>
+            <p:ph type="sldImg" idx="2"/>
           </p:nvPr>
         </p:nvSpPr>
         <p:spPr>
@@ -297,9 +304,13 @@
             <a:ext cx="6096075" cy="3429000"/>
           </a:xfrm>
           <a:custGeom>
-            <a:rect b="b" l="l" r="r" t="t"/>
+            <a:avLst/>
+            <a:gdLst/>
+            <a:ahLst/>
+            <a:cxnLst/>
+            <a:rect l="l" t="t" r="r" b="b"/>
             <a:pathLst>
-              <a:path extrusionOk="0" h="120000" w="120000">
+              <a:path w="120000" h="120000" extrusionOk="0">
                 <a:moveTo>
                   <a:pt x="0" y="0"/>
                 </a:moveTo>
@@ -317,23 +328,25 @@
             </a:pathLst>
           </a:custGeom>
           <a:noFill/>
-          <a:ln cap="flat" cmpd="sng" w="9525">
+          <a:ln w="9525" cap="flat" cmpd="sng">
             <a:solidFill>
               <a:srgbClr val="000000"/>
             </a:solidFill>
             <a:prstDash val="solid"/>
             <a:round/>
-            <a:headEnd len="sm" w="sm" type="none"/>
-            <a:tailEnd len="sm" w="sm" type="none"/>
+            <a:headEnd type="none" w="sm" len="sm"/>
+            <a:tailEnd type="none" w="sm" len="sm"/>
           </a:ln>
         </p:spPr>
       </p:sp>
       <p:sp>
         <p:nvSpPr>
           <p:cNvPr id="4" name="Google Shape;4;n"/>
-          <p:cNvSpPr txBox="1"/>
+          <p:cNvSpPr txBox="1">
+            <a:spLocks noGrp="1"/>
+          </p:cNvSpPr>
           <p:nvPr>
-            <p:ph idx="1" type="body"/>
+            <p:ph type="body" idx="1"/>
           </p:nvPr>
         </p:nvSpPr>
         <p:spPr>
@@ -350,11 +363,11 @@
           </a:ln>
         </p:spPr>
         <p:txBody>
-          <a:bodyPr anchorCtr="0" anchor="t" bIns="91425" lIns="91425" spcFirstLastPara="1" rIns="91425" wrap="square" tIns="91425">
+          <a:bodyPr spcFirstLastPara="1" wrap="square" lIns="91425" tIns="91425" rIns="91425" bIns="91425" anchor="t" anchorCtr="0">
             <a:noAutofit/>
           </a:bodyPr>
           <a:lstStyle>
-            <a:lvl1pPr indent="-298450" lvl="0" marL="457200">
+            <a:lvl1pPr marL="457200" lvl="0" indent="-298450">
               <a:spcBef>
                 <a:spcPts val="0"/>
               </a:spcBef>
@@ -365,7 +378,7 @@
               <a:buChar char="●"/>
               <a:defRPr sz="1100"/>
             </a:lvl1pPr>
-            <a:lvl2pPr indent="-298450" lvl="1" marL="914400">
+            <a:lvl2pPr marL="914400" lvl="1" indent="-298450">
               <a:spcBef>
                 <a:spcPts val="0"/>
               </a:spcBef>
@@ -376,7 +389,7 @@
               <a:buChar char="○"/>
               <a:defRPr sz="1100"/>
             </a:lvl2pPr>
-            <a:lvl3pPr indent="-298450" lvl="2" marL="1371600">
+            <a:lvl3pPr marL="1371600" lvl="2" indent="-298450">
               <a:spcBef>
                 <a:spcPts val="0"/>
               </a:spcBef>
@@ -387,7 +400,7 @@
               <a:buChar char="■"/>
               <a:defRPr sz="1100"/>
             </a:lvl3pPr>
-            <a:lvl4pPr indent="-298450" lvl="3" marL="1828800">
+            <a:lvl4pPr marL="1828800" lvl="3" indent="-298450">
               <a:spcBef>
                 <a:spcPts val="0"/>
               </a:spcBef>
@@ -398,7 +411,7 @@
               <a:buChar char="●"/>
               <a:defRPr sz="1100"/>
             </a:lvl4pPr>
-            <a:lvl5pPr indent="-298450" lvl="4" marL="2286000">
+            <a:lvl5pPr marL="2286000" lvl="4" indent="-298450">
               <a:spcBef>
                 <a:spcPts val="0"/>
               </a:spcBef>
@@ -409,7 +422,7 @@
               <a:buChar char="○"/>
               <a:defRPr sz="1100"/>
             </a:lvl5pPr>
-            <a:lvl6pPr indent="-298450" lvl="5" marL="2743200">
+            <a:lvl6pPr marL="2743200" lvl="5" indent="-298450">
               <a:spcBef>
                 <a:spcPts val="0"/>
               </a:spcBef>
@@ -420,7 +433,7 @@
               <a:buChar char="■"/>
               <a:defRPr sz="1100"/>
             </a:lvl6pPr>
-            <a:lvl7pPr indent="-298450" lvl="6" marL="3200400">
+            <a:lvl7pPr marL="3200400" lvl="6" indent="-298450">
               <a:spcBef>
                 <a:spcPts val="0"/>
               </a:spcBef>
@@ -431,7 +444,7 @@
               <a:buChar char="●"/>
               <a:defRPr sz="1100"/>
             </a:lvl7pPr>
-            <a:lvl8pPr indent="-298450" lvl="7" marL="3657600">
+            <a:lvl8pPr marL="3657600" lvl="7" indent="-298450">
               <a:spcBef>
                 <a:spcPts val="0"/>
               </a:spcBef>
@@ -442,7 +455,7 @@
               <a:buChar char="○"/>
               <a:defRPr sz="1100"/>
             </a:lvl8pPr>
-            <a:lvl9pPr indent="-298450" lvl="8" marL="4114800">
+            <a:lvl9pPr marL="4114800" lvl="8" indent="-298450">
               <a:spcBef>
                 <a:spcPts val="0"/>
               </a:spcBef>
@@ -454,14 +467,16 @@
               <a:defRPr sz="1100"/>
             </a:lvl9pPr>
           </a:lstStyle>
-          <a:p/>
+          <a:p>
+            <a:endParaRPr/>
+          </a:p>
         </p:txBody>
       </p:sp>
     </p:spTree>
   </p:cSld>
-  <p:clrMap accent1="accent1" accent2="accent2" accent3="accent3" accent4="accent4" accent5="accent5" accent6="accent6" bg1="lt1" bg2="dk2" tx1="dk1" tx2="lt2" folHlink="folHlink" hlink="hlink"/>
+  <p:clrMap bg1="lt1" tx1="dk1" bg2="dk2" tx2="lt2" accent1="accent1" accent2="accent2" accent3="accent3" accent4="accent4" accent5="accent5" accent6="accent6" hlink="hlink" folHlink="folHlink"/>
   <p:notesStyle>
-    <a:defPPr lvl="0" marR="0" rtl="0" algn="l">
+    <a:defPPr marR="0" lvl="0" algn="l" rtl="0">
       <a:lnSpc>
         <a:spcPct val="100000"/>
       </a:lnSpc>
@@ -472,7 +487,7 @@
         <a:spcPts val="0"/>
       </a:spcAft>
     </a:defPPr>
-    <a:lvl1pPr lvl="0" marR="0" rtl="0" algn="l">
+    <a:lvl1pPr marR="0" lvl="0" algn="l" rtl="0">
       <a:lnSpc>
         <a:spcPct val="100000"/>
       </a:lnSpc>
@@ -486,7 +501,7 @@
         <a:srgbClr val="000000"/>
       </a:buClr>
       <a:buFont typeface="Arial"/>
-      <a:defRPr b="0" i="0" sz="1400" u="none" cap="none" strike="noStrike">
+      <a:defRPr sz="1400" b="0" i="0" u="none" strike="noStrike" cap="none">
         <a:solidFill>
           <a:srgbClr val="000000"/>
         </a:solidFill>
@@ -496,7 +511,7 @@
         <a:sym typeface="Arial"/>
       </a:defRPr>
     </a:lvl1pPr>
-    <a:lvl2pPr lvl="1" marR="0" rtl="0" algn="l">
+    <a:lvl2pPr marR="0" lvl="1" algn="l" rtl="0">
       <a:lnSpc>
         <a:spcPct val="100000"/>
       </a:lnSpc>
@@ -510,7 +525,7 @@
         <a:srgbClr val="000000"/>
       </a:buClr>
       <a:buFont typeface="Arial"/>
-      <a:defRPr b="0" i="0" sz="1400" u="none" cap="none" strike="noStrike">
+      <a:defRPr sz="1400" b="0" i="0" u="none" strike="noStrike" cap="none">
         <a:solidFill>
           <a:srgbClr val="000000"/>
         </a:solidFill>
@@ -520,7 +535,7 @@
         <a:sym typeface="Arial"/>
       </a:defRPr>
     </a:lvl2pPr>
-    <a:lvl3pPr lvl="2" marR="0" rtl="0" algn="l">
+    <a:lvl3pPr marR="0" lvl="2" algn="l" rtl="0">
       <a:lnSpc>
         <a:spcPct val="100000"/>
       </a:lnSpc>
@@ -534,7 +549,7 @@
         <a:srgbClr val="000000"/>
       </a:buClr>
       <a:buFont typeface="Arial"/>
-      <a:defRPr b="0" i="0" sz="1400" u="none" cap="none" strike="noStrike">
+      <a:defRPr sz="1400" b="0" i="0" u="none" strike="noStrike" cap="none">
         <a:solidFill>
           <a:srgbClr val="000000"/>
         </a:solidFill>
@@ -544,7 +559,7 @@
         <a:sym typeface="Arial"/>
       </a:defRPr>
     </a:lvl3pPr>
-    <a:lvl4pPr lvl="3" marR="0" rtl="0" algn="l">
+    <a:lvl4pPr marR="0" lvl="3" algn="l" rtl="0">
       <a:lnSpc>
         <a:spcPct val="100000"/>
       </a:lnSpc>
@@ -558,7 +573,7 @@
         <a:srgbClr val="000000"/>
       </a:buClr>
       <a:buFont typeface="Arial"/>
-      <a:defRPr b="0" i="0" sz="1400" u="none" cap="none" strike="noStrike">
+      <a:defRPr sz="1400" b="0" i="0" u="none" strike="noStrike" cap="none">
         <a:solidFill>
           <a:srgbClr val="000000"/>
         </a:solidFill>
@@ -568,7 +583,7 @@
         <a:sym typeface="Arial"/>
       </a:defRPr>
     </a:lvl4pPr>
-    <a:lvl5pPr lvl="4" marR="0" rtl="0" algn="l">
+    <a:lvl5pPr marR="0" lvl="4" algn="l" rtl="0">
       <a:lnSpc>
         <a:spcPct val="100000"/>
       </a:lnSpc>
@@ -582,7 +597,7 @@
         <a:srgbClr val="000000"/>
       </a:buClr>
       <a:buFont typeface="Arial"/>
-      <a:defRPr b="0" i="0" sz="1400" u="none" cap="none" strike="noStrike">
+      <a:defRPr sz="1400" b="0" i="0" u="none" strike="noStrike" cap="none">
         <a:solidFill>
           <a:srgbClr val="000000"/>
         </a:solidFill>
@@ -592,7 +607,7 @@
         <a:sym typeface="Arial"/>
       </a:defRPr>
     </a:lvl5pPr>
-    <a:lvl6pPr lvl="5" marR="0" rtl="0" algn="l">
+    <a:lvl6pPr marR="0" lvl="5" algn="l" rtl="0">
       <a:lnSpc>
         <a:spcPct val="100000"/>
       </a:lnSpc>
@@ -606,7 +621,7 @@
         <a:srgbClr val="000000"/>
       </a:buClr>
       <a:buFont typeface="Arial"/>
-      <a:defRPr b="0" i="0" sz="1400" u="none" cap="none" strike="noStrike">
+      <a:defRPr sz="1400" b="0" i="0" u="none" strike="noStrike" cap="none">
         <a:solidFill>
           <a:srgbClr val="000000"/>
         </a:solidFill>
@@ -616,7 +631,7 @@
         <a:sym typeface="Arial"/>
       </a:defRPr>
     </a:lvl6pPr>
-    <a:lvl7pPr lvl="6" marR="0" rtl="0" algn="l">
+    <a:lvl7pPr marR="0" lvl="6" algn="l" rtl="0">
       <a:lnSpc>
         <a:spcPct val="100000"/>
       </a:lnSpc>
@@ -630,7 +645,7 @@
         <a:srgbClr val="000000"/>
       </a:buClr>
       <a:buFont typeface="Arial"/>
-      <a:defRPr b="0" i="0" sz="1400" u="none" cap="none" strike="noStrike">
+      <a:defRPr sz="1400" b="0" i="0" u="none" strike="noStrike" cap="none">
         <a:solidFill>
           <a:srgbClr val="000000"/>
         </a:solidFill>
@@ -640,7 +655,7 @@
         <a:sym typeface="Arial"/>
       </a:defRPr>
     </a:lvl7pPr>
-    <a:lvl8pPr lvl="7" marR="0" rtl="0" algn="l">
+    <a:lvl8pPr marR="0" lvl="7" algn="l" rtl="0">
       <a:lnSpc>
         <a:spcPct val="100000"/>
       </a:lnSpc>
@@ -654,7 +669,7 @@
         <a:srgbClr val="000000"/>
       </a:buClr>
       <a:buFont typeface="Arial"/>
-      <a:defRPr b="0" i="0" sz="1400" u="none" cap="none" strike="noStrike">
+      <a:defRPr sz="1400" b="0" i="0" u="none" strike="noStrike" cap="none">
         <a:solidFill>
           <a:srgbClr val="000000"/>
         </a:solidFill>
@@ -664,7 +679,7 @@
         <a:sym typeface="Arial"/>
       </a:defRPr>
     </a:lvl8pPr>
-    <a:lvl9pPr lvl="8" marR="0" rtl="0" algn="l">
+    <a:lvl9pPr marR="0" lvl="8" algn="l" rtl="0">
       <a:lnSpc>
         <a:spcPct val="100000"/>
       </a:lnSpc>
@@ -678,7 +693,7 @@
         <a:srgbClr val="000000"/>
       </a:buClr>
       <a:buFont typeface="Arial"/>
-      <a:defRPr b="0" i="0" sz="1400" u="none" cap="none" strike="noStrike">
+      <a:defRPr sz="1400" b="0" i="0" u="none" strike="noStrike" cap="none">
         <a:solidFill>
           <a:srgbClr val="000000"/>
         </a:solidFill>
@@ -693,11 +708,11 @@
 </file>
 
 <file path=ppt/notesSlides/notesSlide1.xml><?xml version="1.0" encoding="utf-8"?>
-<p:notes xmlns:a="http://schemas.openxmlformats.org/drawingml/2006/main" xmlns:r="http://schemas.openxmlformats.org/officeDocument/2006/relationships" xmlns:mc="http://schemas.openxmlformats.org/markup-compatibility/2006" xmlns:mv="urn:schemas-microsoft-com:mac:vml" xmlns:p="http://schemas.openxmlformats.org/presentationml/2006/main" xmlns:c="http://schemas.openxmlformats.org/drawingml/2006/chart" xmlns:dgm="http://schemas.openxmlformats.org/drawingml/2006/diagram" xmlns:o="urn:schemas-microsoft-com:office:office" xmlns:v="urn:schemas-microsoft-com:vml" xmlns:pvml="urn:schemas-microsoft-com:office:powerpoint" xmlns:com="http://schemas.openxmlformats.org/drawingml/2006/compatibility" xmlns:p14="http://schemas.microsoft.com/office/powerpoint/2010/main" xmlns:p15="http://schemas.microsoft.com/office/powerpoint/2012/main" showMasterPhAnim="0" showMasterSp="0">
+<p:notes xmlns:a="http://schemas.openxmlformats.org/drawingml/2006/main" xmlns:r="http://schemas.openxmlformats.org/officeDocument/2006/relationships" xmlns:p="http://schemas.openxmlformats.org/presentationml/2006/main" showMasterSp="0" showMasterPhAnim="0">
   <p:cSld>
     <p:spTree>
       <p:nvGrpSpPr>
-        <p:cNvPr id="50" name="Shape 50"/>
+        <p:cNvPr id="1" name="Shape 50"/>
         <p:cNvGrpSpPr/>
         <p:nvPr/>
       </p:nvGrpSpPr>
@@ -712,9 +727,11 @@
       <p:sp>
         <p:nvSpPr>
           <p:cNvPr id="51" name="Google Shape;51;p:notes"/>
-          <p:cNvSpPr/>
+          <p:cNvSpPr>
+            <a:spLocks noGrp="1" noRot="1" noChangeAspect="1"/>
+          </p:cNvSpPr>
           <p:nvPr>
-            <p:ph idx="2" type="sldImg"/>
+            <p:ph type="sldImg" idx="2"/>
           </p:nvPr>
         </p:nvSpPr>
         <p:spPr>
@@ -723,9 +740,13 @@
             <a:ext cx="6096075" cy="3429000"/>
           </a:xfrm>
           <a:custGeom>
-            <a:rect b="b" l="l" r="r" t="t"/>
+            <a:avLst/>
+            <a:gdLst/>
+            <a:ahLst/>
+            <a:cxnLst/>
+            <a:rect l="l" t="t" r="r" b="b"/>
             <a:pathLst>
-              <a:path extrusionOk="0" h="120000" w="120000">
+              <a:path w="120000" h="120000" extrusionOk="0">
                 <a:moveTo>
                   <a:pt x="0" y="0"/>
                 </a:moveTo>
@@ -747,9 +768,11 @@
       <p:sp>
         <p:nvSpPr>
           <p:cNvPr id="52" name="Google Shape;52;p:notes"/>
-          <p:cNvSpPr txBox="1"/>
+          <p:cNvSpPr txBox="1">
+            <a:spLocks noGrp="1"/>
+          </p:cNvSpPr>
           <p:nvPr>
-            <p:ph idx="1" type="body"/>
+            <p:ph type="body" idx="1"/>
           </p:nvPr>
         </p:nvSpPr>
         <p:spPr>
@@ -762,12 +785,12 @@
           </a:prstGeom>
         </p:spPr>
         <p:txBody>
-          <a:bodyPr anchorCtr="0" anchor="t" bIns="91425" lIns="91425" spcFirstLastPara="1" rIns="91425" wrap="square" tIns="91425">
+          <a:bodyPr spcFirstLastPara="1" wrap="square" lIns="91425" tIns="91425" rIns="91425" bIns="91425" anchor="t" anchorCtr="0">
             <a:noAutofit/>
           </a:bodyPr>
           <a:lstStyle/>
           <a:p>
-            <a:pPr indent="0" lvl="0" marL="0" rtl="0" algn="l">
+            <a:pPr marL="0" lvl="0" indent="0" algn="l" rtl="0">
               <a:spcBef>
                 <a:spcPts val="0"/>
               </a:spcBef>
@@ -776,9 +799,6 @@
               </a:spcAft>
               <a:buNone/>
             </a:pPr>
-            <a:r>
-              <a:t/>
-            </a:r>
             <a:endParaRPr/>
           </a:p>
         </p:txBody>
@@ -792,11 +812,11 @@
 </file>
 
 <file path=ppt/notesSlides/notesSlide2.xml><?xml version="1.0" encoding="utf-8"?>
-<p:notes xmlns:a="http://schemas.openxmlformats.org/drawingml/2006/main" xmlns:r="http://schemas.openxmlformats.org/officeDocument/2006/relationships" xmlns:mc="http://schemas.openxmlformats.org/markup-compatibility/2006" xmlns:mv="urn:schemas-microsoft-com:mac:vml" xmlns:p="http://schemas.openxmlformats.org/presentationml/2006/main" xmlns:c="http://schemas.openxmlformats.org/drawingml/2006/chart" xmlns:dgm="http://schemas.openxmlformats.org/drawingml/2006/diagram" xmlns:o="urn:schemas-microsoft-com:office:office" xmlns:v="urn:schemas-microsoft-com:vml" xmlns:pvml="urn:schemas-microsoft-com:office:powerpoint" xmlns:com="http://schemas.openxmlformats.org/drawingml/2006/compatibility" xmlns:p14="http://schemas.microsoft.com/office/powerpoint/2010/main" xmlns:p15="http://schemas.microsoft.com/office/powerpoint/2012/main" showMasterPhAnim="0" showMasterSp="0">
+<p:notes xmlns:a="http://schemas.openxmlformats.org/drawingml/2006/main" xmlns:r="http://schemas.openxmlformats.org/officeDocument/2006/relationships" xmlns:p="http://schemas.openxmlformats.org/presentationml/2006/main" showMasterSp="0" showMasterPhAnim="0">
   <p:cSld>
     <p:spTree>
       <p:nvGrpSpPr>
-        <p:cNvPr id="56" name="Shape 56"/>
+        <p:cNvPr id="1" name="Shape 56"/>
         <p:cNvGrpSpPr/>
         <p:nvPr/>
       </p:nvGrpSpPr>
@@ -811,9 +831,11 @@
       <p:sp>
         <p:nvSpPr>
           <p:cNvPr id="57" name="Google Shape;57;g7d1fef00e8_0_5:notes"/>
-          <p:cNvSpPr/>
+          <p:cNvSpPr>
+            <a:spLocks noGrp="1" noRot="1" noChangeAspect="1"/>
+          </p:cNvSpPr>
           <p:nvPr>
-            <p:ph idx="2" type="sldImg"/>
+            <p:ph type="sldImg" idx="2"/>
           </p:nvPr>
         </p:nvSpPr>
         <p:spPr>
@@ -822,9 +844,13 @@
             <a:ext cx="6096000" cy="3429000"/>
           </a:xfrm>
           <a:custGeom>
-            <a:rect b="b" l="l" r="r" t="t"/>
+            <a:avLst/>
+            <a:gdLst/>
+            <a:ahLst/>
+            <a:cxnLst/>
+            <a:rect l="l" t="t" r="r" b="b"/>
             <a:pathLst>
-              <a:path extrusionOk="0" h="120000" w="120000">
+              <a:path w="120000" h="120000" extrusionOk="0">
                 <a:moveTo>
                   <a:pt x="0" y="0"/>
                 </a:moveTo>
@@ -846,9 +872,11 @@
       <p:sp>
         <p:nvSpPr>
           <p:cNvPr id="58" name="Google Shape;58;g7d1fef00e8_0_5:notes"/>
-          <p:cNvSpPr txBox="1"/>
+          <p:cNvSpPr txBox="1">
+            <a:spLocks noGrp="1"/>
+          </p:cNvSpPr>
           <p:nvPr>
-            <p:ph idx="1" type="body"/>
+            <p:ph type="body" idx="1"/>
           </p:nvPr>
         </p:nvSpPr>
         <p:spPr>
@@ -861,12 +889,12 @@
           </a:prstGeom>
         </p:spPr>
         <p:txBody>
-          <a:bodyPr anchorCtr="0" anchor="t" bIns="91425" lIns="91425" spcFirstLastPara="1" rIns="91425" wrap="square" tIns="91425">
+          <a:bodyPr spcFirstLastPara="1" wrap="square" lIns="91425" tIns="91425" rIns="91425" bIns="91425" anchor="t" anchorCtr="0">
             <a:noAutofit/>
           </a:bodyPr>
           <a:lstStyle/>
           <a:p>
-            <a:pPr indent="0" lvl="0" marL="0" rtl="0" algn="l">
+            <a:pPr marL="0" lvl="0" indent="0" algn="l" rtl="0">
               <a:spcBef>
                 <a:spcPts val="0"/>
               </a:spcBef>
@@ -875,9 +903,6 @@
               </a:spcAft>
               <a:buNone/>
             </a:pPr>
-            <a:r>
-              <a:t/>
-            </a:r>
             <a:endParaRPr/>
           </a:p>
         </p:txBody>
@@ -891,11 +916,11 @@
 </file>
 
 <file path=ppt/notesSlides/notesSlide3.xml><?xml version="1.0" encoding="utf-8"?>
-<p:notes xmlns:a="http://schemas.openxmlformats.org/drawingml/2006/main" xmlns:r="http://schemas.openxmlformats.org/officeDocument/2006/relationships" xmlns:mc="http://schemas.openxmlformats.org/markup-compatibility/2006" xmlns:mv="urn:schemas-microsoft-com:mac:vml" xmlns:p="http://schemas.openxmlformats.org/presentationml/2006/main" xmlns:c="http://schemas.openxmlformats.org/drawingml/2006/chart" xmlns:dgm="http://schemas.openxmlformats.org/drawingml/2006/diagram" xmlns:o="urn:schemas-microsoft-com:office:office" xmlns:v="urn:schemas-microsoft-com:vml" xmlns:pvml="urn:schemas-microsoft-com:office:powerpoint" xmlns:com="http://schemas.openxmlformats.org/drawingml/2006/compatibility" xmlns:p14="http://schemas.microsoft.com/office/powerpoint/2010/main" xmlns:p15="http://schemas.microsoft.com/office/powerpoint/2012/main" showMasterPhAnim="0" showMasterSp="0">
+<p:notes xmlns:a="http://schemas.openxmlformats.org/drawingml/2006/main" xmlns:r="http://schemas.openxmlformats.org/officeDocument/2006/relationships" xmlns:p="http://schemas.openxmlformats.org/presentationml/2006/main" showMasterSp="0" showMasterPhAnim="0">
   <p:cSld>
     <p:spTree>
       <p:nvGrpSpPr>
-        <p:cNvPr id="62" name="Shape 62"/>
+        <p:cNvPr id="1" name="Shape 62"/>
         <p:cNvGrpSpPr/>
         <p:nvPr/>
       </p:nvGrpSpPr>
@@ -910,20 +935,26 @@
       <p:sp>
         <p:nvSpPr>
           <p:cNvPr id="63" name="Google Shape;63;g7cbc391310_0_0:notes"/>
-          <p:cNvSpPr/>
+          <p:cNvSpPr>
+            <a:spLocks noGrp="1" noRot="1" noChangeAspect="1"/>
+          </p:cNvSpPr>
           <p:nvPr>
-            <p:ph idx="2" type="sldImg"/>
+            <p:ph type="sldImg" idx="2"/>
           </p:nvPr>
         </p:nvSpPr>
         <p:spPr>
           <a:xfrm>
-            <a:off x="381300" y="685800"/>
+            <a:off x="381000" y="685800"/>
             <a:ext cx="6096000" cy="3429000"/>
           </a:xfrm>
           <a:custGeom>
-            <a:rect b="b" l="l" r="r" t="t"/>
+            <a:avLst/>
+            <a:gdLst/>
+            <a:ahLst/>
+            <a:cxnLst/>
+            <a:rect l="l" t="t" r="r" b="b"/>
             <a:pathLst>
-              <a:path extrusionOk="0" h="120000" w="120000">
+              <a:path w="120000" h="120000" extrusionOk="0">
                 <a:moveTo>
                   <a:pt x="0" y="0"/>
                 </a:moveTo>
@@ -945,9 +976,11 @@
       <p:sp>
         <p:nvSpPr>
           <p:cNvPr id="64" name="Google Shape;64;g7cbc391310_0_0:notes"/>
-          <p:cNvSpPr txBox="1"/>
+          <p:cNvSpPr txBox="1">
+            <a:spLocks noGrp="1"/>
+          </p:cNvSpPr>
           <p:nvPr>
-            <p:ph idx="1" type="body"/>
+            <p:ph type="body" idx="1"/>
           </p:nvPr>
         </p:nvSpPr>
         <p:spPr>
@@ -960,12 +993,12 @@
           </a:prstGeom>
         </p:spPr>
         <p:txBody>
-          <a:bodyPr anchorCtr="0" anchor="t" bIns="91425" lIns="91425" spcFirstLastPara="1" rIns="91425" wrap="square" tIns="91425">
+          <a:bodyPr spcFirstLastPara="1" wrap="square" lIns="91425" tIns="91425" rIns="91425" bIns="91425" anchor="t" anchorCtr="0">
             <a:noAutofit/>
           </a:bodyPr>
           <a:lstStyle/>
           <a:p>
-            <a:pPr indent="0" lvl="0" marL="0" rtl="0" algn="l">
+            <a:pPr marL="0" lvl="0" indent="0" algn="l" rtl="0">
               <a:spcBef>
                 <a:spcPts val="0"/>
               </a:spcBef>
@@ -974,9 +1007,6 @@
               </a:spcAft>
               <a:buNone/>
             </a:pPr>
-            <a:r>
-              <a:t/>
-            </a:r>
             <a:endParaRPr/>
           </a:p>
         </p:txBody>
@@ -990,11 +1020,11 @@
 </file>
 
 <file path=ppt/notesSlides/notesSlide4.xml><?xml version="1.0" encoding="utf-8"?>
-<p:notes xmlns:a="http://schemas.openxmlformats.org/drawingml/2006/main" xmlns:r="http://schemas.openxmlformats.org/officeDocument/2006/relationships" xmlns:mc="http://schemas.openxmlformats.org/markup-compatibility/2006" xmlns:mv="urn:schemas-microsoft-com:mac:vml" xmlns:p="http://schemas.openxmlformats.org/presentationml/2006/main" xmlns:c="http://schemas.openxmlformats.org/drawingml/2006/chart" xmlns:dgm="http://schemas.openxmlformats.org/drawingml/2006/diagram" xmlns:o="urn:schemas-microsoft-com:office:office" xmlns:v="urn:schemas-microsoft-com:vml" xmlns:pvml="urn:schemas-microsoft-com:office:powerpoint" xmlns:com="http://schemas.openxmlformats.org/drawingml/2006/compatibility" xmlns:p14="http://schemas.microsoft.com/office/powerpoint/2010/main" xmlns:p15="http://schemas.microsoft.com/office/powerpoint/2012/main" showMasterPhAnim="0" showMasterSp="0">
+<p:notes xmlns:a="http://schemas.openxmlformats.org/drawingml/2006/main" xmlns:r="http://schemas.openxmlformats.org/officeDocument/2006/relationships" xmlns:p="http://schemas.openxmlformats.org/presentationml/2006/main" showMasterSp="0" showMasterPhAnim="0">
   <p:cSld>
     <p:spTree>
       <p:nvGrpSpPr>
-        <p:cNvPr id="94" name="Shape 94"/>
+        <p:cNvPr id="1" name="Shape 94"/>
         <p:cNvGrpSpPr/>
         <p:nvPr/>
       </p:nvGrpSpPr>
@@ -1009,9 +1039,11 @@
       <p:sp>
         <p:nvSpPr>
           <p:cNvPr id="95" name="Google Shape;95;g7cf6e4dd6c_0_0:notes"/>
-          <p:cNvSpPr/>
+          <p:cNvSpPr>
+            <a:spLocks noGrp="1" noRot="1" noChangeAspect="1"/>
+          </p:cNvSpPr>
           <p:nvPr>
-            <p:ph idx="2" type="sldImg"/>
+            <p:ph type="sldImg" idx="2"/>
           </p:nvPr>
         </p:nvSpPr>
         <p:spPr>
@@ -1020,9 +1052,13 @@
             <a:ext cx="6096000" cy="3429000"/>
           </a:xfrm>
           <a:custGeom>
-            <a:rect b="b" l="l" r="r" t="t"/>
+            <a:avLst/>
+            <a:gdLst/>
+            <a:ahLst/>
+            <a:cxnLst/>
+            <a:rect l="l" t="t" r="r" b="b"/>
             <a:pathLst>
-              <a:path extrusionOk="0" h="120000" w="120000">
+              <a:path w="120000" h="120000" extrusionOk="0">
                 <a:moveTo>
                   <a:pt x="0" y="0"/>
                 </a:moveTo>
@@ -1044,9 +1080,11 @@
       <p:sp>
         <p:nvSpPr>
           <p:cNvPr id="96" name="Google Shape;96;g7cf6e4dd6c_0_0:notes"/>
-          <p:cNvSpPr txBox="1"/>
+          <p:cNvSpPr txBox="1">
+            <a:spLocks noGrp="1"/>
+          </p:cNvSpPr>
           <p:nvPr>
-            <p:ph idx="1" type="body"/>
+            <p:ph type="body" idx="1"/>
           </p:nvPr>
         </p:nvSpPr>
         <p:spPr>
@@ -1059,12 +1097,12 @@
           </a:prstGeom>
         </p:spPr>
         <p:txBody>
-          <a:bodyPr anchorCtr="0" anchor="t" bIns="91425" lIns="91425" spcFirstLastPara="1" rIns="91425" wrap="square" tIns="91425">
+          <a:bodyPr spcFirstLastPara="1" wrap="square" lIns="91425" tIns="91425" rIns="91425" bIns="91425" anchor="t" anchorCtr="0">
             <a:noAutofit/>
           </a:bodyPr>
           <a:lstStyle/>
           <a:p>
-            <a:pPr indent="0" lvl="0" marL="0" rtl="0" algn="l">
+            <a:pPr marL="0" lvl="0" indent="0" algn="l" rtl="0">
               <a:spcBef>
                 <a:spcPts val="0"/>
               </a:spcBef>
@@ -1073,9 +1111,6 @@
               </a:spcAft>
               <a:buNone/>
             </a:pPr>
-            <a:r>
-              <a:t/>
-            </a:r>
             <a:endParaRPr/>
           </a:p>
         </p:txBody>
@@ -1089,11 +1124,11 @@
 </file>
 
 <file path=ppt/notesSlides/notesSlide5.xml><?xml version="1.0" encoding="utf-8"?>
-<p:notes xmlns:a="http://schemas.openxmlformats.org/drawingml/2006/main" xmlns:r="http://schemas.openxmlformats.org/officeDocument/2006/relationships" xmlns:mc="http://schemas.openxmlformats.org/markup-compatibility/2006" xmlns:mv="urn:schemas-microsoft-com:mac:vml" xmlns:p="http://schemas.openxmlformats.org/presentationml/2006/main" xmlns:c="http://schemas.openxmlformats.org/drawingml/2006/chart" xmlns:dgm="http://schemas.openxmlformats.org/drawingml/2006/diagram" xmlns:o="urn:schemas-microsoft-com:office:office" xmlns:v="urn:schemas-microsoft-com:vml" xmlns:pvml="urn:schemas-microsoft-com:office:powerpoint" xmlns:com="http://schemas.openxmlformats.org/drawingml/2006/compatibility" xmlns:p14="http://schemas.microsoft.com/office/powerpoint/2010/main" xmlns:p15="http://schemas.microsoft.com/office/powerpoint/2012/main" showMasterPhAnim="0" showMasterSp="0">
+<p:notes xmlns:a="http://schemas.openxmlformats.org/drawingml/2006/main" xmlns:r="http://schemas.openxmlformats.org/officeDocument/2006/relationships" xmlns:p="http://schemas.openxmlformats.org/presentationml/2006/main" showMasterSp="0" showMasterPhAnim="0">
   <p:cSld>
     <p:spTree>
       <p:nvGrpSpPr>
-        <p:cNvPr id="121" name="Shape 121"/>
+        <p:cNvPr id="1" name="Shape 121"/>
         <p:cNvGrpSpPr/>
         <p:nvPr/>
       </p:nvGrpSpPr>
@@ -1108,9 +1143,11 @@
       <p:sp>
         <p:nvSpPr>
           <p:cNvPr id="122" name="Google Shape;122;g7cf6e4dd6c_0_5:notes"/>
-          <p:cNvSpPr/>
+          <p:cNvSpPr>
+            <a:spLocks noGrp="1" noRot="1" noChangeAspect="1"/>
+          </p:cNvSpPr>
           <p:nvPr>
-            <p:ph idx="2" type="sldImg"/>
+            <p:ph type="sldImg" idx="2"/>
           </p:nvPr>
         </p:nvSpPr>
         <p:spPr>
@@ -1119,9 +1156,13 @@
             <a:ext cx="6096000" cy="3429000"/>
           </a:xfrm>
           <a:custGeom>
-            <a:rect b="b" l="l" r="r" t="t"/>
+            <a:avLst/>
+            <a:gdLst/>
+            <a:ahLst/>
+            <a:cxnLst/>
+            <a:rect l="l" t="t" r="r" b="b"/>
             <a:pathLst>
-              <a:path extrusionOk="0" h="120000" w="120000">
+              <a:path w="120000" h="120000" extrusionOk="0">
                 <a:moveTo>
                   <a:pt x="0" y="0"/>
                 </a:moveTo>
@@ -1143,9 +1184,11 @@
       <p:sp>
         <p:nvSpPr>
           <p:cNvPr id="123" name="Google Shape;123;g7cf6e4dd6c_0_5:notes"/>
-          <p:cNvSpPr txBox="1"/>
+          <p:cNvSpPr txBox="1">
+            <a:spLocks noGrp="1"/>
+          </p:cNvSpPr>
           <p:nvPr>
-            <p:ph idx="1" type="body"/>
+            <p:ph type="body" idx="1"/>
           </p:nvPr>
         </p:nvSpPr>
         <p:spPr>
@@ -1158,12 +1201,12 @@
           </a:prstGeom>
         </p:spPr>
         <p:txBody>
-          <a:bodyPr anchorCtr="0" anchor="t" bIns="91425" lIns="91425" spcFirstLastPara="1" rIns="91425" wrap="square" tIns="91425">
+          <a:bodyPr spcFirstLastPara="1" wrap="square" lIns="91425" tIns="91425" rIns="91425" bIns="91425" anchor="t" anchorCtr="0">
             <a:noAutofit/>
           </a:bodyPr>
           <a:lstStyle/>
           <a:p>
-            <a:pPr indent="0" lvl="0" marL="0" rtl="0" algn="l">
+            <a:pPr marL="0" lvl="0" indent="0" algn="l" rtl="0">
               <a:spcBef>
                 <a:spcPts val="0"/>
               </a:spcBef>
@@ -1172,9 +1215,6 @@
               </a:spcAft>
               <a:buNone/>
             </a:pPr>
-            <a:r>
-              <a:t/>
-            </a:r>
             <a:endParaRPr/>
           </a:p>
         </p:txBody>
@@ -1188,11 +1228,11 @@
 </file>
 
 <file path=ppt/notesSlides/notesSlide6.xml><?xml version="1.0" encoding="utf-8"?>
-<p:notes xmlns:a="http://schemas.openxmlformats.org/drawingml/2006/main" xmlns:r="http://schemas.openxmlformats.org/officeDocument/2006/relationships" xmlns:mc="http://schemas.openxmlformats.org/markup-compatibility/2006" xmlns:mv="urn:schemas-microsoft-com:mac:vml" xmlns:p="http://schemas.openxmlformats.org/presentationml/2006/main" xmlns:c="http://schemas.openxmlformats.org/drawingml/2006/chart" xmlns:dgm="http://schemas.openxmlformats.org/drawingml/2006/diagram" xmlns:o="urn:schemas-microsoft-com:office:office" xmlns:v="urn:schemas-microsoft-com:vml" xmlns:pvml="urn:schemas-microsoft-com:office:powerpoint" xmlns:com="http://schemas.openxmlformats.org/drawingml/2006/compatibility" xmlns:p14="http://schemas.microsoft.com/office/powerpoint/2010/main" xmlns:p15="http://schemas.microsoft.com/office/powerpoint/2012/main" showMasterPhAnim="0" showMasterSp="0">
+<p:notes xmlns:a="http://schemas.openxmlformats.org/drawingml/2006/main" xmlns:r="http://schemas.openxmlformats.org/officeDocument/2006/relationships" xmlns:p="http://schemas.openxmlformats.org/presentationml/2006/main" showMasterSp="0" showMasterPhAnim="0">
   <p:cSld>
     <p:spTree>
       <p:nvGrpSpPr>
-        <p:cNvPr id="142" name="Shape 142"/>
+        <p:cNvPr id="1" name="Shape 142"/>
         <p:cNvGrpSpPr/>
         <p:nvPr/>
       </p:nvGrpSpPr>
@@ -1207,20 +1247,26 @@
       <p:sp>
         <p:nvSpPr>
           <p:cNvPr id="143" name="Google Shape;143;g7d05acaf36_0_0:notes"/>
-          <p:cNvSpPr/>
+          <p:cNvSpPr>
+            <a:spLocks noGrp="1" noRot="1" noChangeAspect="1"/>
+          </p:cNvSpPr>
           <p:nvPr>
-            <p:ph idx="2" type="sldImg"/>
+            <p:ph type="sldImg" idx="2"/>
           </p:nvPr>
         </p:nvSpPr>
         <p:spPr>
           <a:xfrm>
-            <a:off x="381300" y="685800"/>
+            <a:off x="381000" y="685800"/>
             <a:ext cx="6096000" cy="3429000"/>
           </a:xfrm>
           <a:custGeom>
-            <a:rect b="b" l="l" r="r" t="t"/>
+            <a:avLst/>
+            <a:gdLst/>
+            <a:ahLst/>
+            <a:cxnLst/>
+            <a:rect l="l" t="t" r="r" b="b"/>
             <a:pathLst>
-              <a:path extrusionOk="0" h="120000" w="120000">
+              <a:path w="120000" h="120000" extrusionOk="0">
                 <a:moveTo>
                   <a:pt x="0" y="0"/>
                 </a:moveTo>
@@ -1242,9 +1288,11 @@
       <p:sp>
         <p:nvSpPr>
           <p:cNvPr id="144" name="Google Shape;144;g7d05acaf36_0_0:notes"/>
-          <p:cNvSpPr txBox="1"/>
+          <p:cNvSpPr txBox="1">
+            <a:spLocks noGrp="1"/>
+          </p:cNvSpPr>
           <p:nvPr>
-            <p:ph idx="1" type="body"/>
+            <p:ph type="body" idx="1"/>
           </p:nvPr>
         </p:nvSpPr>
         <p:spPr>
@@ -1257,12 +1305,12 @@
           </a:prstGeom>
         </p:spPr>
         <p:txBody>
-          <a:bodyPr anchorCtr="0" anchor="t" bIns="91425" lIns="91425" spcFirstLastPara="1" rIns="91425" wrap="square" tIns="91425">
+          <a:bodyPr spcFirstLastPara="1" wrap="square" lIns="91425" tIns="91425" rIns="91425" bIns="91425" anchor="t" anchorCtr="0">
             <a:noAutofit/>
           </a:bodyPr>
           <a:lstStyle/>
           <a:p>
-            <a:pPr indent="0" lvl="0" marL="0" rtl="0" algn="l">
+            <a:pPr marL="0" lvl="0" indent="0" algn="l" rtl="0">
               <a:spcBef>
                 <a:spcPts val="0"/>
               </a:spcBef>
@@ -1271,9 +1319,6 @@
               </a:spcAft>
               <a:buNone/>
             </a:pPr>
-            <a:r>
-              <a:t/>
-            </a:r>
             <a:endParaRPr/>
           </a:p>
         </p:txBody>
@@ -1287,11 +1332,11 @@
 </file>
 
 <file path=ppt/notesSlides/notesSlide7.xml><?xml version="1.0" encoding="utf-8"?>
-<p:notes xmlns:a="http://schemas.openxmlformats.org/drawingml/2006/main" xmlns:r="http://schemas.openxmlformats.org/officeDocument/2006/relationships" xmlns:mc="http://schemas.openxmlformats.org/markup-compatibility/2006" xmlns:mv="urn:schemas-microsoft-com:mac:vml" xmlns:p="http://schemas.openxmlformats.org/presentationml/2006/main" xmlns:c="http://schemas.openxmlformats.org/drawingml/2006/chart" xmlns:dgm="http://schemas.openxmlformats.org/drawingml/2006/diagram" xmlns:o="urn:schemas-microsoft-com:office:office" xmlns:v="urn:schemas-microsoft-com:vml" xmlns:pvml="urn:schemas-microsoft-com:office:powerpoint" xmlns:com="http://schemas.openxmlformats.org/drawingml/2006/compatibility" xmlns:p14="http://schemas.microsoft.com/office/powerpoint/2010/main" xmlns:p15="http://schemas.microsoft.com/office/powerpoint/2012/main" showMasterPhAnim="0" showMasterSp="0">
+<p:notes xmlns:a="http://schemas.openxmlformats.org/drawingml/2006/main" xmlns:r="http://schemas.openxmlformats.org/officeDocument/2006/relationships" xmlns:p="http://schemas.openxmlformats.org/presentationml/2006/main" showMasterSp="0" showMasterPhAnim="0">
   <p:cSld>
     <p:spTree>
       <p:nvGrpSpPr>
-        <p:cNvPr id="200" name="Shape 200"/>
+        <p:cNvPr id="1" name="Shape 200"/>
         <p:cNvGrpSpPr/>
         <p:nvPr/>
       </p:nvGrpSpPr>
@@ -1306,9 +1351,11 @@
       <p:sp>
         <p:nvSpPr>
           <p:cNvPr id="201" name="Google Shape;201;g7d19aad3d4_0_66:notes"/>
-          <p:cNvSpPr/>
+          <p:cNvSpPr>
+            <a:spLocks noGrp="1" noRot="1" noChangeAspect="1"/>
+          </p:cNvSpPr>
           <p:nvPr>
-            <p:ph idx="2" type="sldImg"/>
+            <p:ph type="sldImg" idx="2"/>
           </p:nvPr>
         </p:nvSpPr>
         <p:spPr>
@@ -1317,9 +1364,13 @@
             <a:ext cx="6096000" cy="3429000"/>
           </a:xfrm>
           <a:custGeom>
-            <a:rect b="b" l="l" r="r" t="t"/>
+            <a:avLst/>
+            <a:gdLst/>
+            <a:ahLst/>
+            <a:cxnLst/>
+            <a:rect l="l" t="t" r="r" b="b"/>
             <a:pathLst>
-              <a:path extrusionOk="0" h="120000" w="120000">
+              <a:path w="120000" h="120000" extrusionOk="0">
                 <a:moveTo>
                   <a:pt x="0" y="0"/>
                 </a:moveTo>
@@ -1341,9 +1392,11 @@
       <p:sp>
         <p:nvSpPr>
           <p:cNvPr id="202" name="Google Shape;202;g7d19aad3d4_0_66:notes"/>
-          <p:cNvSpPr txBox="1"/>
+          <p:cNvSpPr txBox="1">
+            <a:spLocks noGrp="1"/>
+          </p:cNvSpPr>
           <p:nvPr>
-            <p:ph idx="1" type="body"/>
+            <p:ph type="body" idx="1"/>
           </p:nvPr>
         </p:nvSpPr>
         <p:spPr>
@@ -1356,12 +1409,12 @@
           </a:prstGeom>
         </p:spPr>
         <p:txBody>
-          <a:bodyPr anchorCtr="0" anchor="t" bIns="91425" lIns="91425" spcFirstLastPara="1" rIns="91425" wrap="square" tIns="91425">
+          <a:bodyPr spcFirstLastPara="1" wrap="square" lIns="91425" tIns="91425" rIns="91425" bIns="91425" anchor="t" anchorCtr="0">
             <a:noAutofit/>
           </a:bodyPr>
           <a:lstStyle/>
           <a:p>
-            <a:pPr indent="0" lvl="0" marL="0" rtl="0" algn="l">
+            <a:pPr marL="0" lvl="0" indent="0" algn="l" rtl="0">
               <a:spcBef>
                 <a:spcPts val="0"/>
               </a:spcBef>
@@ -1370,9 +1423,6 @@
               </a:spcAft>
               <a:buNone/>
             </a:pPr>
-            <a:r>
-              <a:t/>
-            </a:r>
             <a:endParaRPr/>
           </a:p>
         </p:txBody>
@@ -1386,11 +1436,11 @@
 </file>
 
 <file path=ppt/slideLayouts/slideLayout1.xml><?xml version="1.0" encoding="utf-8"?>
-<p:sldLayout xmlns:a="http://schemas.openxmlformats.org/drawingml/2006/main" xmlns:r="http://schemas.openxmlformats.org/officeDocument/2006/relationships" xmlns:mc="http://schemas.openxmlformats.org/markup-compatibility/2006" xmlns:mv="urn:schemas-microsoft-com:mac:vml" xmlns:p="http://schemas.openxmlformats.org/presentationml/2006/main" xmlns:c="http://schemas.openxmlformats.org/drawingml/2006/chart" xmlns:dgm="http://schemas.openxmlformats.org/drawingml/2006/diagram" xmlns:o="urn:schemas-microsoft-com:office:office" xmlns:v="urn:schemas-microsoft-com:vml" xmlns:pvml="urn:schemas-microsoft-com:office:powerpoint" xmlns:com="http://schemas.openxmlformats.org/drawingml/2006/compatibility" xmlns:p14="http://schemas.microsoft.com/office/powerpoint/2010/main" xmlns:p15="http://schemas.microsoft.com/office/powerpoint/2012/main" matchingName="Title slide" type="title">
+<p:sldLayout xmlns:a="http://schemas.openxmlformats.org/drawingml/2006/main" xmlns:r="http://schemas.openxmlformats.org/officeDocument/2006/relationships" xmlns:p="http://schemas.openxmlformats.org/presentationml/2006/main" matchingName="Title slide" type="title">
   <p:cSld name="TITLE">
     <p:spTree>
       <p:nvGrpSpPr>
-        <p:cNvPr id="9" name="Shape 9"/>
+        <p:cNvPr id="1" name="Shape 9"/>
         <p:cNvGrpSpPr/>
         <p:nvPr/>
       </p:nvGrpSpPr>
@@ -1405,7 +1455,9 @@
       <p:sp>
         <p:nvSpPr>
           <p:cNvPr id="10" name="Google Shape;10;p2"/>
-          <p:cNvSpPr txBox="1"/>
+          <p:cNvSpPr txBox="1">
+            <a:spLocks noGrp="1"/>
+          </p:cNvSpPr>
           <p:nvPr>
             <p:ph type="ctrTitle"/>
           </p:nvPr>
@@ -1420,7 +1472,7 @@
           </a:prstGeom>
         </p:spPr>
         <p:txBody>
-          <a:bodyPr anchorCtr="0" anchor="b" bIns="91425" lIns="91425" spcFirstLastPara="1" rIns="91425" wrap="square" tIns="91425">
+          <a:bodyPr spcFirstLastPara="1" wrap="square" lIns="91425" tIns="91425" rIns="91425" bIns="91425" anchor="b" anchorCtr="0">
             <a:noAutofit/>
           </a:bodyPr>
           <a:lstStyle>
@@ -1524,15 +1576,19 @@
               <a:defRPr sz="5200"/>
             </a:lvl9pPr>
           </a:lstStyle>
-          <a:p/>
+          <a:p>
+            <a:endParaRPr/>
+          </a:p>
         </p:txBody>
       </p:sp>
       <p:sp>
         <p:nvSpPr>
           <p:cNvPr id="11" name="Google Shape;11;p2"/>
-          <p:cNvSpPr txBox="1"/>
+          <p:cNvSpPr txBox="1">
+            <a:spLocks noGrp="1"/>
+          </p:cNvSpPr>
           <p:nvPr>
-            <p:ph idx="1" type="subTitle"/>
+            <p:ph type="subTitle" idx="1"/>
           </p:nvPr>
         </p:nvSpPr>
         <p:spPr>
@@ -1545,7 +1601,7 @@
           </a:prstGeom>
         </p:spPr>
         <p:txBody>
-          <a:bodyPr anchorCtr="0" anchor="t" bIns="91425" lIns="91425" spcFirstLastPara="1" rIns="91425" wrap="square" tIns="91425">
+          <a:bodyPr spcFirstLastPara="1" wrap="square" lIns="91425" tIns="91425" rIns="91425" bIns="91425" anchor="t" anchorCtr="0">
             <a:noAutofit/>
           </a:bodyPr>
           <a:lstStyle>
@@ -1676,15 +1732,19 @@
               <a:defRPr sz="2800"/>
             </a:lvl9pPr>
           </a:lstStyle>
-          <a:p/>
+          <a:p>
+            <a:endParaRPr/>
+          </a:p>
         </p:txBody>
       </p:sp>
       <p:sp>
         <p:nvSpPr>
           <p:cNvPr id="12" name="Google Shape;12;p2"/>
-          <p:cNvSpPr txBox="1"/>
+          <p:cNvSpPr txBox="1">
+            <a:spLocks noGrp="1"/>
+          </p:cNvSpPr>
           <p:nvPr>
-            <p:ph idx="12" type="sldNum"/>
+            <p:ph type="sldNum" idx="12"/>
           </p:nvPr>
         </p:nvSpPr>
         <p:spPr>
@@ -1697,7 +1757,7 @@
           </a:prstGeom>
         </p:spPr>
         <p:txBody>
-          <a:bodyPr anchorCtr="0" anchor="ctr" bIns="91425" lIns="91425" spcFirstLastPara="1" rIns="91425" wrap="square" tIns="91425">
+          <a:bodyPr spcFirstLastPara="1" wrap="square" lIns="91425" tIns="91425" rIns="91425" bIns="91425" anchor="ctr" anchorCtr="0">
             <a:noAutofit/>
           </a:bodyPr>
           <a:lstStyle>
@@ -1739,7 +1799,7 @@
             </a:lvl9pPr>
           </a:lstStyle>
           <a:p>
-            <a:pPr indent="0" lvl="0" marL="0" rtl="0" algn="r">
+            <a:pPr marL="0" lvl="0" indent="0" algn="r" rtl="0">
               <a:spcBef>
                 <a:spcPts val="0"/>
               </a:spcBef>
@@ -1765,11 +1825,11 @@
 </file>
 
 <file path=ppt/slideLayouts/slideLayout10.xml><?xml version="1.0" encoding="utf-8"?>
-<p:sldLayout xmlns:a="http://schemas.openxmlformats.org/drawingml/2006/main" xmlns:r="http://schemas.openxmlformats.org/officeDocument/2006/relationships" xmlns:mc="http://schemas.openxmlformats.org/markup-compatibility/2006" xmlns:mv="urn:schemas-microsoft-com:mac:vml" xmlns:p="http://schemas.openxmlformats.org/presentationml/2006/main" xmlns:c="http://schemas.openxmlformats.org/drawingml/2006/chart" xmlns:dgm="http://schemas.openxmlformats.org/drawingml/2006/diagram" xmlns:o="urn:schemas-microsoft-com:office:office" xmlns:v="urn:schemas-microsoft-com:vml" xmlns:pvml="urn:schemas-microsoft-com:office:powerpoint" xmlns:com="http://schemas.openxmlformats.org/drawingml/2006/compatibility" xmlns:p14="http://schemas.microsoft.com/office/powerpoint/2010/main" xmlns:p15="http://schemas.microsoft.com/office/powerpoint/2012/main" matchingName="Big number">
+<p:sldLayout xmlns:a="http://schemas.openxmlformats.org/drawingml/2006/main" xmlns:r="http://schemas.openxmlformats.org/officeDocument/2006/relationships" xmlns:p="http://schemas.openxmlformats.org/presentationml/2006/main" matchingName="Big number">
   <p:cSld name="BIG_NUMBER">
     <p:spTree>
       <p:nvGrpSpPr>
-        <p:cNvPr id="44" name="Shape 44"/>
+        <p:cNvPr id="1" name="Shape 44"/>
         <p:cNvGrpSpPr/>
         <p:nvPr/>
       </p:nvGrpSpPr>
@@ -1784,9 +1844,11 @@
       <p:sp>
         <p:nvSpPr>
           <p:cNvPr id="45" name="Google Shape;45;p11"/>
-          <p:cNvSpPr txBox="1"/>
+          <p:cNvSpPr txBox="1">
+            <a:spLocks noGrp="1"/>
+          </p:cNvSpPr>
           <p:nvPr>
-            <p:ph hasCustomPrompt="1" type="title"/>
+            <p:ph type="title" hasCustomPrompt="1"/>
           </p:nvPr>
         </p:nvSpPr>
         <p:spPr>
@@ -1799,7 +1861,7 @@
           </a:prstGeom>
         </p:spPr>
         <p:txBody>
-          <a:bodyPr anchorCtr="0" anchor="b" bIns="91425" lIns="91425" spcFirstLastPara="1" rIns="91425" wrap="square" tIns="91425">
+          <a:bodyPr spcFirstLastPara="1" wrap="square" lIns="91425" tIns="91425" rIns="91425" bIns="91425" anchor="b" anchorCtr="0">
             <a:noAutofit/>
           </a:bodyPr>
           <a:lstStyle>
@@ -1913,9 +1975,11 @@
       <p:sp>
         <p:nvSpPr>
           <p:cNvPr id="46" name="Google Shape;46;p11"/>
-          <p:cNvSpPr txBox="1"/>
+          <p:cNvSpPr txBox="1">
+            <a:spLocks noGrp="1"/>
+          </p:cNvSpPr>
           <p:nvPr>
-            <p:ph idx="1" type="body"/>
+            <p:ph type="body" idx="1"/>
           </p:nvPr>
         </p:nvSpPr>
         <p:spPr>
@@ -1928,11 +1992,11 @@
           </a:prstGeom>
         </p:spPr>
         <p:txBody>
-          <a:bodyPr anchorCtr="0" anchor="t" bIns="91425" lIns="91425" spcFirstLastPara="1" rIns="91425" wrap="square" tIns="91425">
+          <a:bodyPr spcFirstLastPara="1" wrap="square" lIns="91425" tIns="91425" rIns="91425" bIns="91425" anchor="t" anchorCtr="0">
             <a:noAutofit/>
           </a:bodyPr>
           <a:lstStyle>
-            <a:lvl1pPr indent="-342900" lvl="0" marL="457200" algn="ctr">
+            <a:lvl1pPr marL="457200" lvl="0" indent="-342900" algn="ctr">
               <a:spcBef>
                 <a:spcPts val="0"/>
               </a:spcBef>
@@ -1943,7 +2007,7 @@
               <a:buChar char="●"/>
               <a:defRPr/>
             </a:lvl1pPr>
-            <a:lvl2pPr indent="-317500" lvl="1" marL="914400" algn="ctr">
+            <a:lvl2pPr marL="914400" lvl="1" indent="-317500" algn="ctr">
               <a:spcBef>
                 <a:spcPts val="1600"/>
               </a:spcBef>
@@ -1954,7 +2018,7 @@
               <a:buChar char="○"/>
               <a:defRPr/>
             </a:lvl2pPr>
-            <a:lvl3pPr indent="-317500" lvl="2" marL="1371600" algn="ctr">
+            <a:lvl3pPr marL="1371600" lvl="2" indent="-317500" algn="ctr">
               <a:spcBef>
                 <a:spcPts val="1600"/>
               </a:spcBef>
@@ -1965,7 +2029,7 @@
               <a:buChar char="■"/>
               <a:defRPr/>
             </a:lvl3pPr>
-            <a:lvl4pPr indent="-317500" lvl="3" marL="1828800" algn="ctr">
+            <a:lvl4pPr marL="1828800" lvl="3" indent="-317500" algn="ctr">
               <a:spcBef>
                 <a:spcPts val="1600"/>
               </a:spcBef>
@@ -1976,7 +2040,7 @@
               <a:buChar char="●"/>
               <a:defRPr/>
             </a:lvl4pPr>
-            <a:lvl5pPr indent="-317500" lvl="4" marL="2286000" algn="ctr">
+            <a:lvl5pPr marL="2286000" lvl="4" indent="-317500" algn="ctr">
               <a:spcBef>
                 <a:spcPts val="1600"/>
               </a:spcBef>
@@ -1987,7 +2051,7 @@
               <a:buChar char="○"/>
               <a:defRPr/>
             </a:lvl5pPr>
-            <a:lvl6pPr indent="-317500" lvl="5" marL="2743200" algn="ctr">
+            <a:lvl6pPr marL="2743200" lvl="5" indent="-317500" algn="ctr">
               <a:spcBef>
                 <a:spcPts val="1600"/>
               </a:spcBef>
@@ -1998,7 +2062,7 @@
               <a:buChar char="■"/>
               <a:defRPr/>
             </a:lvl6pPr>
-            <a:lvl7pPr indent="-317500" lvl="6" marL="3200400" algn="ctr">
+            <a:lvl7pPr marL="3200400" lvl="6" indent="-317500" algn="ctr">
               <a:spcBef>
                 <a:spcPts val="1600"/>
               </a:spcBef>
@@ -2009,7 +2073,7 @@
               <a:buChar char="●"/>
               <a:defRPr/>
             </a:lvl7pPr>
-            <a:lvl8pPr indent="-317500" lvl="7" marL="3657600" algn="ctr">
+            <a:lvl8pPr marL="3657600" lvl="7" indent="-317500" algn="ctr">
               <a:spcBef>
                 <a:spcPts val="1600"/>
               </a:spcBef>
@@ -2020,7 +2084,7 @@
               <a:buChar char="○"/>
               <a:defRPr/>
             </a:lvl8pPr>
-            <a:lvl9pPr indent="-317500" lvl="8" marL="4114800" algn="ctr">
+            <a:lvl9pPr marL="4114800" lvl="8" indent="-317500" algn="ctr">
               <a:spcBef>
                 <a:spcPts val="1600"/>
               </a:spcBef>
@@ -2032,15 +2096,19 @@
               <a:defRPr/>
             </a:lvl9pPr>
           </a:lstStyle>
-          <a:p/>
+          <a:p>
+            <a:endParaRPr/>
+          </a:p>
         </p:txBody>
       </p:sp>
       <p:sp>
         <p:nvSpPr>
           <p:cNvPr id="47" name="Google Shape;47;p11"/>
-          <p:cNvSpPr txBox="1"/>
+          <p:cNvSpPr txBox="1">
+            <a:spLocks noGrp="1"/>
+          </p:cNvSpPr>
           <p:nvPr>
-            <p:ph idx="12" type="sldNum"/>
+            <p:ph type="sldNum" idx="12"/>
           </p:nvPr>
         </p:nvSpPr>
         <p:spPr>
@@ -2053,7 +2121,7 @@
           </a:prstGeom>
         </p:spPr>
         <p:txBody>
-          <a:bodyPr anchorCtr="0" anchor="ctr" bIns="91425" lIns="91425" spcFirstLastPara="1" rIns="91425" wrap="square" tIns="91425">
+          <a:bodyPr spcFirstLastPara="1" wrap="square" lIns="91425" tIns="91425" rIns="91425" bIns="91425" anchor="ctr" anchorCtr="0">
             <a:noAutofit/>
           </a:bodyPr>
           <a:lstStyle>
@@ -2095,7 +2163,7 @@
             </a:lvl9pPr>
           </a:lstStyle>
           <a:p>
-            <a:pPr indent="0" lvl="0" marL="0" rtl="0" algn="r">
+            <a:pPr marL="0" lvl="0" indent="0" algn="r" rtl="0">
               <a:spcBef>
                 <a:spcPts val="0"/>
               </a:spcBef>
@@ -2121,11 +2189,11 @@
 </file>
 
 <file path=ppt/slideLayouts/slideLayout11.xml><?xml version="1.0" encoding="utf-8"?>
-<p:sldLayout xmlns:a="http://schemas.openxmlformats.org/drawingml/2006/main" xmlns:r="http://schemas.openxmlformats.org/officeDocument/2006/relationships" xmlns:mc="http://schemas.openxmlformats.org/markup-compatibility/2006" xmlns:mv="urn:schemas-microsoft-com:mac:vml" xmlns:p="http://schemas.openxmlformats.org/presentationml/2006/main" xmlns:c="http://schemas.openxmlformats.org/drawingml/2006/chart" xmlns:dgm="http://schemas.openxmlformats.org/drawingml/2006/diagram" xmlns:o="urn:schemas-microsoft-com:office:office" xmlns:v="urn:schemas-microsoft-com:vml" xmlns:pvml="urn:schemas-microsoft-com:office:powerpoint" xmlns:com="http://schemas.openxmlformats.org/drawingml/2006/compatibility" xmlns:p14="http://schemas.microsoft.com/office/powerpoint/2010/main" xmlns:p15="http://schemas.microsoft.com/office/powerpoint/2012/main" matchingName="Blank" type="blank">
+<p:sldLayout xmlns:a="http://schemas.openxmlformats.org/drawingml/2006/main" xmlns:r="http://schemas.openxmlformats.org/officeDocument/2006/relationships" xmlns:p="http://schemas.openxmlformats.org/presentationml/2006/main" matchingName="Blank" type="blank">
   <p:cSld name="BLANK">
     <p:spTree>
       <p:nvGrpSpPr>
-        <p:cNvPr id="48" name="Shape 48"/>
+        <p:cNvPr id="1" name="Shape 48"/>
         <p:cNvGrpSpPr/>
         <p:nvPr/>
       </p:nvGrpSpPr>
@@ -2140,9 +2208,11 @@
       <p:sp>
         <p:nvSpPr>
           <p:cNvPr id="49" name="Google Shape;49;p12"/>
-          <p:cNvSpPr txBox="1"/>
+          <p:cNvSpPr txBox="1">
+            <a:spLocks noGrp="1"/>
+          </p:cNvSpPr>
           <p:nvPr>
-            <p:ph idx="12" type="sldNum"/>
+            <p:ph type="sldNum" idx="12"/>
           </p:nvPr>
         </p:nvSpPr>
         <p:spPr>
@@ -2155,7 +2225,7 @@
           </a:prstGeom>
         </p:spPr>
         <p:txBody>
-          <a:bodyPr anchorCtr="0" anchor="ctr" bIns="91425" lIns="91425" spcFirstLastPara="1" rIns="91425" wrap="square" tIns="91425">
+          <a:bodyPr spcFirstLastPara="1" wrap="square" lIns="91425" tIns="91425" rIns="91425" bIns="91425" anchor="ctr" anchorCtr="0">
             <a:noAutofit/>
           </a:bodyPr>
           <a:lstStyle>
@@ -2197,7 +2267,7 @@
             </a:lvl9pPr>
           </a:lstStyle>
           <a:p>
-            <a:pPr indent="0" lvl="0" marL="0" rtl="0" algn="r">
+            <a:pPr marL="0" lvl="0" indent="0" algn="r" rtl="0">
               <a:spcBef>
                 <a:spcPts val="0"/>
               </a:spcBef>
@@ -2223,11 +2293,11 @@
 </file>
 
 <file path=ppt/slideLayouts/slideLayout2.xml><?xml version="1.0" encoding="utf-8"?>
-<p:sldLayout xmlns:a="http://schemas.openxmlformats.org/drawingml/2006/main" xmlns:r="http://schemas.openxmlformats.org/officeDocument/2006/relationships" xmlns:mc="http://schemas.openxmlformats.org/markup-compatibility/2006" xmlns:mv="urn:schemas-microsoft-com:mac:vml" xmlns:p="http://schemas.openxmlformats.org/presentationml/2006/main" xmlns:c="http://schemas.openxmlformats.org/drawingml/2006/chart" xmlns:dgm="http://schemas.openxmlformats.org/drawingml/2006/diagram" xmlns:o="urn:schemas-microsoft-com:office:office" xmlns:v="urn:schemas-microsoft-com:vml" xmlns:pvml="urn:schemas-microsoft-com:office:powerpoint" xmlns:com="http://schemas.openxmlformats.org/drawingml/2006/compatibility" xmlns:p14="http://schemas.microsoft.com/office/powerpoint/2010/main" xmlns:p15="http://schemas.microsoft.com/office/powerpoint/2012/main" matchingName="Section header" type="secHead">
+<p:sldLayout xmlns:a="http://schemas.openxmlformats.org/drawingml/2006/main" xmlns:r="http://schemas.openxmlformats.org/officeDocument/2006/relationships" xmlns:p="http://schemas.openxmlformats.org/presentationml/2006/main" matchingName="Section header" type="secHead">
   <p:cSld name="SECTION_HEADER">
     <p:spTree>
       <p:nvGrpSpPr>
-        <p:cNvPr id="13" name="Shape 13"/>
+        <p:cNvPr id="1" name="Shape 13"/>
         <p:cNvGrpSpPr/>
         <p:nvPr/>
       </p:nvGrpSpPr>
@@ -2242,7 +2312,9 @@
       <p:sp>
         <p:nvSpPr>
           <p:cNvPr id="14" name="Google Shape;14;p3"/>
-          <p:cNvSpPr txBox="1"/>
+          <p:cNvSpPr txBox="1">
+            <a:spLocks noGrp="1"/>
+          </p:cNvSpPr>
           <p:nvPr>
             <p:ph type="title"/>
           </p:nvPr>
@@ -2257,7 +2329,7 @@
           </a:prstGeom>
         </p:spPr>
         <p:txBody>
-          <a:bodyPr anchorCtr="0" anchor="ctr" bIns="91425" lIns="91425" spcFirstLastPara="1" rIns="91425" wrap="square" tIns="91425">
+          <a:bodyPr spcFirstLastPara="1" wrap="square" lIns="91425" tIns="91425" rIns="91425" bIns="91425" anchor="ctr" anchorCtr="0">
             <a:noAutofit/>
           </a:bodyPr>
           <a:lstStyle>
@@ -2361,15 +2433,19 @@
               <a:defRPr sz="3600"/>
             </a:lvl9pPr>
           </a:lstStyle>
-          <a:p/>
+          <a:p>
+            <a:endParaRPr/>
+          </a:p>
         </p:txBody>
       </p:sp>
       <p:sp>
         <p:nvSpPr>
           <p:cNvPr id="15" name="Google Shape;15;p3"/>
-          <p:cNvSpPr txBox="1"/>
+          <p:cNvSpPr txBox="1">
+            <a:spLocks noGrp="1"/>
+          </p:cNvSpPr>
           <p:nvPr>
-            <p:ph idx="12" type="sldNum"/>
+            <p:ph type="sldNum" idx="12"/>
           </p:nvPr>
         </p:nvSpPr>
         <p:spPr>
@@ -2382,7 +2458,7 @@
           </a:prstGeom>
         </p:spPr>
         <p:txBody>
-          <a:bodyPr anchorCtr="0" anchor="ctr" bIns="91425" lIns="91425" spcFirstLastPara="1" rIns="91425" wrap="square" tIns="91425">
+          <a:bodyPr spcFirstLastPara="1" wrap="square" lIns="91425" tIns="91425" rIns="91425" bIns="91425" anchor="ctr" anchorCtr="0">
             <a:noAutofit/>
           </a:bodyPr>
           <a:lstStyle>
@@ -2424,7 +2500,7 @@
             </a:lvl9pPr>
           </a:lstStyle>
           <a:p>
-            <a:pPr indent="0" lvl="0" marL="0" rtl="0" algn="r">
+            <a:pPr marL="0" lvl="0" indent="0" algn="r" rtl="0">
               <a:spcBef>
                 <a:spcPts val="0"/>
               </a:spcBef>
@@ -2450,11 +2526,11 @@
 </file>
 
 <file path=ppt/slideLayouts/slideLayout3.xml><?xml version="1.0" encoding="utf-8"?>
-<p:sldLayout xmlns:a="http://schemas.openxmlformats.org/drawingml/2006/main" xmlns:r="http://schemas.openxmlformats.org/officeDocument/2006/relationships" xmlns:mc="http://schemas.openxmlformats.org/markup-compatibility/2006" xmlns:mv="urn:schemas-microsoft-com:mac:vml" xmlns:p="http://schemas.openxmlformats.org/presentationml/2006/main" xmlns:c="http://schemas.openxmlformats.org/drawingml/2006/chart" xmlns:dgm="http://schemas.openxmlformats.org/drawingml/2006/diagram" xmlns:o="urn:schemas-microsoft-com:office:office" xmlns:v="urn:schemas-microsoft-com:vml" xmlns:pvml="urn:schemas-microsoft-com:office:powerpoint" xmlns:com="http://schemas.openxmlformats.org/drawingml/2006/compatibility" xmlns:p14="http://schemas.microsoft.com/office/powerpoint/2010/main" xmlns:p15="http://schemas.microsoft.com/office/powerpoint/2012/main" matchingName="Title and body" type="tx">
+<p:sldLayout xmlns:a="http://schemas.openxmlformats.org/drawingml/2006/main" xmlns:r="http://schemas.openxmlformats.org/officeDocument/2006/relationships" xmlns:p="http://schemas.openxmlformats.org/presentationml/2006/main" matchingName="Title and body" type="tx">
   <p:cSld name="TITLE_AND_BODY">
     <p:spTree>
       <p:nvGrpSpPr>
-        <p:cNvPr id="16" name="Shape 16"/>
+        <p:cNvPr id="1" name="Shape 16"/>
         <p:cNvGrpSpPr/>
         <p:nvPr/>
       </p:nvGrpSpPr>
@@ -2469,7 +2545,9 @@
       <p:sp>
         <p:nvSpPr>
           <p:cNvPr id="17" name="Google Shape;17;p4"/>
-          <p:cNvSpPr txBox="1"/>
+          <p:cNvSpPr txBox="1">
+            <a:spLocks noGrp="1"/>
+          </p:cNvSpPr>
           <p:nvPr>
             <p:ph type="title"/>
           </p:nvPr>
@@ -2484,7 +2562,7 @@
           </a:prstGeom>
         </p:spPr>
         <p:txBody>
-          <a:bodyPr anchorCtr="0" anchor="t" bIns="91425" lIns="91425" spcFirstLastPara="1" rIns="91425" wrap="square" tIns="91425">
+          <a:bodyPr spcFirstLastPara="1" wrap="square" lIns="91425" tIns="91425" rIns="91425" bIns="91425" anchor="t" anchorCtr="0">
             <a:noAutofit/>
           </a:bodyPr>
           <a:lstStyle>
@@ -2588,15 +2666,19 @@
               <a:defRPr/>
             </a:lvl9pPr>
           </a:lstStyle>
-          <a:p/>
+          <a:p>
+            <a:endParaRPr/>
+          </a:p>
         </p:txBody>
       </p:sp>
       <p:sp>
         <p:nvSpPr>
           <p:cNvPr id="18" name="Google Shape;18;p4"/>
-          <p:cNvSpPr txBox="1"/>
+          <p:cNvSpPr txBox="1">
+            <a:spLocks noGrp="1"/>
+          </p:cNvSpPr>
           <p:nvPr>
-            <p:ph idx="1" type="body"/>
+            <p:ph type="body" idx="1"/>
           </p:nvPr>
         </p:nvSpPr>
         <p:spPr>
@@ -2609,11 +2691,11 @@
           </a:prstGeom>
         </p:spPr>
         <p:txBody>
-          <a:bodyPr anchorCtr="0" anchor="t" bIns="91425" lIns="91425" spcFirstLastPara="1" rIns="91425" wrap="square" tIns="91425">
+          <a:bodyPr spcFirstLastPara="1" wrap="square" lIns="91425" tIns="91425" rIns="91425" bIns="91425" anchor="t" anchorCtr="0">
             <a:noAutofit/>
           </a:bodyPr>
           <a:lstStyle>
-            <a:lvl1pPr indent="-342900" lvl="0" marL="457200">
+            <a:lvl1pPr marL="457200" lvl="0" indent="-342900">
               <a:spcBef>
                 <a:spcPts val="0"/>
               </a:spcBef>
@@ -2624,7 +2706,7 @@
               <a:buChar char="●"/>
               <a:defRPr/>
             </a:lvl1pPr>
-            <a:lvl2pPr indent="-317500" lvl="1" marL="914400">
+            <a:lvl2pPr marL="914400" lvl="1" indent="-317500">
               <a:spcBef>
                 <a:spcPts val="1600"/>
               </a:spcBef>
@@ -2635,7 +2717,7 @@
               <a:buChar char="○"/>
               <a:defRPr/>
             </a:lvl2pPr>
-            <a:lvl3pPr indent="-317500" lvl="2" marL="1371600">
+            <a:lvl3pPr marL="1371600" lvl="2" indent="-317500">
               <a:spcBef>
                 <a:spcPts val="1600"/>
               </a:spcBef>
@@ -2646,7 +2728,7 @@
               <a:buChar char="■"/>
               <a:defRPr/>
             </a:lvl3pPr>
-            <a:lvl4pPr indent="-317500" lvl="3" marL="1828800">
+            <a:lvl4pPr marL="1828800" lvl="3" indent="-317500">
               <a:spcBef>
                 <a:spcPts val="1600"/>
               </a:spcBef>
@@ -2657,7 +2739,7 @@
               <a:buChar char="●"/>
               <a:defRPr/>
             </a:lvl4pPr>
-            <a:lvl5pPr indent="-317500" lvl="4" marL="2286000">
+            <a:lvl5pPr marL="2286000" lvl="4" indent="-317500">
               <a:spcBef>
                 <a:spcPts val="1600"/>
               </a:spcBef>
@@ -2668,7 +2750,7 @@
               <a:buChar char="○"/>
               <a:defRPr/>
             </a:lvl5pPr>
-            <a:lvl6pPr indent="-317500" lvl="5" marL="2743200">
+            <a:lvl6pPr marL="2743200" lvl="5" indent="-317500">
               <a:spcBef>
                 <a:spcPts val="1600"/>
               </a:spcBef>
@@ -2679,7 +2761,7 @@
               <a:buChar char="■"/>
               <a:defRPr/>
             </a:lvl6pPr>
-            <a:lvl7pPr indent="-317500" lvl="6" marL="3200400">
+            <a:lvl7pPr marL="3200400" lvl="6" indent="-317500">
               <a:spcBef>
                 <a:spcPts val="1600"/>
               </a:spcBef>
@@ -2690,7 +2772,7 @@
               <a:buChar char="●"/>
               <a:defRPr/>
             </a:lvl7pPr>
-            <a:lvl8pPr indent="-317500" lvl="7" marL="3657600">
+            <a:lvl8pPr marL="3657600" lvl="7" indent="-317500">
               <a:spcBef>
                 <a:spcPts val="1600"/>
               </a:spcBef>
@@ -2701,7 +2783,7 @@
               <a:buChar char="○"/>
               <a:defRPr/>
             </a:lvl8pPr>
-            <a:lvl9pPr indent="-317500" lvl="8" marL="4114800">
+            <a:lvl9pPr marL="4114800" lvl="8" indent="-317500">
               <a:spcBef>
                 <a:spcPts val="1600"/>
               </a:spcBef>
@@ -2713,15 +2795,19 @@
               <a:defRPr/>
             </a:lvl9pPr>
           </a:lstStyle>
-          <a:p/>
+          <a:p>
+            <a:endParaRPr/>
+          </a:p>
         </p:txBody>
       </p:sp>
       <p:sp>
         <p:nvSpPr>
           <p:cNvPr id="19" name="Google Shape;19;p4"/>
-          <p:cNvSpPr txBox="1"/>
+          <p:cNvSpPr txBox="1">
+            <a:spLocks noGrp="1"/>
+          </p:cNvSpPr>
           <p:nvPr>
-            <p:ph idx="12" type="sldNum"/>
+            <p:ph type="sldNum" idx="12"/>
           </p:nvPr>
         </p:nvSpPr>
         <p:spPr>
@@ -2734,7 +2820,7 @@
           </a:prstGeom>
         </p:spPr>
         <p:txBody>
-          <a:bodyPr anchorCtr="0" anchor="ctr" bIns="91425" lIns="91425" spcFirstLastPara="1" rIns="91425" wrap="square" tIns="91425">
+          <a:bodyPr spcFirstLastPara="1" wrap="square" lIns="91425" tIns="91425" rIns="91425" bIns="91425" anchor="ctr" anchorCtr="0">
             <a:noAutofit/>
           </a:bodyPr>
           <a:lstStyle>
@@ -2776,7 +2862,7 @@
             </a:lvl9pPr>
           </a:lstStyle>
           <a:p>
-            <a:pPr indent="0" lvl="0" marL="0" rtl="0" algn="r">
+            <a:pPr marL="0" lvl="0" indent="0" algn="r" rtl="0">
               <a:spcBef>
                 <a:spcPts val="0"/>
               </a:spcBef>
@@ -2802,11 +2888,11 @@
 </file>
 
 <file path=ppt/slideLayouts/slideLayout4.xml><?xml version="1.0" encoding="utf-8"?>
-<p:sldLayout xmlns:a="http://schemas.openxmlformats.org/drawingml/2006/main" xmlns:r="http://schemas.openxmlformats.org/officeDocument/2006/relationships" xmlns:mc="http://schemas.openxmlformats.org/markup-compatibility/2006" xmlns:mv="urn:schemas-microsoft-com:mac:vml" xmlns:p="http://schemas.openxmlformats.org/presentationml/2006/main" xmlns:c="http://schemas.openxmlformats.org/drawingml/2006/chart" xmlns:dgm="http://schemas.openxmlformats.org/drawingml/2006/diagram" xmlns:o="urn:schemas-microsoft-com:office:office" xmlns:v="urn:schemas-microsoft-com:vml" xmlns:pvml="urn:schemas-microsoft-com:office:powerpoint" xmlns:com="http://schemas.openxmlformats.org/drawingml/2006/compatibility" xmlns:p14="http://schemas.microsoft.com/office/powerpoint/2010/main" xmlns:p15="http://schemas.microsoft.com/office/powerpoint/2012/main" matchingName="Title and two columns" type="twoColTx">
+<p:sldLayout xmlns:a="http://schemas.openxmlformats.org/drawingml/2006/main" xmlns:r="http://schemas.openxmlformats.org/officeDocument/2006/relationships" xmlns:p="http://schemas.openxmlformats.org/presentationml/2006/main" matchingName="Title and two columns" type="twoColTx">
   <p:cSld name="TITLE_AND_TWO_COLUMNS">
     <p:spTree>
       <p:nvGrpSpPr>
-        <p:cNvPr id="20" name="Shape 20"/>
+        <p:cNvPr id="1" name="Shape 20"/>
         <p:cNvGrpSpPr/>
         <p:nvPr/>
       </p:nvGrpSpPr>
@@ -2821,7 +2907,9 @@
       <p:sp>
         <p:nvSpPr>
           <p:cNvPr id="21" name="Google Shape;21;p5"/>
-          <p:cNvSpPr txBox="1"/>
+          <p:cNvSpPr txBox="1">
+            <a:spLocks noGrp="1"/>
+          </p:cNvSpPr>
           <p:nvPr>
             <p:ph type="title"/>
           </p:nvPr>
@@ -2836,7 +2924,7 @@
           </a:prstGeom>
         </p:spPr>
         <p:txBody>
-          <a:bodyPr anchorCtr="0" anchor="t" bIns="91425" lIns="91425" spcFirstLastPara="1" rIns="91425" wrap="square" tIns="91425">
+          <a:bodyPr spcFirstLastPara="1" wrap="square" lIns="91425" tIns="91425" rIns="91425" bIns="91425" anchor="t" anchorCtr="0">
             <a:noAutofit/>
           </a:bodyPr>
           <a:lstStyle>
@@ -2940,15 +3028,19 @@
               <a:defRPr/>
             </a:lvl9pPr>
           </a:lstStyle>
-          <a:p/>
+          <a:p>
+            <a:endParaRPr/>
+          </a:p>
         </p:txBody>
       </p:sp>
       <p:sp>
         <p:nvSpPr>
           <p:cNvPr id="22" name="Google Shape;22;p5"/>
-          <p:cNvSpPr txBox="1"/>
+          <p:cNvSpPr txBox="1">
+            <a:spLocks noGrp="1"/>
+          </p:cNvSpPr>
           <p:nvPr>
-            <p:ph idx="1" type="body"/>
+            <p:ph type="body" idx="1"/>
           </p:nvPr>
         </p:nvSpPr>
         <p:spPr>
@@ -2961,11 +3053,11 @@
           </a:prstGeom>
         </p:spPr>
         <p:txBody>
-          <a:bodyPr anchorCtr="0" anchor="t" bIns="91425" lIns="91425" spcFirstLastPara="1" rIns="91425" wrap="square" tIns="91425">
+          <a:bodyPr spcFirstLastPara="1" wrap="square" lIns="91425" tIns="91425" rIns="91425" bIns="91425" anchor="t" anchorCtr="0">
             <a:noAutofit/>
           </a:bodyPr>
           <a:lstStyle>
-            <a:lvl1pPr indent="-317500" lvl="0" marL="457200">
+            <a:lvl1pPr marL="457200" lvl="0" indent="-317500">
               <a:spcBef>
                 <a:spcPts val="0"/>
               </a:spcBef>
@@ -2976,7 +3068,7 @@
               <a:buChar char="●"/>
               <a:defRPr sz="1400"/>
             </a:lvl1pPr>
-            <a:lvl2pPr indent="-304800" lvl="1" marL="914400">
+            <a:lvl2pPr marL="914400" lvl="1" indent="-304800">
               <a:spcBef>
                 <a:spcPts val="1600"/>
               </a:spcBef>
@@ -2987,7 +3079,7 @@
               <a:buChar char="○"/>
               <a:defRPr sz="1200"/>
             </a:lvl2pPr>
-            <a:lvl3pPr indent="-304800" lvl="2" marL="1371600">
+            <a:lvl3pPr marL="1371600" lvl="2" indent="-304800">
               <a:spcBef>
                 <a:spcPts val="1600"/>
               </a:spcBef>
@@ -2998,7 +3090,7 @@
               <a:buChar char="■"/>
               <a:defRPr sz="1200"/>
             </a:lvl3pPr>
-            <a:lvl4pPr indent="-304800" lvl="3" marL="1828800">
+            <a:lvl4pPr marL="1828800" lvl="3" indent="-304800">
               <a:spcBef>
                 <a:spcPts val="1600"/>
               </a:spcBef>
@@ -3009,7 +3101,7 @@
               <a:buChar char="●"/>
               <a:defRPr sz="1200"/>
             </a:lvl4pPr>
-            <a:lvl5pPr indent="-304800" lvl="4" marL="2286000">
+            <a:lvl5pPr marL="2286000" lvl="4" indent="-304800">
               <a:spcBef>
                 <a:spcPts val="1600"/>
               </a:spcBef>
@@ -3020,7 +3112,7 @@
               <a:buChar char="○"/>
               <a:defRPr sz="1200"/>
             </a:lvl5pPr>
-            <a:lvl6pPr indent="-304800" lvl="5" marL="2743200">
+            <a:lvl6pPr marL="2743200" lvl="5" indent="-304800">
               <a:spcBef>
                 <a:spcPts val="1600"/>
               </a:spcBef>
@@ -3031,7 +3123,7 @@
               <a:buChar char="■"/>
               <a:defRPr sz="1200"/>
             </a:lvl6pPr>
-            <a:lvl7pPr indent="-304800" lvl="6" marL="3200400">
+            <a:lvl7pPr marL="3200400" lvl="6" indent="-304800">
               <a:spcBef>
                 <a:spcPts val="1600"/>
               </a:spcBef>
@@ -3042,7 +3134,7 @@
               <a:buChar char="●"/>
               <a:defRPr sz="1200"/>
             </a:lvl7pPr>
-            <a:lvl8pPr indent="-304800" lvl="7" marL="3657600">
+            <a:lvl8pPr marL="3657600" lvl="7" indent="-304800">
               <a:spcBef>
                 <a:spcPts val="1600"/>
               </a:spcBef>
@@ -3053,7 +3145,7 @@
               <a:buChar char="○"/>
               <a:defRPr sz="1200"/>
             </a:lvl8pPr>
-            <a:lvl9pPr indent="-304800" lvl="8" marL="4114800">
+            <a:lvl9pPr marL="4114800" lvl="8" indent="-304800">
               <a:spcBef>
                 <a:spcPts val="1600"/>
               </a:spcBef>
@@ -3065,15 +3157,19 @@
               <a:defRPr sz="1200"/>
             </a:lvl9pPr>
           </a:lstStyle>
-          <a:p/>
+          <a:p>
+            <a:endParaRPr/>
+          </a:p>
         </p:txBody>
       </p:sp>
       <p:sp>
         <p:nvSpPr>
           <p:cNvPr id="23" name="Google Shape;23;p5"/>
-          <p:cNvSpPr txBox="1"/>
+          <p:cNvSpPr txBox="1">
+            <a:spLocks noGrp="1"/>
+          </p:cNvSpPr>
           <p:nvPr>
-            <p:ph idx="2" type="body"/>
+            <p:ph type="body" idx="2"/>
           </p:nvPr>
         </p:nvSpPr>
         <p:spPr>
@@ -3086,11 +3182,11 @@
           </a:prstGeom>
         </p:spPr>
         <p:txBody>
-          <a:bodyPr anchorCtr="0" anchor="t" bIns="91425" lIns="91425" spcFirstLastPara="1" rIns="91425" wrap="square" tIns="91425">
+          <a:bodyPr spcFirstLastPara="1" wrap="square" lIns="91425" tIns="91425" rIns="91425" bIns="91425" anchor="t" anchorCtr="0">
             <a:noAutofit/>
           </a:bodyPr>
           <a:lstStyle>
-            <a:lvl1pPr indent="-317500" lvl="0" marL="457200">
+            <a:lvl1pPr marL="457200" lvl="0" indent="-317500">
               <a:spcBef>
                 <a:spcPts val="0"/>
               </a:spcBef>
@@ -3101,7 +3197,7 @@
               <a:buChar char="●"/>
               <a:defRPr sz="1400"/>
             </a:lvl1pPr>
-            <a:lvl2pPr indent="-304800" lvl="1" marL="914400">
+            <a:lvl2pPr marL="914400" lvl="1" indent="-304800">
               <a:spcBef>
                 <a:spcPts val="1600"/>
               </a:spcBef>
@@ -3112,7 +3208,7 @@
               <a:buChar char="○"/>
               <a:defRPr sz="1200"/>
             </a:lvl2pPr>
-            <a:lvl3pPr indent="-304800" lvl="2" marL="1371600">
+            <a:lvl3pPr marL="1371600" lvl="2" indent="-304800">
               <a:spcBef>
                 <a:spcPts val="1600"/>
               </a:spcBef>
@@ -3123,7 +3219,7 @@
               <a:buChar char="■"/>
               <a:defRPr sz="1200"/>
             </a:lvl3pPr>
-            <a:lvl4pPr indent="-304800" lvl="3" marL="1828800">
+            <a:lvl4pPr marL="1828800" lvl="3" indent="-304800">
               <a:spcBef>
                 <a:spcPts val="1600"/>
               </a:spcBef>
@@ -3134,7 +3230,7 @@
               <a:buChar char="●"/>
               <a:defRPr sz="1200"/>
             </a:lvl4pPr>
-            <a:lvl5pPr indent="-304800" lvl="4" marL="2286000">
+            <a:lvl5pPr marL="2286000" lvl="4" indent="-304800">
               <a:spcBef>
                 <a:spcPts val="1600"/>
               </a:spcBef>
@@ -3145,7 +3241,7 @@
               <a:buChar char="○"/>
               <a:defRPr sz="1200"/>
             </a:lvl5pPr>
-            <a:lvl6pPr indent="-304800" lvl="5" marL="2743200">
+            <a:lvl6pPr marL="2743200" lvl="5" indent="-304800">
               <a:spcBef>
                 <a:spcPts val="1600"/>
               </a:spcBef>
@@ -3156,7 +3252,7 @@
               <a:buChar char="■"/>
               <a:defRPr sz="1200"/>
             </a:lvl6pPr>
-            <a:lvl7pPr indent="-304800" lvl="6" marL="3200400">
+            <a:lvl7pPr marL="3200400" lvl="6" indent="-304800">
               <a:spcBef>
                 <a:spcPts val="1600"/>
               </a:spcBef>
@@ -3167,7 +3263,7 @@
               <a:buChar char="●"/>
               <a:defRPr sz="1200"/>
             </a:lvl7pPr>
-            <a:lvl8pPr indent="-304800" lvl="7" marL="3657600">
+            <a:lvl8pPr marL="3657600" lvl="7" indent="-304800">
               <a:spcBef>
                 <a:spcPts val="1600"/>
               </a:spcBef>
@@ -3178,7 +3274,7 @@
               <a:buChar char="○"/>
               <a:defRPr sz="1200"/>
             </a:lvl8pPr>
-            <a:lvl9pPr indent="-304800" lvl="8" marL="4114800">
+            <a:lvl9pPr marL="4114800" lvl="8" indent="-304800">
               <a:spcBef>
                 <a:spcPts val="1600"/>
               </a:spcBef>
@@ -3190,15 +3286,19 @@
               <a:defRPr sz="1200"/>
             </a:lvl9pPr>
           </a:lstStyle>
-          <a:p/>
+          <a:p>
+            <a:endParaRPr/>
+          </a:p>
         </p:txBody>
       </p:sp>
       <p:sp>
         <p:nvSpPr>
           <p:cNvPr id="24" name="Google Shape;24;p5"/>
-          <p:cNvSpPr txBox="1"/>
+          <p:cNvSpPr txBox="1">
+            <a:spLocks noGrp="1"/>
+          </p:cNvSpPr>
           <p:nvPr>
-            <p:ph idx="12" type="sldNum"/>
+            <p:ph type="sldNum" idx="12"/>
           </p:nvPr>
         </p:nvSpPr>
         <p:spPr>
@@ -3211,7 +3311,7 @@
           </a:prstGeom>
         </p:spPr>
         <p:txBody>
-          <a:bodyPr anchorCtr="0" anchor="ctr" bIns="91425" lIns="91425" spcFirstLastPara="1" rIns="91425" wrap="square" tIns="91425">
+          <a:bodyPr spcFirstLastPara="1" wrap="square" lIns="91425" tIns="91425" rIns="91425" bIns="91425" anchor="ctr" anchorCtr="0">
             <a:noAutofit/>
           </a:bodyPr>
           <a:lstStyle>
@@ -3253,7 +3353,7 @@
             </a:lvl9pPr>
           </a:lstStyle>
           <a:p>
-            <a:pPr indent="0" lvl="0" marL="0" rtl="0" algn="r">
+            <a:pPr marL="0" lvl="0" indent="0" algn="r" rtl="0">
               <a:spcBef>
                 <a:spcPts val="0"/>
               </a:spcBef>
@@ -3279,11 +3379,11 @@
 </file>
 
 <file path=ppt/slideLayouts/slideLayout5.xml><?xml version="1.0" encoding="utf-8"?>
-<p:sldLayout xmlns:a="http://schemas.openxmlformats.org/drawingml/2006/main" xmlns:r="http://schemas.openxmlformats.org/officeDocument/2006/relationships" xmlns:mc="http://schemas.openxmlformats.org/markup-compatibility/2006" xmlns:mv="urn:schemas-microsoft-com:mac:vml" xmlns:p="http://schemas.openxmlformats.org/presentationml/2006/main" xmlns:c="http://schemas.openxmlformats.org/drawingml/2006/chart" xmlns:dgm="http://schemas.openxmlformats.org/drawingml/2006/diagram" xmlns:o="urn:schemas-microsoft-com:office:office" xmlns:v="urn:schemas-microsoft-com:vml" xmlns:pvml="urn:schemas-microsoft-com:office:powerpoint" xmlns:com="http://schemas.openxmlformats.org/drawingml/2006/compatibility" xmlns:p14="http://schemas.microsoft.com/office/powerpoint/2010/main" xmlns:p15="http://schemas.microsoft.com/office/powerpoint/2012/main" matchingName="Title only" type="titleOnly">
+<p:sldLayout xmlns:a="http://schemas.openxmlformats.org/drawingml/2006/main" xmlns:r="http://schemas.openxmlformats.org/officeDocument/2006/relationships" xmlns:p="http://schemas.openxmlformats.org/presentationml/2006/main" matchingName="Title only" type="titleOnly">
   <p:cSld name="TITLE_ONLY">
     <p:spTree>
       <p:nvGrpSpPr>
-        <p:cNvPr id="25" name="Shape 25"/>
+        <p:cNvPr id="1" name="Shape 25"/>
         <p:cNvGrpSpPr/>
         <p:nvPr/>
       </p:nvGrpSpPr>
@@ -3298,7 +3398,9 @@
       <p:sp>
         <p:nvSpPr>
           <p:cNvPr id="26" name="Google Shape;26;p6"/>
-          <p:cNvSpPr txBox="1"/>
+          <p:cNvSpPr txBox="1">
+            <a:spLocks noGrp="1"/>
+          </p:cNvSpPr>
           <p:nvPr>
             <p:ph type="title"/>
           </p:nvPr>
@@ -3313,7 +3415,7 @@
           </a:prstGeom>
         </p:spPr>
         <p:txBody>
-          <a:bodyPr anchorCtr="0" anchor="t" bIns="91425" lIns="91425" spcFirstLastPara="1" rIns="91425" wrap="square" tIns="91425">
+          <a:bodyPr spcFirstLastPara="1" wrap="square" lIns="91425" tIns="91425" rIns="91425" bIns="91425" anchor="t" anchorCtr="0">
             <a:noAutofit/>
           </a:bodyPr>
           <a:lstStyle>
@@ -3417,15 +3519,19 @@
               <a:defRPr/>
             </a:lvl9pPr>
           </a:lstStyle>
-          <a:p/>
+          <a:p>
+            <a:endParaRPr/>
+          </a:p>
         </p:txBody>
       </p:sp>
       <p:sp>
         <p:nvSpPr>
           <p:cNvPr id="27" name="Google Shape;27;p6"/>
-          <p:cNvSpPr txBox="1"/>
+          <p:cNvSpPr txBox="1">
+            <a:spLocks noGrp="1"/>
+          </p:cNvSpPr>
           <p:nvPr>
-            <p:ph idx="12" type="sldNum"/>
+            <p:ph type="sldNum" idx="12"/>
           </p:nvPr>
         </p:nvSpPr>
         <p:spPr>
@@ -3438,7 +3544,7 @@
           </a:prstGeom>
         </p:spPr>
         <p:txBody>
-          <a:bodyPr anchorCtr="0" anchor="ctr" bIns="91425" lIns="91425" spcFirstLastPara="1" rIns="91425" wrap="square" tIns="91425">
+          <a:bodyPr spcFirstLastPara="1" wrap="square" lIns="91425" tIns="91425" rIns="91425" bIns="91425" anchor="ctr" anchorCtr="0">
             <a:noAutofit/>
           </a:bodyPr>
           <a:lstStyle>
@@ -3480,7 +3586,7 @@
             </a:lvl9pPr>
           </a:lstStyle>
           <a:p>
-            <a:pPr indent="0" lvl="0" marL="0" rtl="0" algn="r">
+            <a:pPr marL="0" lvl="0" indent="0" algn="r" rtl="0">
               <a:spcBef>
                 <a:spcPts val="0"/>
               </a:spcBef>
@@ -3506,11 +3612,11 @@
 </file>
 
 <file path=ppt/slideLayouts/slideLayout6.xml><?xml version="1.0" encoding="utf-8"?>
-<p:sldLayout xmlns:a="http://schemas.openxmlformats.org/drawingml/2006/main" xmlns:r="http://schemas.openxmlformats.org/officeDocument/2006/relationships" xmlns:mc="http://schemas.openxmlformats.org/markup-compatibility/2006" xmlns:mv="urn:schemas-microsoft-com:mac:vml" xmlns:p="http://schemas.openxmlformats.org/presentationml/2006/main" xmlns:c="http://schemas.openxmlformats.org/drawingml/2006/chart" xmlns:dgm="http://schemas.openxmlformats.org/drawingml/2006/diagram" xmlns:o="urn:schemas-microsoft-com:office:office" xmlns:v="urn:schemas-microsoft-com:vml" xmlns:pvml="urn:schemas-microsoft-com:office:powerpoint" xmlns:com="http://schemas.openxmlformats.org/drawingml/2006/compatibility" xmlns:p14="http://schemas.microsoft.com/office/powerpoint/2010/main" xmlns:p15="http://schemas.microsoft.com/office/powerpoint/2012/main" matchingName="One column text">
+<p:sldLayout xmlns:a="http://schemas.openxmlformats.org/drawingml/2006/main" xmlns:r="http://schemas.openxmlformats.org/officeDocument/2006/relationships" xmlns:p="http://schemas.openxmlformats.org/presentationml/2006/main" matchingName="One column text">
   <p:cSld name="ONE_COLUMN_TEXT">
     <p:spTree>
       <p:nvGrpSpPr>
-        <p:cNvPr id="28" name="Shape 28"/>
+        <p:cNvPr id="1" name="Shape 28"/>
         <p:cNvGrpSpPr/>
         <p:nvPr/>
       </p:nvGrpSpPr>
@@ -3525,7 +3631,9 @@
       <p:sp>
         <p:nvSpPr>
           <p:cNvPr id="29" name="Google Shape;29;p7"/>
-          <p:cNvSpPr txBox="1"/>
+          <p:cNvSpPr txBox="1">
+            <a:spLocks noGrp="1"/>
+          </p:cNvSpPr>
           <p:nvPr>
             <p:ph type="title"/>
           </p:nvPr>
@@ -3540,7 +3648,7 @@
           </a:prstGeom>
         </p:spPr>
         <p:txBody>
-          <a:bodyPr anchorCtr="0" anchor="b" bIns="91425" lIns="91425" spcFirstLastPara="1" rIns="91425" wrap="square" tIns="91425">
+          <a:bodyPr spcFirstLastPara="1" wrap="square" lIns="91425" tIns="91425" rIns="91425" bIns="91425" anchor="b" anchorCtr="0">
             <a:noAutofit/>
           </a:bodyPr>
           <a:lstStyle>
@@ -3644,15 +3752,19 @@
               <a:defRPr sz="2400"/>
             </a:lvl9pPr>
           </a:lstStyle>
-          <a:p/>
+          <a:p>
+            <a:endParaRPr/>
+          </a:p>
         </p:txBody>
       </p:sp>
       <p:sp>
         <p:nvSpPr>
           <p:cNvPr id="30" name="Google Shape;30;p7"/>
-          <p:cNvSpPr txBox="1"/>
+          <p:cNvSpPr txBox="1">
+            <a:spLocks noGrp="1"/>
+          </p:cNvSpPr>
           <p:nvPr>
-            <p:ph idx="1" type="body"/>
+            <p:ph type="body" idx="1"/>
           </p:nvPr>
         </p:nvSpPr>
         <p:spPr>
@@ -3665,11 +3777,11 @@
           </a:prstGeom>
         </p:spPr>
         <p:txBody>
-          <a:bodyPr anchorCtr="0" anchor="t" bIns="91425" lIns="91425" spcFirstLastPara="1" rIns="91425" wrap="square" tIns="91425">
+          <a:bodyPr spcFirstLastPara="1" wrap="square" lIns="91425" tIns="91425" rIns="91425" bIns="91425" anchor="t" anchorCtr="0">
             <a:noAutofit/>
           </a:bodyPr>
           <a:lstStyle>
-            <a:lvl1pPr indent="-304800" lvl="0" marL="457200">
+            <a:lvl1pPr marL="457200" lvl="0" indent="-304800">
               <a:spcBef>
                 <a:spcPts val="0"/>
               </a:spcBef>
@@ -3680,7 +3792,7 @@
               <a:buChar char="●"/>
               <a:defRPr sz="1200"/>
             </a:lvl1pPr>
-            <a:lvl2pPr indent="-304800" lvl="1" marL="914400">
+            <a:lvl2pPr marL="914400" lvl="1" indent="-304800">
               <a:spcBef>
                 <a:spcPts val="1600"/>
               </a:spcBef>
@@ -3691,7 +3803,7 @@
               <a:buChar char="○"/>
               <a:defRPr sz="1200"/>
             </a:lvl2pPr>
-            <a:lvl3pPr indent="-304800" lvl="2" marL="1371600">
+            <a:lvl3pPr marL="1371600" lvl="2" indent="-304800">
               <a:spcBef>
                 <a:spcPts val="1600"/>
               </a:spcBef>
@@ -3702,7 +3814,7 @@
               <a:buChar char="■"/>
               <a:defRPr sz="1200"/>
             </a:lvl3pPr>
-            <a:lvl4pPr indent="-304800" lvl="3" marL="1828800">
+            <a:lvl4pPr marL="1828800" lvl="3" indent="-304800">
               <a:spcBef>
                 <a:spcPts val="1600"/>
               </a:spcBef>
@@ -3713,7 +3825,7 @@
               <a:buChar char="●"/>
               <a:defRPr sz="1200"/>
             </a:lvl4pPr>
-            <a:lvl5pPr indent="-304800" lvl="4" marL="2286000">
+            <a:lvl5pPr marL="2286000" lvl="4" indent="-304800">
               <a:spcBef>
                 <a:spcPts val="1600"/>
               </a:spcBef>
@@ -3724,7 +3836,7 @@
               <a:buChar char="○"/>
               <a:defRPr sz="1200"/>
             </a:lvl5pPr>
-            <a:lvl6pPr indent="-304800" lvl="5" marL="2743200">
+            <a:lvl6pPr marL="2743200" lvl="5" indent="-304800">
               <a:spcBef>
                 <a:spcPts val="1600"/>
               </a:spcBef>
@@ -3735,7 +3847,7 @@
               <a:buChar char="■"/>
               <a:defRPr sz="1200"/>
             </a:lvl6pPr>
-            <a:lvl7pPr indent="-304800" lvl="6" marL="3200400">
+            <a:lvl7pPr marL="3200400" lvl="6" indent="-304800">
               <a:spcBef>
                 <a:spcPts val="1600"/>
               </a:spcBef>
@@ -3746,7 +3858,7 @@
               <a:buChar char="●"/>
               <a:defRPr sz="1200"/>
             </a:lvl7pPr>
-            <a:lvl8pPr indent="-304800" lvl="7" marL="3657600">
+            <a:lvl8pPr marL="3657600" lvl="7" indent="-304800">
               <a:spcBef>
                 <a:spcPts val="1600"/>
               </a:spcBef>
@@ -3757,7 +3869,7 @@
               <a:buChar char="○"/>
               <a:defRPr sz="1200"/>
             </a:lvl8pPr>
-            <a:lvl9pPr indent="-304800" lvl="8" marL="4114800">
+            <a:lvl9pPr marL="4114800" lvl="8" indent="-304800">
               <a:spcBef>
                 <a:spcPts val="1600"/>
               </a:spcBef>
@@ -3769,15 +3881,19 @@
               <a:defRPr sz="1200"/>
             </a:lvl9pPr>
           </a:lstStyle>
-          <a:p/>
+          <a:p>
+            <a:endParaRPr/>
+          </a:p>
         </p:txBody>
       </p:sp>
       <p:sp>
         <p:nvSpPr>
           <p:cNvPr id="31" name="Google Shape;31;p7"/>
-          <p:cNvSpPr txBox="1"/>
+          <p:cNvSpPr txBox="1">
+            <a:spLocks noGrp="1"/>
+          </p:cNvSpPr>
           <p:nvPr>
-            <p:ph idx="12" type="sldNum"/>
+            <p:ph type="sldNum" idx="12"/>
           </p:nvPr>
         </p:nvSpPr>
         <p:spPr>
@@ -3790,7 +3906,7 @@
           </a:prstGeom>
         </p:spPr>
         <p:txBody>
-          <a:bodyPr anchorCtr="0" anchor="ctr" bIns="91425" lIns="91425" spcFirstLastPara="1" rIns="91425" wrap="square" tIns="91425">
+          <a:bodyPr spcFirstLastPara="1" wrap="square" lIns="91425" tIns="91425" rIns="91425" bIns="91425" anchor="ctr" anchorCtr="0">
             <a:noAutofit/>
           </a:bodyPr>
           <a:lstStyle>
@@ -3832,7 +3948,7 @@
             </a:lvl9pPr>
           </a:lstStyle>
           <a:p>
-            <a:pPr indent="0" lvl="0" marL="0" rtl="0" algn="r">
+            <a:pPr marL="0" lvl="0" indent="0" algn="r" rtl="0">
               <a:spcBef>
                 <a:spcPts val="0"/>
               </a:spcBef>
@@ -3858,11 +3974,11 @@
 </file>
 
 <file path=ppt/slideLayouts/slideLayout7.xml><?xml version="1.0" encoding="utf-8"?>
-<p:sldLayout xmlns:a="http://schemas.openxmlformats.org/drawingml/2006/main" xmlns:r="http://schemas.openxmlformats.org/officeDocument/2006/relationships" xmlns:mc="http://schemas.openxmlformats.org/markup-compatibility/2006" xmlns:mv="urn:schemas-microsoft-com:mac:vml" xmlns:p="http://schemas.openxmlformats.org/presentationml/2006/main" xmlns:c="http://schemas.openxmlformats.org/drawingml/2006/chart" xmlns:dgm="http://schemas.openxmlformats.org/drawingml/2006/diagram" xmlns:o="urn:schemas-microsoft-com:office:office" xmlns:v="urn:schemas-microsoft-com:vml" xmlns:pvml="urn:schemas-microsoft-com:office:powerpoint" xmlns:com="http://schemas.openxmlformats.org/drawingml/2006/compatibility" xmlns:p14="http://schemas.microsoft.com/office/powerpoint/2010/main" xmlns:p15="http://schemas.microsoft.com/office/powerpoint/2012/main" matchingName="Main point">
+<p:sldLayout xmlns:a="http://schemas.openxmlformats.org/drawingml/2006/main" xmlns:r="http://schemas.openxmlformats.org/officeDocument/2006/relationships" xmlns:p="http://schemas.openxmlformats.org/presentationml/2006/main" matchingName="Main point">
   <p:cSld name="MAIN_POINT">
     <p:spTree>
       <p:nvGrpSpPr>
-        <p:cNvPr id="32" name="Shape 32"/>
+        <p:cNvPr id="1" name="Shape 32"/>
         <p:cNvGrpSpPr/>
         <p:nvPr/>
       </p:nvGrpSpPr>
@@ -3877,7 +3993,9 @@
       <p:sp>
         <p:nvSpPr>
           <p:cNvPr id="33" name="Google Shape;33;p8"/>
-          <p:cNvSpPr txBox="1"/>
+          <p:cNvSpPr txBox="1">
+            <a:spLocks noGrp="1"/>
+          </p:cNvSpPr>
           <p:nvPr>
             <p:ph type="title"/>
           </p:nvPr>
@@ -3892,7 +4010,7 @@
           </a:prstGeom>
         </p:spPr>
         <p:txBody>
-          <a:bodyPr anchorCtr="0" anchor="ctr" bIns="91425" lIns="91425" spcFirstLastPara="1" rIns="91425" wrap="square" tIns="91425">
+          <a:bodyPr spcFirstLastPara="1" wrap="square" lIns="91425" tIns="91425" rIns="91425" bIns="91425" anchor="ctr" anchorCtr="0">
             <a:noAutofit/>
           </a:bodyPr>
           <a:lstStyle>
@@ -3996,15 +4114,19 @@
               <a:defRPr sz="4800"/>
             </a:lvl9pPr>
           </a:lstStyle>
-          <a:p/>
+          <a:p>
+            <a:endParaRPr/>
+          </a:p>
         </p:txBody>
       </p:sp>
       <p:sp>
         <p:nvSpPr>
           <p:cNvPr id="34" name="Google Shape;34;p8"/>
-          <p:cNvSpPr txBox="1"/>
+          <p:cNvSpPr txBox="1">
+            <a:spLocks noGrp="1"/>
+          </p:cNvSpPr>
           <p:nvPr>
-            <p:ph idx="12" type="sldNum"/>
+            <p:ph type="sldNum" idx="12"/>
           </p:nvPr>
         </p:nvSpPr>
         <p:spPr>
@@ -4017,7 +4139,7 @@
           </a:prstGeom>
         </p:spPr>
         <p:txBody>
-          <a:bodyPr anchorCtr="0" anchor="ctr" bIns="91425" lIns="91425" spcFirstLastPara="1" rIns="91425" wrap="square" tIns="91425">
+          <a:bodyPr spcFirstLastPara="1" wrap="square" lIns="91425" tIns="91425" rIns="91425" bIns="91425" anchor="ctr" anchorCtr="0">
             <a:noAutofit/>
           </a:bodyPr>
           <a:lstStyle>
@@ -4059,7 +4181,7 @@
             </a:lvl9pPr>
           </a:lstStyle>
           <a:p>
-            <a:pPr indent="0" lvl="0" marL="0" rtl="0" algn="r">
+            <a:pPr marL="0" lvl="0" indent="0" algn="r" rtl="0">
               <a:spcBef>
                 <a:spcPts val="0"/>
               </a:spcBef>
@@ -4085,11 +4207,11 @@
 </file>
 
 <file path=ppt/slideLayouts/slideLayout8.xml><?xml version="1.0" encoding="utf-8"?>
-<p:sldLayout xmlns:a="http://schemas.openxmlformats.org/drawingml/2006/main" xmlns:r="http://schemas.openxmlformats.org/officeDocument/2006/relationships" xmlns:mc="http://schemas.openxmlformats.org/markup-compatibility/2006" xmlns:mv="urn:schemas-microsoft-com:mac:vml" xmlns:p="http://schemas.openxmlformats.org/presentationml/2006/main" xmlns:c="http://schemas.openxmlformats.org/drawingml/2006/chart" xmlns:dgm="http://schemas.openxmlformats.org/drawingml/2006/diagram" xmlns:o="urn:schemas-microsoft-com:office:office" xmlns:v="urn:schemas-microsoft-com:vml" xmlns:pvml="urn:schemas-microsoft-com:office:powerpoint" xmlns:com="http://schemas.openxmlformats.org/drawingml/2006/compatibility" xmlns:p14="http://schemas.microsoft.com/office/powerpoint/2010/main" xmlns:p15="http://schemas.microsoft.com/office/powerpoint/2012/main" matchingName="Section title and description">
+<p:sldLayout xmlns:a="http://schemas.openxmlformats.org/drawingml/2006/main" xmlns:r="http://schemas.openxmlformats.org/officeDocument/2006/relationships" xmlns:p="http://schemas.openxmlformats.org/presentationml/2006/main" matchingName="Section title and description">
   <p:cSld name="SECTION_TITLE_AND_DESCRIPTION">
     <p:spTree>
       <p:nvGrpSpPr>
-        <p:cNvPr id="35" name="Shape 35"/>
+        <p:cNvPr id="1" name="Shape 35"/>
         <p:cNvGrpSpPr/>
         <p:nvPr/>
       </p:nvGrpSpPr>
@@ -4123,12 +4245,12 @@
           </a:ln>
         </p:spPr>
         <p:txBody>
-          <a:bodyPr anchorCtr="0" anchor="ctr" bIns="91425" lIns="91425" spcFirstLastPara="1" rIns="91425" wrap="square" tIns="91425">
+          <a:bodyPr spcFirstLastPara="1" wrap="square" lIns="91425" tIns="91425" rIns="91425" bIns="91425" anchor="ctr" anchorCtr="0">
             <a:noAutofit/>
           </a:bodyPr>
           <a:lstStyle/>
           <a:p>
-            <a:pPr indent="0" lvl="0" marL="0" rtl="0" algn="l">
+            <a:pPr marL="0" lvl="0" indent="0" algn="l" rtl="0">
               <a:spcBef>
                 <a:spcPts val="0"/>
               </a:spcBef>
@@ -4137,9 +4259,6 @@
               </a:spcAft>
               <a:buNone/>
             </a:pPr>
-            <a:r>
-              <a:t/>
-            </a:r>
             <a:endParaRPr/>
           </a:p>
         </p:txBody>
@@ -4147,7 +4266,9 @@
       <p:sp>
         <p:nvSpPr>
           <p:cNvPr id="37" name="Google Shape;37;p9"/>
-          <p:cNvSpPr txBox="1"/>
+          <p:cNvSpPr txBox="1">
+            <a:spLocks noGrp="1"/>
+          </p:cNvSpPr>
           <p:nvPr>
             <p:ph type="title"/>
           </p:nvPr>
@@ -4162,7 +4283,7 @@
           </a:prstGeom>
         </p:spPr>
         <p:txBody>
-          <a:bodyPr anchorCtr="0" anchor="b" bIns="91425" lIns="91425" spcFirstLastPara="1" rIns="91425" wrap="square" tIns="91425">
+          <a:bodyPr spcFirstLastPara="1" wrap="square" lIns="91425" tIns="91425" rIns="91425" bIns="91425" anchor="b" anchorCtr="0">
             <a:noAutofit/>
           </a:bodyPr>
           <a:lstStyle>
@@ -4266,15 +4387,19 @@
               <a:defRPr sz="4200"/>
             </a:lvl9pPr>
           </a:lstStyle>
-          <a:p/>
+          <a:p>
+            <a:endParaRPr/>
+          </a:p>
         </p:txBody>
       </p:sp>
       <p:sp>
         <p:nvSpPr>
           <p:cNvPr id="38" name="Google Shape;38;p9"/>
-          <p:cNvSpPr txBox="1"/>
+          <p:cNvSpPr txBox="1">
+            <a:spLocks noGrp="1"/>
+          </p:cNvSpPr>
           <p:nvPr>
-            <p:ph idx="1" type="subTitle"/>
+            <p:ph type="subTitle" idx="1"/>
           </p:nvPr>
         </p:nvSpPr>
         <p:spPr>
@@ -4287,7 +4412,7 @@
           </a:prstGeom>
         </p:spPr>
         <p:txBody>
-          <a:bodyPr anchorCtr="0" anchor="t" bIns="91425" lIns="91425" spcFirstLastPara="1" rIns="91425" wrap="square" tIns="91425">
+          <a:bodyPr spcFirstLastPara="1" wrap="square" lIns="91425" tIns="91425" rIns="91425" bIns="91425" anchor="t" anchorCtr="0">
             <a:noAutofit/>
           </a:bodyPr>
           <a:lstStyle>
@@ -4418,15 +4543,19 @@
               <a:defRPr sz="2100"/>
             </a:lvl9pPr>
           </a:lstStyle>
-          <a:p/>
+          <a:p>
+            <a:endParaRPr/>
+          </a:p>
         </p:txBody>
       </p:sp>
       <p:sp>
         <p:nvSpPr>
           <p:cNvPr id="39" name="Google Shape;39;p9"/>
-          <p:cNvSpPr txBox="1"/>
+          <p:cNvSpPr txBox="1">
+            <a:spLocks noGrp="1"/>
+          </p:cNvSpPr>
           <p:nvPr>
-            <p:ph idx="2" type="body"/>
+            <p:ph type="body" idx="2"/>
           </p:nvPr>
         </p:nvSpPr>
         <p:spPr>
@@ -4439,11 +4568,11 @@
           </a:prstGeom>
         </p:spPr>
         <p:txBody>
-          <a:bodyPr anchorCtr="0" anchor="ctr" bIns="91425" lIns="91425" spcFirstLastPara="1" rIns="91425" wrap="square" tIns="91425">
+          <a:bodyPr spcFirstLastPara="1" wrap="square" lIns="91425" tIns="91425" rIns="91425" bIns="91425" anchor="ctr" anchorCtr="0">
             <a:noAutofit/>
           </a:bodyPr>
           <a:lstStyle>
-            <a:lvl1pPr indent="-342900" lvl="0" marL="457200">
+            <a:lvl1pPr marL="457200" lvl="0" indent="-342900">
               <a:spcBef>
                 <a:spcPts val="0"/>
               </a:spcBef>
@@ -4454,7 +4583,7 @@
               <a:buChar char="●"/>
               <a:defRPr/>
             </a:lvl1pPr>
-            <a:lvl2pPr indent="-317500" lvl="1" marL="914400">
+            <a:lvl2pPr marL="914400" lvl="1" indent="-317500">
               <a:spcBef>
                 <a:spcPts val="1600"/>
               </a:spcBef>
@@ -4465,7 +4594,7 @@
               <a:buChar char="○"/>
               <a:defRPr/>
             </a:lvl2pPr>
-            <a:lvl3pPr indent="-317500" lvl="2" marL="1371600">
+            <a:lvl3pPr marL="1371600" lvl="2" indent="-317500">
               <a:spcBef>
                 <a:spcPts val="1600"/>
               </a:spcBef>
@@ -4476,7 +4605,7 @@
               <a:buChar char="■"/>
               <a:defRPr/>
             </a:lvl3pPr>
-            <a:lvl4pPr indent="-317500" lvl="3" marL="1828800">
+            <a:lvl4pPr marL="1828800" lvl="3" indent="-317500">
               <a:spcBef>
                 <a:spcPts val="1600"/>
               </a:spcBef>
@@ -4487,7 +4616,7 @@
               <a:buChar char="●"/>
               <a:defRPr/>
             </a:lvl4pPr>
-            <a:lvl5pPr indent="-317500" lvl="4" marL="2286000">
+            <a:lvl5pPr marL="2286000" lvl="4" indent="-317500">
               <a:spcBef>
                 <a:spcPts val="1600"/>
               </a:spcBef>
@@ -4498,7 +4627,7 @@
               <a:buChar char="○"/>
               <a:defRPr/>
             </a:lvl5pPr>
-            <a:lvl6pPr indent="-317500" lvl="5" marL="2743200">
+            <a:lvl6pPr marL="2743200" lvl="5" indent="-317500">
               <a:spcBef>
                 <a:spcPts val="1600"/>
               </a:spcBef>
@@ -4509,7 +4638,7 @@
               <a:buChar char="■"/>
               <a:defRPr/>
             </a:lvl6pPr>
-            <a:lvl7pPr indent="-317500" lvl="6" marL="3200400">
+            <a:lvl7pPr marL="3200400" lvl="6" indent="-317500">
               <a:spcBef>
                 <a:spcPts val="1600"/>
               </a:spcBef>
@@ -4520,7 +4649,7 @@
               <a:buChar char="●"/>
               <a:defRPr/>
             </a:lvl7pPr>
-            <a:lvl8pPr indent="-317500" lvl="7" marL="3657600">
+            <a:lvl8pPr marL="3657600" lvl="7" indent="-317500">
               <a:spcBef>
                 <a:spcPts val="1600"/>
               </a:spcBef>
@@ -4531,7 +4660,7 @@
               <a:buChar char="○"/>
               <a:defRPr/>
             </a:lvl8pPr>
-            <a:lvl9pPr indent="-317500" lvl="8" marL="4114800">
+            <a:lvl9pPr marL="4114800" lvl="8" indent="-317500">
               <a:spcBef>
                 <a:spcPts val="1600"/>
               </a:spcBef>
@@ -4543,15 +4672,19 @@
               <a:defRPr/>
             </a:lvl9pPr>
           </a:lstStyle>
-          <a:p/>
+          <a:p>
+            <a:endParaRPr/>
+          </a:p>
         </p:txBody>
       </p:sp>
       <p:sp>
         <p:nvSpPr>
           <p:cNvPr id="40" name="Google Shape;40;p9"/>
-          <p:cNvSpPr txBox="1"/>
+          <p:cNvSpPr txBox="1">
+            <a:spLocks noGrp="1"/>
+          </p:cNvSpPr>
           <p:nvPr>
-            <p:ph idx="12" type="sldNum"/>
+            <p:ph type="sldNum" idx="12"/>
           </p:nvPr>
         </p:nvSpPr>
         <p:spPr>
@@ -4564,7 +4697,7 @@
           </a:prstGeom>
         </p:spPr>
         <p:txBody>
-          <a:bodyPr anchorCtr="0" anchor="ctr" bIns="91425" lIns="91425" spcFirstLastPara="1" rIns="91425" wrap="square" tIns="91425">
+          <a:bodyPr spcFirstLastPara="1" wrap="square" lIns="91425" tIns="91425" rIns="91425" bIns="91425" anchor="ctr" anchorCtr="0">
             <a:noAutofit/>
           </a:bodyPr>
           <a:lstStyle>
@@ -4606,7 +4739,7 @@
             </a:lvl9pPr>
           </a:lstStyle>
           <a:p>
-            <a:pPr indent="0" lvl="0" marL="0" rtl="0" algn="r">
+            <a:pPr marL="0" lvl="0" indent="0" algn="r" rtl="0">
               <a:spcBef>
                 <a:spcPts val="0"/>
               </a:spcBef>
@@ -4632,11 +4765,11 @@
 </file>
 
 <file path=ppt/slideLayouts/slideLayout9.xml><?xml version="1.0" encoding="utf-8"?>
-<p:sldLayout xmlns:a="http://schemas.openxmlformats.org/drawingml/2006/main" xmlns:r="http://schemas.openxmlformats.org/officeDocument/2006/relationships" xmlns:mc="http://schemas.openxmlformats.org/markup-compatibility/2006" xmlns:mv="urn:schemas-microsoft-com:mac:vml" xmlns:p="http://schemas.openxmlformats.org/presentationml/2006/main" xmlns:c="http://schemas.openxmlformats.org/drawingml/2006/chart" xmlns:dgm="http://schemas.openxmlformats.org/drawingml/2006/diagram" xmlns:o="urn:schemas-microsoft-com:office:office" xmlns:v="urn:schemas-microsoft-com:vml" xmlns:pvml="urn:schemas-microsoft-com:office:powerpoint" xmlns:com="http://schemas.openxmlformats.org/drawingml/2006/compatibility" xmlns:p14="http://schemas.microsoft.com/office/powerpoint/2010/main" xmlns:p15="http://schemas.microsoft.com/office/powerpoint/2012/main" matchingName="Caption">
+<p:sldLayout xmlns:a="http://schemas.openxmlformats.org/drawingml/2006/main" xmlns:r="http://schemas.openxmlformats.org/officeDocument/2006/relationships" xmlns:p="http://schemas.openxmlformats.org/presentationml/2006/main" matchingName="Caption">
   <p:cSld name="CAPTION_ONLY">
     <p:spTree>
       <p:nvGrpSpPr>
-        <p:cNvPr id="41" name="Shape 41"/>
+        <p:cNvPr id="1" name="Shape 41"/>
         <p:cNvGrpSpPr/>
         <p:nvPr/>
       </p:nvGrpSpPr>
@@ -4651,9 +4784,11 @@
       <p:sp>
         <p:nvSpPr>
           <p:cNvPr id="42" name="Google Shape;42;p10"/>
-          <p:cNvSpPr txBox="1"/>
+          <p:cNvSpPr txBox="1">
+            <a:spLocks noGrp="1"/>
+          </p:cNvSpPr>
           <p:nvPr>
-            <p:ph idx="1" type="body"/>
+            <p:ph type="body" idx="1"/>
           </p:nvPr>
         </p:nvSpPr>
         <p:spPr>
@@ -4666,11 +4801,11 @@
           </a:prstGeom>
         </p:spPr>
         <p:txBody>
-          <a:bodyPr anchorCtr="0" anchor="ctr" bIns="91425" lIns="91425" spcFirstLastPara="1" rIns="91425" wrap="square" tIns="91425">
+          <a:bodyPr spcFirstLastPara="1" wrap="square" lIns="91425" tIns="91425" rIns="91425" bIns="91425" anchor="ctr" anchorCtr="0">
             <a:noAutofit/>
           </a:bodyPr>
           <a:lstStyle>
-            <a:lvl1pPr indent="-228600" lvl="0" marL="457200">
+            <a:lvl1pPr marL="457200" lvl="0" indent="-228600">
               <a:lnSpc>
                 <a:spcPct val="100000"/>
               </a:lnSpc>
@@ -4685,15 +4820,19 @@
               <a:defRPr/>
             </a:lvl1pPr>
           </a:lstStyle>
-          <a:p/>
+          <a:p>
+            <a:endParaRPr/>
+          </a:p>
         </p:txBody>
       </p:sp>
       <p:sp>
         <p:nvSpPr>
           <p:cNvPr id="43" name="Google Shape;43;p10"/>
-          <p:cNvSpPr txBox="1"/>
+          <p:cNvSpPr txBox="1">
+            <a:spLocks noGrp="1"/>
+          </p:cNvSpPr>
           <p:nvPr>
-            <p:ph idx="12" type="sldNum"/>
+            <p:ph type="sldNum" idx="12"/>
           </p:nvPr>
         </p:nvSpPr>
         <p:spPr>
@@ -4706,7 +4845,7 @@
           </a:prstGeom>
         </p:spPr>
         <p:txBody>
-          <a:bodyPr anchorCtr="0" anchor="ctr" bIns="91425" lIns="91425" spcFirstLastPara="1" rIns="91425" wrap="square" tIns="91425">
+          <a:bodyPr spcFirstLastPara="1" wrap="square" lIns="91425" tIns="91425" rIns="91425" bIns="91425" anchor="ctr" anchorCtr="0">
             <a:noAutofit/>
           </a:bodyPr>
           <a:lstStyle>
@@ -4748,7 +4887,7 @@
             </a:lvl9pPr>
           </a:lstStyle>
           <a:p>
-            <a:pPr indent="0" lvl="0" marL="0" rtl="0" algn="r">
+            <a:pPr marL="0" lvl="0" indent="0" algn="r" rtl="0">
               <a:spcBef>
                 <a:spcPts val="0"/>
               </a:spcBef>
@@ -4774,18 +4913,19 @@
 </file>
 
 <file path=ppt/slideMasters/slideMaster1.xml><?xml version="1.0" encoding="utf-8"?>
-<p:sldMaster xmlns:a="http://schemas.openxmlformats.org/drawingml/2006/main" xmlns:r="http://schemas.openxmlformats.org/officeDocument/2006/relationships" xmlns:mc="http://schemas.openxmlformats.org/markup-compatibility/2006" xmlns:mv="urn:schemas-microsoft-com:mac:vml" xmlns:p="http://schemas.openxmlformats.org/presentationml/2006/main" xmlns:c="http://schemas.openxmlformats.org/drawingml/2006/chart" xmlns:dgm="http://schemas.openxmlformats.org/drawingml/2006/diagram" xmlns:o="urn:schemas-microsoft-com:office:office" xmlns:v="urn:schemas-microsoft-com:vml" xmlns:pvml="urn:schemas-microsoft-com:office:powerpoint" xmlns:com="http://schemas.openxmlformats.org/drawingml/2006/compatibility" xmlns:p14="http://schemas.microsoft.com/office/powerpoint/2010/main" xmlns:p15="http://schemas.microsoft.com/office/powerpoint/2012/main">
+<p:sldMaster xmlns:a="http://schemas.openxmlformats.org/drawingml/2006/main" xmlns:r="http://schemas.openxmlformats.org/officeDocument/2006/relationships" xmlns:p="http://schemas.openxmlformats.org/presentationml/2006/main">
   <p:cSld name="simple-light-2">
     <p:bg>
       <p:bgPr>
         <a:solidFill>
           <a:schemeClr val="lt1"/>
         </a:solidFill>
+        <a:effectLst/>
       </p:bgPr>
     </p:bg>
     <p:spTree>
       <p:nvGrpSpPr>
-        <p:cNvPr id="5" name="Shape 5"/>
+        <p:cNvPr id="1" name="Shape 5"/>
         <p:cNvGrpSpPr/>
         <p:nvPr/>
       </p:nvGrpSpPr>
@@ -4800,7 +4940,9 @@
       <p:sp>
         <p:nvSpPr>
           <p:cNvPr id="6" name="Google Shape;6;p1"/>
-          <p:cNvSpPr txBox="1"/>
+          <p:cNvSpPr txBox="1">
+            <a:spLocks noGrp="1"/>
+          </p:cNvSpPr>
           <p:nvPr>
             <p:ph type="title"/>
           </p:nvPr>
@@ -4819,7 +4961,7 @@
           </a:ln>
         </p:spPr>
         <p:txBody>
-          <a:bodyPr anchorCtr="0" anchor="t" bIns="91425" lIns="91425" spcFirstLastPara="1" rIns="91425" wrap="square" tIns="91425">
+          <a:bodyPr spcFirstLastPara="1" wrap="square" lIns="91425" tIns="91425" rIns="91425" bIns="91425" anchor="t" anchorCtr="0">
             <a:noAutofit/>
           </a:bodyPr>
           <a:lstStyle>
@@ -4986,15 +5128,19 @@
               </a:defRPr>
             </a:lvl9pPr>
           </a:lstStyle>
-          <a:p/>
+          <a:p>
+            <a:endParaRPr/>
+          </a:p>
         </p:txBody>
       </p:sp>
       <p:sp>
         <p:nvSpPr>
           <p:cNvPr id="7" name="Google Shape;7;p1"/>
-          <p:cNvSpPr txBox="1"/>
+          <p:cNvSpPr txBox="1">
+            <a:spLocks noGrp="1"/>
+          </p:cNvSpPr>
           <p:nvPr>
-            <p:ph idx="1" type="body"/>
+            <p:ph type="body" idx="1"/>
           </p:nvPr>
         </p:nvSpPr>
         <p:spPr>
@@ -5011,11 +5157,11 @@
           </a:ln>
         </p:spPr>
         <p:txBody>
-          <a:bodyPr anchorCtr="0" anchor="t" bIns="91425" lIns="91425" spcFirstLastPara="1" rIns="91425" wrap="square" tIns="91425">
+          <a:bodyPr spcFirstLastPara="1" wrap="square" lIns="91425" tIns="91425" rIns="91425" bIns="91425" anchor="t" anchorCtr="0">
             <a:noAutofit/>
           </a:bodyPr>
           <a:lstStyle>
-            <a:lvl1pPr indent="-342900" lvl="0" marL="457200">
+            <a:lvl1pPr marL="457200" lvl="0" indent="-342900">
               <a:lnSpc>
                 <a:spcPct val="115000"/>
               </a:lnSpc>
@@ -5036,7 +5182,7 @@
                 </a:solidFill>
               </a:defRPr>
             </a:lvl1pPr>
-            <a:lvl2pPr indent="-317500" lvl="1" marL="914400">
+            <a:lvl2pPr marL="914400" lvl="1" indent="-317500">
               <a:lnSpc>
                 <a:spcPct val="115000"/>
               </a:lnSpc>
@@ -5057,7 +5203,7 @@
                 </a:solidFill>
               </a:defRPr>
             </a:lvl2pPr>
-            <a:lvl3pPr indent="-317500" lvl="2" marL="1371600">
+            <a:lvl3pPr marL="1371600" lvl="2" indent="-317500">
               <a:lnSpc>
                 <a:spcPct val="115000"/>
               </a:lnSpc>
@@ -5078,7 +5224,7 @@
                 </a:solidFill>
               </a:defRPr>
             </a:lvl3pPr>
-            <a:lvl4pPr indent="-317500" lvl="3" marL="1828800">
+            <a:lvl4pPr marL="1828800" lvl="3" indent="-317500">
               <a:lnSpc>
                 <a:spcPct val="115000"/>
               </a:lnSpc>
@@ -5099,7 +5245,7 @@
                 </a:solidFill>
               </a:defRPr>
             </a:lvl4pPr>
-            <a:lvl5pPr indent="-317500" lvl="4" marL="2286000">
+            <a:lvl5pPr marL="2286000" lvl="4" indent="-317500">
               <a:lnSpc>
                 <a:spcPct val="115000"/>
               </a:lnSpc>
@@ -5120,7 +5266,7 @@
                 </a:solidFill>
               </a:defRPr>
             </a:lvl5pPr>
-            <a:lvl6pPr indent="-317500" lvl="5" marL="2743200">
+            <a:lvl6pPr marL="2743200" lvl="5" indent="-317500">
               <a:lnSpc>
                 <a:spcPct val="115000"/>
               </a:lnSpc>
@@ -5141,7 +5287,7 @@
                 </a:solidFill>
               </a:defRPr>
             </a:lvl6pPr>
-            <a:lvl7pPr indent="-317500" lvl="6" marL="3200400">
+            <a:lvl7pPr marL="3200400" lvl="6" indent="-317500">
               <a:lnSpc>
                 <a:spcPct val="115000"/>
               </a:lnSpc>
@@ -5162,7 +5308,7 @@
                 </a:solidFill>
               </a:defRPr>
             </a:lvl7pPr>
-            <a:lvl8pPr indent="-317500" lvl="7" marL="3657600">
+            <a:lvl8pPr marL="3657600" lvl="7" indent="-317500">
               <a:lnSpc>
                 <a:spcPct val="115000"/>
               </a:lnSpc>
@@ -5183,7 +5329,7 @@
                 </a:solidFill>
               </a:defRPr>
             </a:lvl8pPr>
-            <a:lvl9pPr indent="-317500" lvl="8" marL="4114800">
+            <a:lvl9pPr marL="4114800" lvl="8" indent="-317500">
               <a:lnSpc>
                 <a:spcPct val="115000"/>
               </a:lnSpc>
@@ -5205,15 +5351,19 @@
               </a:defRPr>
             </a:lvl9pPr>
           </a:lstStyle>
-          <a:p/>
+          <a:p>
+            <a:endParaRPr/>
+          </a:p>
         </p:txBody>
       </p:sp>
       <p:sp>
         <p:nvSpPr>
           <p:cNvPr id="8" name="Google Shape;8;p1"/>
-          <p:cNvSpPr txBox="1"/>
+          <p:cNvSpPr txBox="1">
+            <a:spLocks noGrp="1"/>
+          </p:cNvSpPr>
           <p:nvPr>
-            <p:ph idx="12" type="sldNum"/>
+            <p:ph type="sldNum" idx="12"/>
           </p:nvPr>
         </p:nvSpPr>
         <p:spPr>
@@ -5230,7 +5380,7 @@
           </a:ln>
         </p:spPr>
         <p:txBody>
-          <a:bodyPr anchorCtr="0" anchor="ctr" bIns="91425" lIns="91425" spcFirstLastPara="1" rIns="91425" wrap="square" tIns="91425">
+          <a:bodyPr spcFirstLastPara="1" wrap="square" lIns="91425" tIns="91425" rIns="91425" bIns="91425" anchor="ctr" anchorCtr="0">
             <a:noAutofit/>
           </a:bodyPr>
           <a:lstStyle>
@@ -5308,7 +5458,7 @@
             </a:lvl9pPr>
           </a:lstStyle>
           <a:p>
-            <a:pPr indent="0" lvl="0" marL="0" rtl="0" algn="r">
+            <a:pPr marL="0" lvl="0" indent="0" algn="r" rtl="0">
               <a:spcBef>
                 <a:spcPts val="0"/>
               </a:spcBef>
@@ -5327,7 +5477,7 @@
       </p:sp>
     </p:spTree>
   </p:cSld>
-  <p:clrMap accent1="accent1" accent2="accent2" accent3="accent3" accent4="accent4" accent5="accent5" accent6="accent6" bg1="lt1" bg2="dk2" tx1="dk1" tx2="lt2" folHlink="folHlink" hlink="hlink"/>
+  <p:clrMap bg1="lt1" tx1="dk1" bg2="dk2" tx2="lt2" accent1="accent1" accent2="accent2" accent3="accent3" accent4="accent4" accent5="accent5" accent6="accent6" hlink="hlink" folHlink="folHlink"/>
   <p:sldLayoutIdLst>
     <p:sldLayoutId id="2147483648" r:id="rId1"/>
     <p:sldLayoutId id="2147483649" r:id="rId2"/>
@@ -5341,10 +5491,10 @@
     <p:sldLayoutId id="2147483657" r:id="rId10"/>
     <p:sldLayoutId id="2147483658" r:id="rId11"/>
   </p:sldLayoutIdLst>
-  <p:hf dt="0" ftr="0" hdr="0" sldNum="0"/>
+  <p:hf sldNum="0" hdr="0" ftr="0" dt="0"/>
   <p:txStyles>
     <p:titleStyle>
-      <a:defPPr lvl="0" marR="0" rtl="0" algn="l">
+      <a:defPPr marR="0" lvl="0" algn="l" rtl="0">
         <a:lnSpc>
           <a:spcPct val="100000"/>
         </a:lnSpc>
@@ -5355,7 +5505,7 @@
           <a:spcPts val="0"/>
         </a:spcAft>
       </a:defPPr>
-      <a:lvl1pPr lvl="0" marR="0" rtl="0" algn="l">
+      <a:lvl1pPr marR="0" lvl="0" algn="l" rtl="0">
         <a:lnSpc>
           <a:spcPct val="100000"/>
         </a:lnSpc>
@@ -5369,7 +5519,7 @@
           <a:srgbClr val="000000"/>
         </a:buClr>
         <a:buFont typeface="Arial"/>
-        <a:defRPr b="0" i="0" sz="1400" u="none" cap="none" strike="noStrike">
+        <a:defRPr sz="1400" b="0" i="0" u="none" strike="noStrike" cap="none">
           <a:solidFill>
             <a:srgbClr val="000000"/>
           </a:solidFill>
@@ -5379,7 +5529,7 @@
           <a:sym typeface="Arial"/>
         </a:defRPr>
       </a:lvl1pPr>
-      <a:lvl2pPr lvl="1" marR="0" rtl="0" algn="l">
+      <a:lvl2pPr marR="0" lvl="1" algn="l" rtl="0">
         <a:lnSpc>
           <a:spcPct val="100000"/>
         </a:lnSpc>
@@ -5393,7 +5543,7 @@
           <a:srgbClr val="000000"/>
         </a:buClr>
         <a:buFont typeface="Arial"/>
-        <a:defRPr b="0" i="0" sz="1400" u="none" cap="none" strike="noStrike">
+        <a:defRPr sz="1400" b="0" i="0" u="none" strike="noStrike" cap="none">
           <a:solidFill>
             <a:srgbClr val="000000"/>
           </a:solidFill>
@@ -5403,7 +5553,7 @@
           <a:sym typeface="Arial"/>
         </a:defRPr>
       </a:lvl2pPr>
-      <a:lvl3pPr lvl="2" marR="0" rtl="0" algn="l">
+      <a:lvl3pPr marR="0" lvl="2" algn="l" rtl="0">
         <a:lnSpc>
           <a:spcPct val="100000"/>
         </a:lnSpc>
@@ -5417,7 +5567,7 @@
           <a:srgbClr val="000000"/>
         </a:buClr>
         <a:buFont typeface="Arial"/>
-        <a:defRPr b="0" i="0" sz="1400" u="none" cap="none" strike="noStrike">
+        <a:defRPr sz="1400" b="0" i="0" u="none" strike="noStrike" cap="none">
           <a:solidFill>
             <a:srgbClr val="000000"/>
           </a:solidFill>
@@ -5427,7 +5577,7 @@
           <a:sym typeface="Arial"/>
         </a:defRPr>
       </a:lvl3pPr>
-      <a:lvl4pPr lvl="3" marR="0" rtl="0" algn="l">
+      <a:lvl4pPr marR="0" lvl="3" algn="l" rtl="0">
         <a:lnSpc>
           <a:spcPct val="100000"/>
         </a:lnSpc>
@@ -5441,7 +5591,7 @@
           <a:srgbClr val="000000"/>
         </a:buClr>
         <a:buFont typeface="Arial"/>
-        <a:defRPr b="0" i="0" sz="1400" u="none" cap="none" strike="noStrike">
+        <a:defRPr sz="1400" b="0" i="0" u="none" strike="noStrike" cap="none">
           <a:solidFill>
             <a:srgbClr val="000000"/>
           </a:solidFill>
@@ -5451,7 +5601,7 @@
           <a:sym typeface="Arial"/>
         </a:defRPr>
       </a:lvl4pPr>
-      <a:lvl5pPr lvl="4" marR="0" rtl="0" algn="l">
+      <a:lvl5pPr marR="0" lvl="4" algn="l" rtl="0">
         <a:lnSpc>
           <a:spcPct val="100000"/>
         </a:lnSpc>
@@ -5465,7 +5615,7 @@
           <a:srgbClr val="000000"/>
         </a:buClr>
         <a:buFont typeface="Arial"/>
-        <a:defRPr b="0" i="0" sz="1400" u="none" cap="none" strike="noStrike">
+        <a:defRPr sz="1400" b="0" i="0" u="none" strike="noStrike" cap="none">
           <a:solidFill>
             <a:srgbClr val="000000"/>
           </a:solidFill>
@@ -5475,7 +5625,7 @@
           <a:sym typeface="Arial"/>
         </a:defRPr>
       </a:lvl5pPr>
-      <a:lvl6pPr lvl="5" marR="0" rtl="0" algn="l">
+      <a:lvl6pPr marR="0" lvl="5" algn="l" rtl="0">
         <a:lnSpc>
           <a:spcPct val="100000"/>
         </a:lnSpc>
@@ -5489,7 +5639,7 @@
           <a:srgbClr val="000000"/>
         </a:buClr>
         <a:buFont typeface="Arial"/>
-        <a:defRPr b="0" i="0" sz="1400" u="none" cap="none" strike="noStrike">
+        <a:defRPr sz="1400" b="0" i="0" u="none" strike="noStrike" cap="none">
           <a:solidFill>
             <a:srgbClr val="000000"/>
           </a:solidFill>
@@ -5499,7 +5649,7 @@
           <a:sym typeface="Arial"/>
         </a:defRPr>
       </a:lvl6pPr>
-      <a:lvl7pPr lvl="6" marR="0" rtl="0" algn="l">
+      <a:lvl7pPr marR="0" lvl="6" algn="l" rtl="0">
         <a:lnSpc>
           <a:spcPct val="100000"/>
         </a:lnSpc>
@@ -5513,7 +5663,7 @@
           <a:srgbClr val="000000"/>
         </a:buClr>
         <a:buFont typeface="Arial"/>
-        <a:defRPr b="0" i="0" sz="1400" u="none" cap="none" strike="noStrike">
+        <a:defRPr sz="1400" b="0" i="0" u="none" strike="noStrike" cap="none">
           <a:solidFill>
             <a:srgbClr val="000000"/>
           </a:solidFill>
@@ -5523,7 +5673,7 @@
           <a:sym typeface="Arial"/>
         </a:defRPr>
       </a:lvl7pPr>
-      <a:lvl8pPr lvl="7" marR="0" rtl="0" algn="l">
+      <a:lvl8pPr marR="0" lvl="7" algn="l" rtl="0">
         <a:lnSpc>
           <a:spcPct val="100000"/>
         </a:lnSpc>
@@ -5537,7 +5687,7 @@
           <a:srgbClr val="000000"/>
         </a:buClr>
         <a:buFont typeface="Arial"/>
-        <a:defRPr b="0" i="0" sz="1400" u="none" cap="none" strike="noStrike">
+        <a:defRPr sz="1400" b="0" i="0" u="none" strike="noStrike" cap="none">
           <a:solidFill>
             <a:srgbClr val="000000"/>
           </a:solidFill>
@@ -5547,7 +5697,7 @@
           <a:sym typeface="Arial"/>
         </a:defRPr>
       </a:lvl8pPr>
-      <a:lvl9pPr lvl="8" marR="0" rtl="0" algn="l">
+      <a:lvl9pPr marR="0" lvl="8" algn="l" rtl="0">
         <a:lnSpc>
           <a:spcPct val="100000"/>
         </a:lnSpc>
@@ -5561,7 +5711,7 @@
           <a:srgbClr val="000000"/>
         </a:buClr>
         <a:buFont typeface="Arial"/>
-        <a:defRPr b="0" i="0" sz="1400" u="none" cap="none" strike="noStrike">
+        <a:defRPr sz="1400" b="0" i="0" u="none" strike="noStrike" cap="none">
           <a:solidFill>
             <a:srgbClr val="000000"/>
           </a:solidFill>
@@ -5573,7 +5723,7 @@
       </a:lvl9pPr>
     </p:titleStyle>
     <p:bodyStyle>
-      <a:defPPr lvl="0" marR="0" rtl="0" algn="l">
+      <a:defPPr marR="0" lvl="0" algn="l" rtl="0">
         <a:lnSpc>
           <a:spcPct val="100000"/>
         </a:lnSpc>
@@ -5584,7 +5734,7 @@
           <a:spcPts val="0"/>
         </a:spcAft>
       </a:defPPr>
-      <a:lvl1pPr lvl="0" marR="0" rtl="0" algn="l">
+      <a:lvl1pPr marR="0" lvl="0" algn="l" rtl="0">
         <a:lnSpc>
           <a:spcPct val="100000"/>
         </a:lnSpc>
@@ -5598,7 +5748,7 @@
           <a:srgbClr val="000000"/>
         </a:buClr>
         <a:buFont typeface="Arial"/>
-        <a:defRPr b="0" i="0" sz="1400" u="none" cap="none" strike="noStrike">
+        <a:defRPr sz="1400" b="0" i="0" u="none" strike="noStrike" cap="none">
           <a:solidFill>
             <a:srgbClr val="000000"/>
           </a:solidFill>
@@ -5608,7 +5758,7 @@
           <a:sym typeface="Arial"/>
         </a:defRPr>
       </a:lvl1pPr>
-      <a:lvl2pPr lvl="1" marR="0" rtl="0" algn="l">
+      <a:lvl2pPr marR="0" lvl="1" algn="l" rtl="0">
         <a:lnSpc>
           <a:spcPct val="100000"/>
         </a:lnSpc>
@@ -5622,7 +5772,7 @@
           <a:srgbClr val="000000"/>
         </a:buClr>
         <a:buFont typeface="Arial"/>
-        <a:defRPr b="0" i="0" sz="1400" u="none" cap="none" strike="noStrike">
+        <a:defRPr sz="1400" b="0" i="0" u="none" strike="noStrike" cap="none">
           <a:solidFill>
             <a:srgbClr val="000000"/>
           </a:solidFill>
@@ -5632,7 +5782,7 @@
           <a:sym typeface="Arial"/>
         </a:defRPr>
       </a:lvl2pPr>
-      <a:lvl3pPr lvl="2" marR="0" rtl="0" algn="l">
+      <a:lvl3pPr marR="0" lvl="2" algn="l" rtl="0">
         <a:lnSpc>
           <a:spcPct val="100000"/>
         </a:lnSpc>
@@ -5646,7 +5796,7 @@
           <a:srgbClr val="000000"/>
         </a:buClr>
         <a:buFont typeface="Arial"/>
-        <a:defRPr b="0" i="0" sz="1400" u="none" cap="none" strike="noStrike">
+        <a:defRPr sz="1400" b="0" i="0" u="none" strike="noStrike" cap="none">
           <a:solidFill>
             <a:srgbClr val="000000"/>
           </a:solidFill>
@@ -5656,7 +5806,7 @@
           <a:sym typeface="Arial"/>
         </a:defRPr>
       </a:lvl3pPr>
-      <a:lvl4pPr lvl="3" marR="0" rtl="0" algn="l">
+      <a:lvl4pPr marR="0" lvl="3" algn="l" rtl="0">
         <a:lnSpc>
           <a:spcPct val="100000"/>
         </a:lnSpc>
@@ -5670,7 +5820,7 @@
           <a:srgbClr val="000000"/>
         </a:buClr>
         <a:buFont typeface="Arial"/>
-        <a:defRPr b="0" i="0" sz="1400" u="none" cap="none" strike="noStrike">
+        <a:defRPr sz="1400" b="0" i="0" u="none" strike="noStrike" cap="none">
           <a:solidFill>
             <a:srgbClr val="000000"/>
           </a:solidFill>
@@ -5680,7 +5830,7 @@
           <a:sym typeface="Arial"/>
         </a:defRPr>
       </a:lvl4pPr>
-      <a:lvl5pPr lvl="4" marR="0" rtl="0" algn="l">
+      <a:lvl5pPr marR="0" lvl="4" algn="l" rtl="0">
         <a:lnSpc>
           <a:spcPct val="100000"/>
         </a:lnSpc>
@@ -5694,7 +5844,7 @@
           <a:srgbClr val="000000"/>
         </a:buClr>
         <a:buFont typeface="Arial"/>
-        <a:defRPr b="0" i="0" sz="1400" u="none" cap="none" strike="noStrike">
+        <a:defRPr sz="1400" b="0" i="0" u="none" strike="noStrike" cap="none">
           <a:solidFill>
             <a:srgbClr val="000000"/>
           </a:solidFill>
@@ -5704,7 +5854,7 @@
           <a:sym typeface="Arial"/>
         </a:defRPr>
       </a:lvl5pPr>
-      <a:lvl6pPr lvl="5" marR="0" rtl="0" algn="l">
+      <a:lvl6pPr marR="0" lvl="5" algn="l" rtl="0">
         <a:lnSpc>
           <a:spcPct val="100000"/>
         </a:lnSpc>
@@ -5718,7 +5868,7 @@
           <a:srgbClr val="000000"/>
         </a:buClr>
         <a:buFont typeface="Arial"/>
-        <a:defRPr b="0" i="0" sz="1400" u="none" cap="none" strike="noStrike">
+        <a:defRPr sz="1400" b="0" i="0" u="none" strike="noStrike" cap="none">
           <a:solidFill>
             <a:srgbClr val="000000"/>
           </a:solidFill>
@@ -5728,7 +5878,7 @@
           <a:sym typeface="Arial"/>
         </a:defRPr>
       </a:lvl6pPr>
-      <a:lvl7pPr lvl="6" marR="0" rtl="0" algn="l">
+      <a:lvl7pPr marR="0" lvl="6" algn="l" rtl="0">
         <a:lnSpc>
           <a:spcPct val="100000"/>
         </a:lnSpc>
@@ -5742,7 +5892,7 @@
           <a:srgbClr val="000000"/>
         </a:buClr>
         <a:buFont typeface="Arial"/>
-        <a:defRPr b="0" i="0" sz="1400" u="none" cap="none" strike="noStrike">
+        <a:defRPr sz="1400" b="0" i="0" u="none" strike="noStrike" cap="none">
           <a:solidFill>
             <a:srgbClr val="000000"/>
           </a:solidFill>
@@ -5752,7 +5902,7 @@
           <a:sym typeface="Arial"/>
         </a:defRPr>
       </a:lvl7pPr>
-      <a:lvl8pPr lvl="7" marR="0" rtl="0" algn="l">
+      <a:lvl8pPr marR="0" lvl="7" algn="l" rtl="0">
         <a:lnSpc>
           <a:spcPct val="100000"/>
         </a:lnSpc>
@@ -5766,7 +5916,7 @@
           <a:srgbClr val="000000"/>
         </a:buClr>
         <a:buFont typeface="Arial"/>
-        <a:defRPr b="0" i="0" sz="1400" u="none" cap="none" strike="noStrike">
+        <a:defRPr sz="1400" b="0" i="0" u="none" strike="noStrike" cap="none">
           <a:solidFill>
             <a:srgbClr val="000000"/>
           </a:solidFill>
@@ -5776,7 +5926,7 @@
           <a:sym typeface="Arial"/>
         </a:defRPr>
       </a:lvl8pPr>
-      <a:lvl9pPr lvl="8" marR="0" rtl="0" algn="l">
+      <a:lvl9pPr marR="0" lvl="8" algn="l" rtl="0">
         <a:lnSpc>
           <a:spcPct val="100000"/>
         </a:lnSpc>
@@ -5790,7 +5940,7 @@
           <a:srgbClr val="000000"/>
         </a:buClr>
         <a:buFont typeface="Arial"/>
-        <a:defRPr b="0" i="0" sz="1400" u="none" cap="none" strike="noStrike">
+        <a:defRPr sz="1400" b="0" i="0" u="none" strike="noStrike" cap="none">
           <a:solidFill>
             <a:srgbClr val="000000"/>
           </a:solidFill>
@@ -5802,7 +5952,7 @@
       </a:lvl9pPr>
     </p:bodyStyle>
     <p:otherStyle>
-      <a:defPPr lvl="0" marR="0" rtl="0" algn="l">
+      <a:defPPr marR="0" lvl="0" algn="l" rtl="0">
         <a:lnSpc>
           <a:spcPct val="100000"/>
         </a:lnSpc>
@@ -5813,7 +5963,7 @@
           <a:spcPts val="0"/>
         </a:spcAft>
       </a:defPPr>
-      <a:lvl1pPr lvl="0" marR="0" rtl="0" algn="l">
+      <a:lvl1pPr marR="0" lvl="0" algn="l" rtl="0">
         <a:lnSpc>
           <a:spcPct val="100000"/>
         </a:lnSpc>
@@ -5827,7 +5977,7 @@
           <a:srgbClr val="000000"/>
         </a:buClr>
         <a:buFont typeface="Arial"/>
-        <a:defRPr b="0" i="0" sz="1400" u="none" cap="none" strike="noStrike">
+        <a:defRPr sz="1400" b="0" i="0" u="none" strike="noStrike" cap="none">
           <a:solidFill>
             <a:srgbClr val="000000"/>
           </a:solidFill>
@@ -5837,7 +5987,7 @@
           <a:sym typeface="Arial"/>
         </a:defRPr>
       </a:lvl1pPr>
-      <a:lvl2pPr lvl="1" marR="0" rtl="0" algn="l">
+      <a:lvl2pPr marR="0" lvl="1" algn="l" rtl="0">
         <a:lnSpc>
           <a:spcPct val="100000"/>
         </a:lnSpc>
@@ -5851,7 +6001,7 @@
           <a:srgbClr val="000000"/>
         </a:buClr>
         <a:buFont typeface="Arial"/>
-        <a:defRPr b="0" i="0" sz="1400" u="none" cap="none" strike="noStrike">
+        <a:defRPr sz="1400" b="0" i="0" u="none" strike="noStrike" cap="none">
           <a:solidFill>
             <a:srgbClr val="000000"/>
           </a:solidFill>
@@ -5861,7 +6011,7 @@
           <a:sym typeface="Arial"/>
         </a:defRPr>
       </a:lvl2pPr>
-      <a:lvl3pPr lvl="2" marR="0" rtl="0" algn="l">
+      <a:lvl3pPr marR="0" lvl="2" algn="l" rtl="0">
         <a:lnSpc>
           <a:spcPct val="100000"/>
         </a:lnSpc>
@@ -5875,7 +6025,7 @@
           <a:srgbClr val="000000"/>
         </a:buClr>
         <a:buFont typeface="Arial"/>
-        <a:defRPr b="0" i="0" sz="1400" u="none" cap="none" strike="noStrike">
+        <a:defRPr sz="1400" b="0" i="0" u="none" strike="noStrike" cap="none">
           <a:solidFill>
             <a:srgbClr val="000000"/>
           </a:solidFill>
@@ -5885,7 +6035,7 @@
           <a:sym typeface="Arial"/>
         </a:defRPr>
       </a:lvl3pPr>
-      <a:lvl4pPr lvl="3" marR="0" rtl="0" algn="l">
+      <a:lvl4pPr marR="0" lvl="3" algn="l" rtl="0">
         <a:lnSpc>
           <a:spcPct val="100000"/>
         </a:lnSpc>
@@ -5899,7 +6049,7 @@
           <a:srgbClr val="000000"/>
         </a:buClr>
         <a:buFont typeface="Arial"/>
-        <a:defRPr b="0" i="0" sz="1400" u="none" cap="none" strike="noStrike">
+        <a:defRPr sz="1400" b="0" i="0" u="none" strike="noStrike" cap="none">
           <a:solidFill>
             <a:srgbClr val="000000"/>
           </a:solidFill>
@@ -5909,7 +6059,7 @@
           <a:sym typeface="Arial"/>
         </a:defRPr>
       </a:lvl4pPr>
-      <a:lvl5pPr lvl="4" marR="0" rtl="0" algn="l">
+      <a:lvl5pPr marR="0" lvl="4" algn="l" rtl="0">
         <a:lnSpc>
           <a:spcPct val="100000"/>
         </a:lnSpc>
@@ -5923,7 +6073,7 @@
           <a:srgbClr val="000000"/>
         </a:buClr>
         <a:buFont typeface="Arial"/>
-        <a:defRPr b="0" i="0" sz="1400" u="none" cap="none" strike="noStrike">
+        <a:defRPr sz="1400" b="0" i="0" u="none" strike="noStrike" cap="none">
           <a:solidFill>
             <a:srgbClr val="000000"/>
           </a:solidFill>
@@ -5933,7 +6083,7 @@
           <a:sym typeface="Arial"/>
         </a:defRPr>
       </a:lvl5pPr>
-      <a:lvl6pPr lvl="5" marR="0" rtl="0" algn="l">
+      <a:lvl6pPr marR="0" lvl="5" algn="l" rtl="0">
         <a:lnSpc>
           <a:spcPct val="100000"/>
         </a:lnSpc>
@@ -5947,7 +6097,7 @@
           <a:srgbClr val="000000"/>
         </a:buClr>
         <a:buFont typeface="Arial"/>
-        <a:defRPr b="0" i="0" sz="1400" u="none" cap="none" strike="noStrike">
+        <a:defRPr sz="1400" b="0" i="0" u="none" strike="noStrike" cap="none">
           <a:solidFill>
             <a:srgbClr val="000000"/>
           </a:solidFill>
@@ -5957,7 +6107,7 @@
           <a:sym typeface="Arial"/>
         </a:defRPr>
       </a:lvl6pPr>
-      <a:lvl7pPr lvl="6" marR="0" rtl="0" algn="l">
+      <a:lvl7pPr marR="0" lvl="6" algn="l" rtl="0">
         <a:lnSpc>
           <a:spcPct val="100000"/>
         </a:lnSpc>
@@ -5971,7 +6121,7 @@
           <a:srgbClr val="000000"/>
         </a:buClr>
         <a:buFont typeface="Arial"/>
-        <a:defRPr b="0" i="0" sz="1400" u="none" cap="none" strike="noStrike">
+        <a:defRPr sz="1400" b="0" i="0" u="none" strike="noStrike" cap="none">
           <a:solidFill>
             <a:srgbClr val="000000"/>
           </a:solidFill>
@@ -5981,7 +6131,7 @@
           <a:sym typeface="Arial"/>
         </a:defRPr>
       </a:lvl7pPr>
-      <a:lvl8pPr lvl="7" marR="0" rtl="0" algn="l">
+      <a:lvl8pPr marR="0" lvl="7" algn="l" rtl="0">
         <a:lnSpc>
           <a:spcPct val="100000"/>
         </a:lnSpc>
@@ -5995,7 +6145,7 @@
           <a:srgbClr val="000000"/>
         </a:buClr>
         <a:buFont typeface="Arial"/>
-        <a:defRPr b="0" i="0" sz="1400" u="none" cap="none" strike="noStrike">
+        <a:defRPr sz="1400" b="0" i="0" u="none" strike="noStrike" cap="none">
           <a:solidFill>
             <a:srgbClr val="000000"/>
           </a:solidFill>
@@ -6005,7 +6155,7 @@
           <a:sym typeface="Arial"/>
         </a:defRPr>
       </a:lvl8pPr>
-      <a:lvl9pPr lvl="8" marR="0" rtl="0" algn="l">
+      <a:lvl9pPr marR="0" lvl="8" algn="l" rtl="0">
         <a:lnSpc>
           <a:spcPct val="100000"/>
         </a:lnSpc>
@@ -6019,7 +6169,7 @@
           <a:srgbClr val="000000"/>
         </a:buClr>
         <a:buFont typeface="Arial"/>
-        <a:defRPr b="0" i="0" sz="1400" u="none" cap="none" strike="noStrike">
+        <a:defRPr sz="1400" b="0" i="0" u="none" strike="noStrike" cap="none">
           <a:solidFill>
             <a:srgbClr val="000000"/>
           </a:solidFill>
@@ -6035,11 +6185,11 @@
 </file>
 
 <file path=ppt/slides/slide1.xml><?xml version="1.0" encoding="utf-8"?>
-<p:sld xmlns:a="http://schemas.openxmlformats.org/drawingml/2006/main" xmlns:r="http://schemas.openxmlformats.org/officeDocument/2006/relationships" xmlns:mc="http://schemas.openxmlformats.org/markup-compatibility/2006" xmlns:mv="urn:schemas-microsoft-com:mac:vml" xmlns:p="http://schemas.openxmlformats.org/presentationml/2006/main" xmlns:c="http://schemas.openxmlformats.org/drawingml/2006/chart" xmlns:dgm="http://schemas.openxmlformats.org/drawingml/2006/diagram" xmlns:o="urn:schemas-microsoft-com:office:office" xmlns:v="urn:schemas-microsoft-com:vml" xmlns:pvml="urn:schemas-microsoft-com:office:powerpoint" xmlns:com="http://schemas.openxmlformats.org/drawingml/2006/compatibility" xmlns:p14="http://schemas.microsoft.com/office/powerpoint/2010/main" xmlns:p15="http://schemas.microsoft.com/office/powerpoint/2012/main">
+<p:sld xmlns:a="http://schemas.openxmlformats.org/drawingml/2006/main" xmlns:r="http://schemas.openxmlformats.org/officeDocument/2006/relationships" xmlns:p="http://schemas.openxmlformats.org/presentationml/2006/main">
   <p:cSld>
     <p:spTree>
       <p:nvGrpSpPr>
-        <p:cNvPr id="53" name="Shape 53"/>
+        <p:cNvPr id="1" name="Shape 53"/>
         <p:cNvGrpSpPr/>
         <p:nvPr/>
       </p:nvGrpSpPr>
@@ -6054,7 +6204,9 @@
       <p:sp>
         <p:nvSpPr>
           <p:cNvPr id="54" name="Google Shape;54;p13"/>
-          <p:cNvSpPr txBox="1"/>
+          <p:cNvSpPr txBox="1">
+            <a:spLocks noGrp="1"/>
+          </p:cNvSpPr>
           <p:nvPr>
             <p:ph type="ctrTitle"/>
           </p:nvPr>
@@ -6069,12 +6221,12 @@
           </a:prstGeom>
         </p:spPr>
         <p:txBody>
-          <a:bodyPr anchorCtr="0" anchor="b" bIns="91425" lIns="91425" spcFirstLastPara="1" rIns="91425" wrap="square" tIns="91425">
+          <a:bodyPr spcFirstLastPara="1" wrap="square" lIns="91425" tIns="91425" rIns="91425" bIns="91425" anchor="b" anchorCtr="0">
             <a:noAutofit/>
           </a:bodyPr>
           <a:lstStyle/>
           <a:p>
-            <a:pPr indent="0" lvl="0" marL="0" rtl="0" algn="ctr">
+            <a:pPr marL="0" lvl="0" indent="0" algn="ctr" rtl="0">
               <a:spcBef>
                 <a:spcPts val="0"/>
               </a:spcBef>
@@ -6085,11 +6237,7 @@
             </a:pPr>
             <a:r>
               <a:rPr lang="en" sz="3000"/>
-              <a:t>Automatic Scoring for </a:t>
-            </a:r>
-            <a:r>
-              <a:rPr lang="en" sz="3000"/>
-              <a:t>Cross Languages Programming Assignment by Strategies of Code Vectorization and Machine Learning</a:t>
+              <a:t>Automatic Scoring for Cross Languages Programming Assignment by Strategies of Code Vectorization and Machine Learning</a:t>
             </a:r>
             <a:endParaRPr sz="3000"/>
           </a:p>
@@ -6098,9 +6246,11 @@
       <p:sp>
         <p:nvSpPr>
           <p:cNvPr id="55" name="Google Shape;55;p13"/>
-          <p:cNvSpPr txBox="1"/>
+          <p:cNvSpPr txBox="1">
+            <a:spLocks noGrp="1"/>
+          </p:cNvSpPr>
           <p:nvPr>
-            <p:ph idx="1" type="subTitle"/>
+            <p:ph type="subTitle" idx="1"/>
           </p:nvPr>
         </p:nvSpPr>
         <p:spPr>
@@ -6113,12 +6263,12 @@
           </a:prstGeom>
         </p:spPr>
         <p:txBody>
-          <a:bodyPr anchorCtr="0" anchor="t" bIns="91425" lIns="91425" spcFirstLastPara="1" rIns="91425" wrap="square" tIns="91425">
+          <a:bodyPr spcFirstLastPara="1" wrap="square" lIns="91425" tIns="91425" rIns="91425" bIns="91425" anchor="t" anchorCtr="0">
             <a:noAutofit/>
           </a:bodyPr>
           <a:lstStyle/>
           <a:p>
-            <a:pPr indent="0" lvl="0" marL="0" rtl="0" algn="ctr">
+            <a:pPr marL="0" lvl="0" indent="0" algn="ctr" rtl="0">
               <a:spcBef>
                 <a:spcPts val="0"/>
               </a:spcBef>
@@ -6144,11 +6294,11 @@
 </file>
 
 <file path=ppt/slides/slide2.xml><?xml version="1.0" encoding="utf-8"?>
-<p:sld xmlns:a="http://schemas.openxmlformats.org/drawingml/2006/main" xmlns:r="http://schemas.openxmlformats.org/officeDocument/2006/relationships" xmlns:mc="http://schemas.openxmlformats.org/markup-compatibility/2006" xmlns:mv="urn:schemas-microsoft-com:mac:vml" xmlns:p="http://schemas.openxmlformats.org/presentationml/2006/main" xmlns:c="http://schemas.openxmlformats.org/drawingml/2006/chart" xmlns:dgm="http://schemas.openxmlformats.org/drawingml/2006/diagram" xmlns:o="urn:schemas-microsoft-com:office:office" xmlns:v="urn:schemas-microsoft-com:vml" xmlns:pvml="urn:schemas-microsoft-com:office:powerpoint" xmlns:com="http://schemas.openxmlformats.org/drawingml/2006/compatibility" xmlns:p14="http://schemas.microsoft.com/office/powerpoint/2010/main" xmlns:p15="http://schemas.microsoft.com/office/powerpoint/2012/main">
+<p:sld xmlns:a="http://schemas.openxmlformats.org/drawingml/2006/main" xmlns:r="http://schemas.openxmlformats.org/officeDocument/2006/relationships" xmlns:p="http://schemas.openxmlformats.org/presentationml/2006/main">
   <p:cSld>
     <p:spTree>
       <p:nvGrpSpPr>
-        <p:cNvPr id="59" name="Shape 59"/>
+        <p:cNvPr id="1" name="Shape 59"/>
         <p:cNvGrpSpPr/>
         <p:nvPr/>
       </p:nvGrpSpPr>
@@ -6163,7 +6313,9 @@
       <p:sp>
         <p:nvSpPr>
           <p:cNvPr id="60" name="Google Shape;60;p14"/>
-          <p:cNvSpPr txBox="1"/>
+          <p:cNvSpPr txBox="1">
+            <a:spLocks noGrp="1"/>
+          </p:cNvSpPr>
           <p:nvPr>
             <p:ph type="title"/>
           </p:nvPr>
@@ -6178,12 +6330,12 @@
           </a:prstGeom>
         </p:spPr>
         <p:txBody>
-          <a:bodyPr anchorCtr="0" anchor="t" bIns="91425" lIns="91425" spcFirstLastPara="1" rIns="91425" wrap="square" tIns="91425">
+          <a:bodyPr spcFirstLastPara="1" wrap="square" lIns="91425" tIns="91425" rIns="91425" bIns="91425" anchor="t" anchorCtr="0">
             <a:noAutofit/>
           </a:bodyPr>
           <a:lstStyle/>
           <a:p>
-            <a:pPr indent="0" lvl="0" marL="0" rtl="0" algn="l">
+            <a:pPr marL="0" lvl="0" indent="0" algn="l" rtl="0">
               <a:spcBef>
                 <a:spcPts val="0"/>
               </a:spcBef>
@@ -6203,9 +6355,11 @@
       <p:sp>
         <p:nvSpPr>
           <p:cNvPr id="61" name="Google Shape;61;p14"/>
-          <p:cNvSpPr txBox="1"/>
+          <p:cNvSpPr txBox="1">
+            <a:spLocks noGrp="1"/>
+          </p:cNvSpPr>
           <p:nvPr>
-            <p:ph idx="1" type="body"/>
+            <p:ph type="body" idx="1"/>
           </p:nvPr>
         </p:nvSpPr>
         <p:spPr>
@@ -6218,12 +6372,12 @@
           </a:prstGeom>
         </p:spPr>
         <p:txBody>
-          <a:bodyPr anchorCtr="0" anchor="t" bIns="91425" lIns="91425" spcFirstLastPara="1" rIns="91425" wrap="square" tIns="91425">
+          <a:bodyPr spcFirstLastPara="1" wrap="square" lIns="91425" tIns="91425" rIns="91425" bIns="91425" anchor="t" anchorCtr="0">
             <a:noAutofit/>
           </a:bodyPr>
           <a:lstStyle/>
           <a:p>
-            <a:pPr indent="0" lvl="0" marL="0" rtl="0" algn="just">
+            <a:pPr marL="0" lvl="0" indent="0" algn="just" rtl="0">
               <a:lnSpc>
                 <a:spcPct val="100000"/>
               </a:lnSpc>
@@ -6256,11 +6410,11 @@
 </file>
 
 <file path=ppt/slides/slide3.xml><?xml version="1.0" encoding="utf-8"?>
-<p:sld xmlns:a="http://schemas.openxmlformats.org/drawingml/2006/main" xmlns:r="http://schemas.openxmlformats.org/officeDocument/2006/relationships" xmlns:mc="http://schemas.openxmlformats.org/markup-compatibility/2006" xmlns:mv="urn:schemas-microsoft-com:mac:vml" xmlns:p="http://schemas.openxmlformats.org/presentationml/2006/main" xmlns:c="http://schemas.openxmlformats.org/drawingml/2006/chart" xmlns:dgm="http://schemas.openxmlformats.org/drawingml/2006/diagram" xmlns:o="urn:schemas-microsoft-com:office:office" xmlns:v="urn:schemas-microsoft-com:vml" xmlns:pvml="urn:schemas-microsoft-com:office:powerpoint" xmlns:com="http://schemas.openxmlformats.org/drawingml/2006/compatibility" xmlns:p14="http://schemas.microsoft.com/office/powerpoint/2010/main" xmlns:p15="http://schemas.microsoft.com/office/powerpoint/2012/main">
+<p:sld xmlns:a="http://schemas.openxmlformats.org/drawingml/2006/main" xmlns:r="http://schemas.openxmlformats.org/officeDocument/2006/relationships" xmlns:p="http://schemas.openxmlformats.org/presentationml/2006/main">
   <p:cSld>
     <p:spTree>
       <p:nvGrpSpPr>
-        <p:cNvPr id="65" name="Shape 65"/>
+        <p:cNvPr id="1" name="Shape 65"/>
         <p:cNvGrpSpPr/>
         <p:nvPr/>
       </p:nvGrpSpPr>
@@ -6289,23 +6443,23 @@
           <a:solidFill>
             <a:schemeClr val="lt2"/>
           </a:solidFill>
-          <a:ln cap="flat" cmpd="sng" w="9525">
+          <a:ln w="9525" cap="flat" cmpd="sng">
             <a:solidFill>
               <a:schemeClr val="dk2"/>
             </a:solidFill>
             <a:prstDash val="solid"/>
             <a:round/>
-            <a:headEnd len="sm" w="sm" type="none"/>
-            <a:tailEnd len="sm" w="sm" type="none"/>
+            <a:headEnd type="none" w="sm" len="sm"/>
+            <a:tailEnd type="none" w="sm" len="sm"/>
           </a:ln>
         </p:spPr>
         <p:txBody>
-          <a:bodyPr anchorCtr="0" anchor="ctr" bIns="91425" lIns="91425" spcFirstLastPara="1" rIns="91425" wrap="square" tIns="91425">
+          <a:bodyPr spcFirstLastPara="1" wrap="square" lIns="91425" tIns="91425" rIns="91425" bIns="91425" anchor="ctr" anchorCtr="0">
             <a:noAutofit/>
           </a:bodyPr>
           <a:lstStyle/>
           <a:p>
-            <a:pPr indent="0" lvl="0" marL="0" rtl="0" algn="l">
+            <a:pPr marL="0" lvl="0" indent="0" algn="l" rtl="0">
               <a:spcBef>
                 <a:spcPts val="0"/>
               </a:spcBef>
@@ -6314,9 +6468,6 @@
               </a:spcAft>
               <a:buNone/>
             </a:pPr>
-            <a:r>
-              <a:t/>
-            </a:r>
             <a:endParaRPr/>
           </a:p>
         </p:txBody>
@@ -6324,7 +6475,9 @@
       <p:sp>
         <p:nvSpPr>
           <p:cNvPr id="67" name="Google Shape;67;p15"/>
-          <p:cNvSpPr txBox="1"/>
+          <p:cNvSpPr txBox="1">
+            <a:spLocks noGrp="1"/>
+          </p:cNvSpPr>
           <p:nvPr>
             <p:ph type="title"/>
           </p:nvPr>
@@ -6339,12 +6492,12 @@
           </a:prstGeom>
         </p:spPr>
         <p:txBody>
-          <a:bodyPr anchorCtr="0" anchor="t" bIns="91425" lIns="91425" spcFirstLastPara="1" rIns="91425" wrap="square" tIns="91425">
+          <a:bodyPr spcFirstLastPara="1" wrap="square" lIns="91425" tIns="91425" rIns="91425" bIns="91425" anchor="t" anchorCtr="0">
             <a:noAutofit/>
           </a:bodyPr>
           <a:lstStyle/>
           <a:p>
-            <a:pPr indent="0" lvl="0" marL="0" rtl="0" algn="l">
+            <a:pPr marL="0" lvl="0" indent="0" algn="l" rtl="0">
               <a:spcBef>
                 <a:spcPts val="0"/>
               </a:spcBef>
@@ -6378,23 +6531,23 @@
           <a:solidFill>
             <a:srgbClr val="FCE5CD"/>
           </a:solidFill>
-          <a:ln cap="flat" cmpd="sng" w="9525">
+          <a:ln w="9525" cap="flat" cmpd="sng">
             <a:solidFill>
               <a:srgbClr val="000000"/>
             </a:solidFill>
             <a:prstDash val="solid"/>
             <a:round/>
-            <a:headEnd len="sm" w="sm" type="none"/>
-            <a:tailEnd len="sm" w="sm" type="none"/>
+            <a:headEnd type="none" w="sm" len="sm"/>
+            <a:tailEnd type="none" w="sm" len="sm"/>
           </a:ln>
         </p:spPr>
         <p:txBody>
-          <a:bodyPr anchorCtr="0" anchor="t" bIns="91425" lIns="91425" spcFirstLastPara="1" rIns="91425" wrap="square" tIns="91425">
+          <a:bodyPr spcFirstLastPara="1" wrap="square" lIns="91425" tIns="91425" rIns="91425" bIns="91425" anchor="t" anchorCtr="0">
             <a:noAutofit/>
           </a:bodyPr>
           <a:lstStyle/>
           <a:p>
-            <a:pPr indent="0" lvl="0" marL="0" rtl="0" algn="ctr">
+            <a:pPr marL="0" lvl="0" indent="0" algn="ctr" rtl="0">
               <a:spcBef>
                 <a:spcPts val="0"/>
               </a:spcBef>
@@ -6428,23 +6581,23 @@
           <a:solidFill>
             <a:srgbClr val="FCE5CD"/>
           </a:solidFill>
-          <a:ln cap="flat" cmpd="sng" w="9525">
+          <a:ln w="9525" cap="flat" cmpd="sng">
             <a:solidFill>
               <a:srgbClr val="000000"/>
             </a:solidFill>
             <a:prstDash val="solid"/>
             <a:round/>
-            <a:headEnd len="sm" w="sm" type="none"/>
-            <a:tailEnd len="sm" w="sm" type="none"/>
+            <a:headEnd type="none" w="sm" len="sm"/>
+            <a:tailEnd type="none" w="sm" len="sm"/>
           </a:ln>
         </p:spPr>
         <p:txBody>
-          <a:bodyPr anchorCtr="0" anchor="ctr" bIns="91425" lIns="91425" spcFirstLastPara="1" rIns="91425" wrap="square" tIns="91425">
+          <a:bodyPr spcFirstLastPara="1" wrap="square" lIns="91425" tIns="91425" rIns="91425" bIns="91425" anchor="ctr" anchorCtr="0">
             <a:noAutofit/>
           </a:bodyPr>
           <a:lstStyle/>
           <a:p>
-            <a:pPr indent="0" lvl="0" marL="0" rtl="0" algn="ctr">
+            <a:pPr marL="0" lvl="0" indent="0" algn="ctr" rtl="0">
               <a:spcBef>
                 <a:spcPts val="0"/>
               </a:spcBef>
@@ -6484,14 +6637,14 @@
             <a:avLst/>
           </a:prstGeom>
           <a:noFill/>
-          <a:ln cap="flat" cmpd="sng" w="9525">
+          <a:ln w="9525" cap="flat" cmpd="sng">
             <a:solidFill>
               <a:srgbClr val="000000"/>
             </a:solidFill>
             <a:prstDash val="solid"/>
             <a:round/>
-            <a:headEnd len="sm" w="sm" type="none"/>
-            <a:tailEnd len="sm" w="sm" type="none"/>
+            <a:headEnd type="none" w="sm" len="sm"/>
+            <a:tailEnd type="none" w="sm" len="sm"/>
           </a:ln>
         </p:spPr>
       </p:pic>
@@ -6518,14 +6671,14 @@
             <a:avLst/>
           </a:prstGeom>
           <a:noFill/>
-          <a:ln cap="flat" cmpd="sng" w="9525">
+          <a:ln w="9525" cap="flat" cmpd="sng">
             <a:solidFill>
               <a:srgbClr val="000000"/>
             </a:solidFill>
             <a:prstDash val="solid"/>
             <a:round/>
-            <a:headEnd len="sm" w="sm" type="none"/>
-            <a:tailEnd len="sm" w="sm" type="none"/>
+            <a:headEnd type="none" w="sm" len="sm"/>
+            <a:tailEnd type="none" w="sm" len="sm"/>
           </a:ln>
         </p:spPr>
       </p:pic>
@@ -6547,14 +6700,14 @@
             <a:avLst/>
           </a:prstGeom>
           <a:noFill/>
-          <a:ln cap="flat" cmpd="sng" w="9525">
+          <a:ln w="9525" cap="flat" cmpd="sng">
             <a:solidFill>
               <a:schemeClr val="dk2"/>
             </a:solidFill>
             <a:prstDash val="solid"/>
             <a:round/>
-            <a:headEnd len="med" w="med" type="none"/>
-            <a:tailEnd len="med" w="med" type="triangle"/>
+            <a:headEnd type="none" w="med" len="med"/>
+            <a:tailEnd type="triangle" w="med" len="med"/>
           </a:ln>
         </p:spPr>
       </p:cxnSp>
@@ -6576,14 +6729,14 @@
             <a:avLst/>
           </a:prstGeom>
           <a:noFill/>
-          <a:ln cap="flat" cmpd="sng" w="9525">
+          <a:ln w="9525" cap="flat" cmpd="sng">
             <a:solidFill>
               <a:schemeClr val="dk2"/>
             </a:solidFill>
             <a:prstDash val="solid"/>
             <a:round/>
-            <a:headEnd len="med" w="med" type="none"/>
-            <a:tailEnd len="med" w="med" type="triangle"/>
+            <a:headEnd type="none" w="med" len="med"/>
+            <a:tailEnd type="triangle" w="med" len="med"/>
           </a:ln>
         </p:spPr>
       </p:cxnSp>
@@ -6604,23 +6757,23 @@
           <a:solidFill>
             <a:schemeClr val="lt2"/>
           </a:solidFill>
-          <a:ln cap="flat" cmpd="sng" w="9525">
+          <a:ln w="9525" cap="flat" cmpd="sng">
             <a:solidFill>
               <a:schemeClr val="dk2"/>
             </a:solidFill>
             <a:prstDash val="solid"/>
             <a:round/>
-            <a:headEnd len="sm" w="sm" type="none"/>
-            <a:tailEnd len="sm" w="sm" type="none"/>
+            <a:headEnd type="none" w="sm" len="sm"/>
+            <a:tailEnd type="none" w="sm" len="sm"/>
           </a:ln>
         </p:spPr>
         <p:txBody>
-          <a:bodyPr anchorCtr="0" anchor="ctr" bIns="91425" lIns="91425" spcFirstLastPara="1" rIns="91425" wrap="square" tIns="91425">
+          <a:bodyPr spcFirstLastPara="1" wrap="square" lIns="91425" tIns="91425" rIns="91425" bIns="91425" anchor="ctr" anchorCtr="0">
             <a:noAutofit/>
           </a:bodyPr>
           <a:lstStyle/>
           <a:p>
-            <a:pPr indent="0" lvl="0" marL="0" rtl="0" algn="l">
+            <a:pPr marL="0" lvl="0" indent="0" algn="l" rtl="0">
               <a:spcBef>
                 <a:spcPts val="0"/>
               </a:spcBef>
@@ -6629,9 +6782,6 @@
               </a:spcAft>
               <a:buNone/>
             </a:pPr>
-            <a:r>
-              <a:t/>
-            </a:r>
             <a:endParaRPr/>
           </a:p>
         </p:txBody>
@@ -6659,14 +6809,14 @@
             <a:avLst/>
           </a:prstGeom>
           <a:noFill/>
-          <a:ln cap="flat" cmpd="sng" w="9525">
+          <a:ln w="9525" cap="flat" cmpd="sng">
             <a:solidFill>
               <a:srgbClr val="000000"/>
             </a:solidFill>
             <a:prstDash val="solid"/>
             <a:round/>
-            <a:headEnd len="sm" w="sm" type="none"/>
-            <a:tailEnd len="sm" w="sm" type="none"/>
+            <a:headEnd type="none" w="sm" len="sm"/>
+            <a:tailEnd type="none" w="sm" len="sm"/>
           </a:ln>
         </p:spPr>
       </p:pic>
@@ -6693,14 +6843,14 @@
             <a:avLst/>
           </a:prstGeom>
           <a:noFill/>
-          <a:ln cap="flat" cmpd="sng" w="9525">
+          <a:ln w="9525" cap="flat" cmpd="sng">
             <a:solidFill>
               <a:srgbClr val="000000"/>
             </a:solidFill>
             <a:prstDash val="solid"/>
             <a:round/>
-            <a:headEnd len="sm" w="sm" type="none"/>
-            <a:tailEnd len="sm" w="sm" type="none"/>
+            <a:headEnd type="none" w="sm" len="sm"/>
+            <a:tailEnd type="none" w="sm" len="sm"/>
           </a:ln>
         </p:spPr>
       </p:pic>
@@ -6727,14 +6877,14 @@
             <a:avLst/>
           </a:prstGeom>
           <a:noFill/>
-          <a:ln cap="flat" cmpd="sng" w="9525">
+          <a:ln w="9525" cap="flat" cmpd="sng">
             <a:solidFill>
               <a:srgbClr val="000000"/>
             </a:solidFill>
             <a:prstDash val="solid"/>
             <a:round/>
-            <a:headEnd len="sm" w="sm" type="none"/>
-            <a:tailEnd len="sm" w="sm" type="none"/>
+            <a:headEnd type="none" w="sm" len="sm"/>
+            <a:tailEnd type="none" w="sm" len="sm"/>
           </a:ln>
         </p:spPr>
       </p:pic>
@@ -6761,14 +6911,14 @@
             <a:avLst/>
           </a:prstGeom>
           <a:noFill/>
-          <a:ln cap="flat" cmpd="sng" w="9525">
+          <a:ln w="9525" cap="flat" cmpd="sng">
             <a:solidFill>
               <a:srgbClr val="000000"/>
             </a:solidFill>
             <a:prstDash val="solid"/>
             <a:round/>
-            <a:headEnd len="sm" w="sm" type="none"/>
-            <a:tailEnd len="sm" w="sm" type="none"/>
+            <a:headEnd type="none" w="sm" len="sm"/>
+            <a:tailEnd type="none" w="sm" len="sm"/>
           </a:ln>
         </p:spPr>
       </p:pic>
@@ -6795,14 +6945,14 @@
             <a:avLst/>
           </a:prstGeom>
           <a:noFill/>
-          <a:ln cap="flat" cmpd="sng" w="9525">
+          <a:ln w="9525" cap="flat" cmpd="sng">
             <a:solidFill>
               <a:srgbClr val="000000"/>
             </a:solidFill>
             <a:prstDash val="solid"/>
             <a:round/>
-            <a:headEnd len="sm" w="sm" type="none"/>
-            <a:tailEnd len="sm" w="sm" type="none"/>
+            <a:headEnd type="none" w="sm" len="sm"/>
+            <a:tailEnd type="none" w="sm" len="sm"/>
           </a:ln>
         </p:spPr>
       </p:pic>
@@ -6829,14 +6979,14 @@
             <a:avLst/>
           </a:prstGeom>
           <a:noFill/>
-          <a:ln cap="flat" cmpd="sng" w="9525">
+          <a:ln w="9525" cap="flat" cmpd="sng">
             <a:solidFill>
               <a:srgbClr val="000000"/>
             </a:solidFill>
             <a:prstDash val="solid"/>
             <a:round/>
-            <a:headEnd len="sm" w="sm" type="none"/>
-            <a:tailEnd len="sm" w="sm" type="none"/>
+            <a:headEnd type="none" w="sm" len="sm"/>
+            <a:tailEnd type="none" w="sm" len="sm"/>
           </a:ln>
         </p:spPr>
       </p:pic>
@@ -6860,12 +7010,12 @@
           </a:ln>
         </p:spPr>
         <p:txBody>
-          <a:bodyPr anchorCtr="0" anchor="t" bIns="91425" lIns="91425" spcFirstLastPara="1" rIns="91425" wrap="square" tIns="91425">
+          <a:bodyPr spcFirstLastPara="1" wrap="square" lIns="91425" tIns="91425" rIns="91425" bIns="91425" anchor="t" anchorCtr="0">
             <a:noAutofit/>
           </a:bodyPr>
           <a:lstStyle/>
           <a:p>
-            <a:pPr indent="0" lvl="0" marL="0" rtl="0" algn="ctr">
+            <a:pPr marL="0" lvl="0" indent="0" algn="ctr" rtl="0">
               <a:spcBef>
                 <a:spcPts val="0"/>
               </a:spcBef>
@@ -6876,11 +7026,7 @@
             </a:pPr>
             <a:r>
               <a:rPr lang="en" sz="1200"/>
-              <a:t>Questions/ </a:t>
-            </a:r>
-            <a:r>
-              <a:rPr lang="en" sz="1200"/>
-              <a:t>Tasks </a:t>
+              <a:t>Questions/ Tasks </a:t>
             </a:r>
             <a:endParaRPr sz="1200"/>
           </a:p>
@@ -6906,12 +7052,12 @@
           </a:ln>
         </p:spPr>
         <p:txBody>
-          <a:bodyPr anchorCtr="0" anchor="t" bIns="91425" lIns="91425" spcFirstLastPara="1" rIns="91425" wrap="square" tIns="91425">
+          <a:bodyPr spcFirstLastPara="1" wrap="square" lIns="91425" tIns="91425" rIns="91425" bIns="91425" anchor="t" anchorCtr="0">
             <a:noAutofit/>
           </a:bodyPr>
           <a:lstStyle/>
           <a:p>
-            <a:pPr indent="0" lvl="0" marL="0" rtl="0" algn="ctr">
+            <a:pPr marL="0" lvl="0" indent="0" algn="ctr" rtl="0">
               <a:spcBef>
                 <a:spcPts val="0"/>
               </a:spcBef>
@@ -6927,7 +7073,7 @@
             <a:endParaRPr sz="1200"/>
           </a:p>
           <a:p>
-            <a:pPr indent="0" lvl="0" marL="0" rtl="0" algn="ctr">
+            <a:pPr marL="0" lvl="0" indent="0" algn="ctr" rtl="0">
               <a:spcBef>
                 <a:spcPts val="0"/>
               </a:spcBef>
@@ -6961,23 +7107,23 @@
           <a:solidFill>
             <a:srgbClr val="D9EAD3"/>
           </a:solidFill>
-          <a:ln cap="flat" cmpd="sng" w="9525">
+          <a:ln w="9525" cap="flat" cmpd="sng">
             <a:solidFill>
               <a:srgbClr val="000000"/>
             </a:solidFill>
             <a:prstDash val="solid"/>
             <a:round/>
-            <a:headEnd len="sm" w="sm" type="none"/>
-            <a:tailEnd len="sm" w="sm" type="none"/>
+            <a:headEnd type="none" w="sm" len="sm"/>
+            <a:tailEnd type="none" w="sm" len="sm"/>
           </a:ln>
         </p:spPr>
         <p:txBody>
-          <a:bodyPr anchorCtr="0" anchor="ctr" bIns="91425" lIns="91425" spcFirstLastPara="1" rIns="91425" wrap="square" tIns="91425">
+          <a:bodyPr spcFirstLastPara="1" wrap="square" lIns="91425" tIns="91425" rIns="91425" bIns="91425" anchor="ctr" anchorCtr="0">
             <a:noAutofit/>
           </a:bodyPr>
           <a:lstStyle/>
           <a:p>
-            <a:pPr indent="0" lvl="0" marL="0" rtl="0" algn="ctr">
+            <a:pPr marL="0" lvl="0" indent="0" algn="ctr" rtl="0">
               <a:spcBef>
                 <a:spcPts val="0"/>
               </a:spcBef>
@@ -6993,7 +7139,7 @@
             <a:endParaRPr/>
           </a:p>
           <a:p>
-            <a:pPr indent="0" lvl="0" marL="0" rtl="0" algn="ctr">
+            <a:pPr marL="0" lvl="0" indent="0" algn="ctr" rtl="0">
               <a:spcBef>
                 <a:spcPts val="0"/>
               </a:spcBef>
@@ -7028,14 +7174,14 @@
             <a:avLst/>
           </a:prstGeom>
           <a:noFill/>
-          <a:ln cap="flat" cmpd="sng" w="9525">
+          <a:ln w="9525" cap="flat" cmpd="sng">
             <a:solidFill>
               <a:schemeClr val="dk2"/>
             </a:solidFill>
             <a:prstDash val="solid"/>
             <a:round/>
-            <a:headEnd len="med" w="med" type="triangle"/>
-            <a:tailEnd len="med" w="med" type="triangle"/>
+            <a:headEnd type="triangle" w="med" len="med"/>
+            <a:tailEnd type="triangle" w="med" len="med"/>
           </a:ln>
         </p:spPr>
       </p:cxnSp>
@@ -7057,14 +7203,14 @@
             <a:avLst/>
           </a:prstGeom>
           <a:noFill/>
-          <a:ln cap="flat" cmpd="sng" w="9525">
+          <a:ln w="9525" cap="flat" cmpd="sng">
             <a:solidFill>
               <a:schemeClr val="dk2"/>
             </a:solidFill>
             <a:prstDash val="solid"/>
             <a:round/>
-            <a:headEnd len="med" w="med" type="triangle"/>
-            <a:tailEnd len="med" w="med" type="triangle"/>
+            <a:headEnd type="triangle" w="med" len="med"/>
+            <a:tailEnd type="triangle" w="med" len="med"/>
           </a:ln>
         </p:spPr>
       </p:cxnSp>
@@ -7085,23 +7231,23 @@
           <a:solidFill>
             <a:srgbClr val="FCE5CD"/>
           </a:solidFill>
-          <a:ln cap="flat" cmpd="sng" w="9525">
+          <a:ln w="9525" cap="flat" cmpd="sng">
             <a:solidFill>
               <a:srgbClr val="000000"/>
             </a:solidFill>
             <a:prstDash val="solid"/>
             <a:round/>
-            <a:headEnd len="sm" w="sm" type="none"/>
-            <a:tailEnd len="sm" w="sm" type="none"/>
+            <a:headEnd type="none" w="sm" len="sm"/>
+            <a:tailEnd type="none" w="sm" len="sm"/>
           </a:ln>
         </p:spPr>
         <p:txBody>
-          <a:bodyPr anchorCtr="0" anchor="ctr" bIns="91425" lIns="91425" spcFirstLastPara="1" rIns="91425" wrap="square" tIns="91425">
+          <a:bodyPr spcFirstLastPara="1" wrap="square" lIns="91425" tIns="91425" rIns="91425" bIns="91425" anchor="ctr" anchorCtr="0">
             <a:noAutofit/>
           </a:bodyPr>
           <a:lstStyle/>
           <a:p>
-            <a:pPr indent="0" lvl="0" marL="0" rtl="0" algn="ctr">
+            <a:pPr marL="0" lvl="0" indent="0" algn="ctr" rtl="0">
               <a:spcBef>
                 <a:spcPts val="0"/>
               </a:spcBef>
@@ -7112,12 +7258,12 @@
             </a:pPr>
             <a:r>
               <a:rPr lang="en" sz="1200"/>
-              <a:t>Predicted Score</a:t>
+              <a:t>Predicted Score Range</a:t>
             </a:r>
             <a:endParaRPr sz="1200"/>
           </a:p>
           <a:p>
-            <a:pPr indent="0" lvl="0" marL="0" rtl="0" algn="ctr">
+            <a:pPr marL="0" lvl="0" indent="0" algn="ctr" rtl="0">
               <a:spcBef>
                 <a:spcPts val="0"/>
               </a:spcBef>
@@ -7127,10 +7273,10 @@
               <a:buNone/>
             </a:pPr>
             <a:r>
-              <a:rPr lang="en" sz="1200"/>
+              <a:rPr lang="en" sz="1200" dirty="0"/>
               <a:t>(A, A-, B+...)</a:t>
             </a:r>
-            <a:endParaRPr sz="1200"/>
+            <a:endParaRPr sz="1200" dirty="0"/>
           </a:p>
         </p:txBody>
       </p:sp>
@@ -7152,14 +7298,14 @@
             <a:avLst/>
           </a:prstGeom>
           <a:noFill/>
-          <a:ln cap="flat" cmpd="sng" w="9525">
+          <a:ln w="9525" cap="flat" cmpd="sng">
             <a:solidFill>
               <a:schemeClr val="dk2"/>
             </a:solidFill>
             <a:prstDash val="solid"/>
             <a:round/>
-            <a:headEnd len="med" w="med" type="none"/>
-            <a:tailEnd len="med" w="med" type="triangle"/>
+            <a:headEnd type="none" w="med" len="med"/>
+            <a:tailEnd type="triangle" w="med" len="med"/>
           </a:ln>
         </p:spPr>
       </p:cxnSp>
@@ -7183,12 +7329,12 @@
           </a:ln>
         </p:spPr>
         <p:txBody>
-          <a:bodyPr anchorCtr="0" anchor="t" bIns="91425" lIns="91425" spcFirstLastPara="1" rIns="91425" wrap="square" tIns="91425">
+          <a:bodyPr spcFirstLastPara="1" wrap="square" lIns="91425" tIns="91425" rIns="91425" bIns="91425" anchor="t" anchorCtr="0">
             <a:noAutofit/>
           </a:bodyPr>
           <a:lstStyle/>
           <a:p>
-            <a:pPr indent="0" lvl="0" marL="0" rtl="0" algn="l">
+            <a:pPr marL="0" lvl="0" indent="0" algn="l" rtl="0">
               <a:spcBef>
                 <a:spcPts val="0"/>
               </a:spcBef>
@@ -7225,12 +7371,12 @@
           </a:ln>
         </p:spPr>
         <p:txBody>
-          <a:bodyPr anchorCtr="0" anchor="t" bIns="91425" lIns="91425" spcFirstLastPara="1" rIns="91425" wrap="square" tIns="91425">
+          <a:bodyPr spcFirstLastPara="1" wrap="square" lIns="91425" tIns="91425" rIns="91425" bIns="91425" anchor="t" anchorCtr="0">
             <a:noAutofit/>
           </a:bodyPr>
           <a:lstStyle/>
           <a:p>
-            <a:pPr indent="0" lvl="0" marL="0" rtl="0" algn="l">
+            <a:pPr marL="0" lvl="0" indent="0" algn="l" rtl="0">
               <a:spcBef>
                 <a:spcPts val="0"/>
               </a:spcBef>
@@ -7256,7 +7402,7 @@
           <p:nvPr/>
         </p:nvCxnSpPr>
         <p:spPr>
-          <a:xfrm flipH="1" rot="10800000">
+          <a:xfrm rot="10800000" flipH="1">
             <a:off x="4576538" y="2311763"/>
             <a:ext cx="7800" cy="371700"/>
           </a:xfrm>
@@ -7264,14 +7410,14 @@
             <a:avLst/>
           </a:prstGeom>
           <a:noFill/>
-          <a:ln cap="flat" cmpd="sng" w="9525">
+          <a:ln w="9525" cap="flat" cmpd="sng">
             <a:solidFill>
               <a:schemeClr val="dk2"/>
             </a:solidFill>
             <a:prstDash val="solid"/>
             <a:round/>
-            <a:headEnd len="med" w="med" type="triangle"/>
-            <a:tailEnd len="med" w="med" type="triangle"/>
+            <a:headEnd type="triangle" w="med" len="med"/>
+            <a:tailEnd type="triangle" w="med" len="med"/>
           </a:ln>
         </p:spPr>
       </p:cxnSp>
@@ -7285,7 +7431,7 @@
           <p:nvPr/>
         </p:nvCxnSpPr>
         <p:spPr>
-          <a:xfrm flipH="1" rot="10800000">
+          <a:xfrm rot="10800000" flipH="1">
             <a:off x="5101388" y="2428463"/>
             <a:ext cx="895500" cy="812700"/>
           </a:xfrm>
@@ -7293,14 +7439,14 @@
             <a:avLst/>
           </a:prstGeom>
           <a:noFill/>
-          <a:ln cap="flat" cmpd="sng" w="9525">
+          <a:ln w="9525" cap="flat" cmpd="sng">
             <a:solidFill>
               <a:schemeClr val="dk2"/>
             </a:solidFill>
             <a:prstDash val="solid"/>
             <a:round/>
-            <a:headEnd len="med" w="med" type="none"/>
-            <a:tailEnd len="med" w="med" type="triangle"/>
+            <a:headEnd type="none" w="med" len="med"/>
+            <a:tailEnd type="triangle" w="med" len="med"/>
           </a:ln>
         </p:spPr>
       </p:cxnSp>
@@ -7322,14 +7468,14 @@
             <a:avLst/>
           </a:prstGeom>
           <a:noFill/>
-          <a:ln cap="flat" cmpd="sng" w="9525">
+          <a:ln w="9525" cap="flat" cmpd="sng">
             <a:solidFill>
               <a:schemeClr val="dk2"/>
             </a:solidFill>
             <a:prstDash val="solid"/>
             <a:round/>
-            <a:headEnd len="med" w="med" type="none"/>
-            <a:tailEnd len="med" w="med" type="triangle"/>
+            <a:headEnd type="none" w="med" len="med"/>
+            <a:tailEnd type="triangle" w="med" len="med"/>
           </a:ln>
         </p:spPr>
       </p:cxnSp>
@@ -7351,14 +7497,14 @@
             <a:avLst/>
           </a:prstGeom>
           <a:noFill/>
-          <a:ln cap="flat" cmpd="sng" w="9525">
+          <a:ln w="9525" cap="flat" cmpd="sng">
             <a:solidFill>
               <a:schemeClr val="dk2"/>
             </a:solidFill>
             <a:prstDash val="solid"/>
             <a:round/>
-            <a:headEnd len="med" w="med" type="none"/>
-            <a:tailEnd len="med" w="med" type="triangle"/>
+            <a:headEnd type="none" w="med" len="med"/>
+            <a:tailEnd type="triangle" w="med" len="med"/>
           </a:ln>
         </p:spPr>
       </p:cxnSp>
@@ -7371,11 +7517,11 @@
 </file>
 
 <file path=ppt/slides/slide4.xml><?xml version="1.0" encoding="utf-8"?>
-<p:sld xmlns:a="http://schemas.openxmlformats.org/drawingml/2006/main" xmlns:r="http://schemas.openxmlformats.org/officeDocument/2006/relationships" xmlns:mc="http://schemas.openxmlformats.org/markup-compatibility/2006" xmlns:mv="urn:schemas-microsoft-com:mac:vml" xmlns:p="http://schemas.openxmlformats.org/presentationml/2006/main" xmlns:c="http://schemas.openxmlformats.org/drawingml/2006/chart" xmlns:dgm="http://schemas.openxmlformats.org/drawingml/2006/diagram" xmlns:o="urn:schemas-microsoft-com:office:office" xmlns:v="urn:schemas-microsoft-com:vml" xmlns:pvml="urn:schemas-microsoft-com:office:powerpoint" xmlns:com="http://schemas.openxmlformats.org/drawingml/2006/compatibility" xmlns:p14="http://schemas.microsoft.com/office/powerpoint/2010/main" xmlns:p15="http://schemas.microsoft.com/office/powerpoint/2012/main">
+<p:sld xmlns:a="http://schemas.openxmlformats.org/drawingml/2006/main" xmlns:r="http://schemas.openxmlformats.org/officeDocument/2006/relationships" xmlns:p="http://schemas.openxmlformats.org/presentationml/2006/main">
   <p:cSld>
     <p:spTree>
       <p:nvGrpSpPr>
-        <p:cNvPr id="97" name="Shape 97"/>
+        <p:cNvPr id="1" name="Shape 97"/>
         <p:cNvGrpSpPr/>
         <p:nvPr/>
       </p:nvGrpSpPr>
@@ -7390,7 +7536,9 @@
       <p:sp>
         <p:nvSpPr>
           <p:cNvPr id="98" name="Google Shape;98;p16"/>
-          <p:cNvSpPr txBox="1"/>
+          <p:cNvSpPr txBox="1">
+            <a:spLocks noGrp="1"/>
+          </p:cNvSpPr>
           <p:nvPr>
             <p:ph type="title"/>
           </p:nvPr>
@@ -7405,12 +7553,12 @@
           </a:prstGeom>
         </p:spPr>
         <p:txBody>
-          <a:bodyPr anchorCtr="0" anchor="t" bIns="91425" lIns="91425" spcFirstLastPara="1" rIns="91425" wrap="square" tIns="91425">
+          <a:bodyPr spcFirstLastPara="1" wrap="square" lIns="91425" tIns="91425" rIns="91425" bIns="91425" anchor="t" anchorCtr="0">
             <a:noAutofit/>
           </a:bodyPr>
           <a:lstStyle/>
           <a:p>
-            <a:pPr indent="0" lvl="0" marL="0" rtl="0" algn="l">
+            <a:pPr marL="0" lvl="0" indent="0" algn="l" rtl="0">
               <a:spcBef>
                 <a:spcPts val="0"/>
               </a:spcBef>
@@ -7444,23 +7592,23 @@
           <a:solidFill>
             <a:schemeClr val="lt2"/>
           </a:solidFill>
-          <a:ln cap="flat" cmpd="sng" w="9525">
+          <a:ln w="9525" cap="flat" cmpd="sng">
             <a:solidFill>
               <a:schemeClr val="dk2"/>
             </a:solidFill>
             <a:prstDash val="solid"/>
             <a:round/>
-            <a:headEnd len="sm" w="sm" type="none"/>
-            <a:tailEnd len="sm" w="sm" type="none"/>
+            <a:headEnd type="none" w="sm" len="sm"/>
+            <a:tailEnd type="none" w="sm" len="sm"/>
           </a:ln>
         </p:spPr>
         <p:txBody>
-          <a:bodyPr anchorCtr="0" anchor="ctr" bIns="91425" lIns="91425" spcFirstLastPara="1" rIns="91425" wrap="square" tIns="91425">
+          <a:bodyPr spcFirstLastPara="1" wrap="square" lIns="91425" tIns="91425" rIns="91425" bIns="91425" anchor="ctr" anchorCtr="0">
             <a:noAutofit/>
           </a:bodyPr>
           <a:lstStyle/>
           <a:p>
-            <a:pPr indent="0" lvl="0" marL="0" rtl="0" algn="l">
+            <a:pPr marL="0" lvl="0" indent="0" algn="l" rtl="0">
               <a:spcBef>
                 <a:spcPts val="0"/>
               </a:spcBef>
@@ -7469,9 +7617,6 @@
               </a:spcAft>
               <a:buNone/>
             </a:pPr>
-            <a:r>
-              <a:t/>
-            </a:r>
             <a:endParaRPr/>
           </a:p>
         </p:txBody>
@@ -7499,14 +7644,14 @@
             <a:avLst/>
           </a:prstGeom>
           <a:noFill/>
-          <a:ln cap="flat" cmpd="sng" w="9525">
+          <a:ln w="9525" cap="flat" cmpd="sng">
             <a:solidFill>
               <a:srgbClr val="000000"/>
             </a:solidFill>
             <a:prstDash val="solid"/>
             <a:round/>
-            <a:headEnd len="sm" w="sm" type="none"/>
-            <a:tailEnd len="sm" w="sm" type="none"/>
+            <a:headEnd type="none" w="sm" len="sm"/>
+            <a:tailEnd type="none" w="sm" len="sm"/>
           </a:ln>
         </p:spPr>
       </p:pic>
@@ -7533,14 +7678,14 @@
             <a:avLst/>
           </a:prstGeom>
           <a:noFill/>
-          <a:ln cap="flat" cmpd="sng" w="9525">
+          <a:ln w="9525" cap="flat" cmpd="sng">
             <a:solidFill>
               <a:srgbClr val="000000"/>
             </a:solidFill>
             <a:prstDash val="solid"/>
             <a:round/>
-            <a:headEnd len="sm" w="sm" type="none"/>
-            <a:tailEnd len="sm" w="sm" type="none"/>
+            <a:headEnd type="none" w="sm" len="sm"/>
+            <a:tailEnd type="none" w="sm" len="sm"/>
           </a:ln>
         </p:spPr>
       </p:pic>
@@ -7567,14 +7712,14 @@
             <a:avLst/>
           </a:prstGeom>
           <a:noFill/>
-          <a:ln cap="flat" cmpd="sng" w="9525">
+          <a:ln w="9525" cap="flat" cmpd="sng">
             <a:solidFill>
               <a:srgbClr val="000000"/>
             </a:solidFill>
             <a:prstDash val="solid"/>
             <a:round/>
-            <a:headEnd len="sm" w="sm" type="none"/>
-            <a:tailEnd len="sm" w="sm" type="none"/>
+            <a:headEnd type="none" w="sm" len="sm"/>
+            <a:tailEnd type="none" w="sm" len="sm"/>
           </a:ln>
         </p:spPr>
       </p:pic>
@@ -7595,23 +7740,23 @@
           <a:solidFill>
             <a:srgbClr val="D9EAD3"/>
           </a:solidFill>
-          <a:ln cap="flat" cmpd="sng" w="9525">
+          <a:ln w="9525" cap="flat" cmpd="sng">
             <a:solidFill>
               <a:srgbClr val="000000"/>
             </a:solidFill>
             <a:prstDash val="solid"/>
             <a:round/>
-            <a:headEnd len="sm" w="sm" type="none"/>
-            <a:tailEnd len="sm" w="sm" type="none"/>
+            <a:headEnd type="none" w="sm" len="sm"/>
+            <a:tailEnd type="none" w="sm" len="sm"/>
           </a:ln>
         </p:spPr>
         <p:txBody>
-          <a:bodyPr anchorCtr="0" anchor="ctr" bIns="91425" lIns="91425" spcFirstLastPara="1" rIns="91425" wrap="square" tIns="91425">
+          <a:bodyPr spcFirstLastPara="1" wrap="square" lIns="91425" tIns="91425" rIns="91425" bIns="91425" anchor="ctr" anchorCtr="0">
             <a:noAutofit/>
           </a:bodyPr>
           <a:lstStyle/>
           <a:p>
-            <a:pPr indent="0" lvl="0" marL="0" rtl="0" algn="ctr">
+            <a:pPr marL="0" lvl="0" indent="0" algn="ctr" rtl="0">
               <a:spcBef>
                 <a:spcPts val="0"/>
               </a:spcBef>
@@ -7646,14 +7791,14 @@
             <a:avLst/>
           </a:prstGeom>
           <a:noFill/>
-          <a:ln cap="flat" cmpd="sng" w="9525">
+          <a:ln w="9525" cap="flat" cmpd="sng">
             <a:solidFill>
               <a:schemeClr val="dk2"/>
             </a:solidFill>
             <a:prstDash val="solid"/>
             <a:round/>
-            <a:headEnd len="med" w="med" type="none"/>
-            <a:tailEnd len="med" w="med" type="triangle"/>
+            <a:headEnd type="none" w="med" len="med"/>
+            <a:tailEnd type="triangle" w="med" len="med"/>
           </a:ln>
         </p:spPr>
       </p:cxnSp>
@@ -7674,23 +7819,23 @@
           <a:solidFill>
             <a:srgbClr val="9FC5E8"/>
           </a:solidFill>
-          <a:ln cap="flat" cmpd="sng" w="9525">
+          <a:ln w="9525" cap="flat" cmpd="sng">
             <a:solidFill>
               <a:schemeClr val="dk2"/>
             </a:solidFill>
             <a:prstDash val="solid"/>
             <a:round/>
-            <a:headEnd len="sm" w="sm" type="none"/>
-            <a:tailEnd len="sm" w="sm" type="none"/>
+            <a:headEnd type="none" w="sm" len="sm"/>
+            <a:tailEnd type="none" w="sm" len="sm"/>
           </a:ln>
         </p:spPr>
         <p:txBody>
-          <a:bodyPr anchorCtr="0" anchor="ctr" bIns="91425" lIns="91425" spcFirstLastPara="1" rIns="91425" wrap="square" tIns="91425">
+          <a:bodyPr spcFirstLastPara="1" wrap="square" lIns="91425" tIns="91425" rIns="91425" bIns="91425" anchor="ctr" anchorCtr="0">
             <a:noAutofit/>
           </a:bodyPr>
           <a:lstStyle/>
           <a:p>
-            <a:pPr indent="0" lvl="0" marL="0" rtl="0" algn="l">
+            <a:pPr marL="0" lvl="0" indent="0" algn="l" rtl="0">
               <a:spcBef>
                 <a:spcPts val="0"/>
               </a:spcBef>
@@ -7706,7 +7851,7 @@
             <a:endParaRPr/>
           </a:p>
           <a:p>
-            <a:pPr indent="0" lvl="0" marL="0" rtl="0" algn="l">
+            <a:pPr marL="0" lvl="0" indent="0" algn="l" rtl="0">
               <a:spcBef>
                 <a:spcPts val="0"/>
               </a:spcBef>
@@ -7722,7 +7867,7 @@
             <a:endParaRPr/>
           </a:p>
           <a:p>
-            <a:pPr indent="0" lvl="0" marL="0" rtl="0" algn="l">
+            <a:pPr marL="0" lvl="0" indent="0" algn="l" rtl="0">
               <a:spcBef>
                 <a:spcPts val="0"/>
               </a:spcBef>
@@ -7738,7 +7883,7 @@
             <a:endParaRPr/>
           </a:p>
           <a:p>
-            <a:pPr indent="0" lvl="0" marL="0" rtl="0" algn="l">
+            <a:pPr marL="0" lvl="0" indent="0" algn="l" rtl="0">
               <a:spcBef>
                 <a:spcPts val="0"/>
               </a:spcBef>
@@ -7754,7 +7899,7 @@
             <a:endParaRPr/>
           </a:p>
           <a:p>
-            <a:pPr indent="0" lvl="0" marL="0" rtl="0" algn="l">
+            <a:pPr marL="0" lvl="0" indent="0" algn="l" rtl="0">
               <a:spcBef>
                 <a:spcPts val="0"/>
               </a:spcBef>
@@ -7789,14 +7934,14 @@
             <a:avLst/>
           </a:prstGeom>
           <a:noFill/>
-          <a:ln cap="flat" cmpd="sng" w="9525">
+          <a:ln w="9525" cap="flat" cmpd="sng">
             <a:solidFill>
               <a:schemeClr val="dk2"/>
             </a:solidFill>
             <a:prstDash val="solid"/>
             <a:round/>
-            <a:headEnd len="med" w="med" type="none"/>
-            <a:tailEnd len="med" w="med" type="triangle"/>
+            <a:headEnd type="none" w="med" len="med"/>
+            <a:tailEnd type="triangle" w="med" len="med"/>
           </a:ln>
         </p:spPr>
       </p:cxnSp>
@@ -7817,23 +7962,23 @@
           <a:solidFill>
             <a:schemeClr val="lt2"/>
           </a:solidFill>
-          <a:ln cap="flat" cmpd="sng" w="9525">
+          <a:ln w="9525" cap="flat" cmpd="sng">
             <a:solidFill>
               <a:schemeClr val="dk2"/>
             </a:solidFill>
             <a:prstDash val="solid"/>
             <a:round/>
-            <a:headEnd len="sm" w="sm" type="none"/>
-            <a:tailEnd len="sm" w="sm" type="none"/>
+            <a:headEnd type="none" w="sm" len="sm"/>
+            <a:tailEnd type="none" w="sm" len="sm"/>
           </a:ln>
         </p:spPr>
         <p:txBody>
-          <a:bodyPr anchorCtr="0" anchor="ctr" bIns="91425" lIns="91425" spcFirstLastPara="1" rIns="91425" wrap="square" tIns="91425">
+          <a:bodyPr spcFirstLastPara="1" wrap="square" lIns="91425" tIns="91425" rIns="91425" bIns="91425" anchor="ctr" anchorCtr="0">
             <a:noAutofit/>
           </a:bodyPr>
           <a:lstStyle/>
           <a:p>
-            <a:pPr indent="0" lvl="0" marL="0" rtl="0" algn="l">
+            <a:pPr marL="0" lvl="0" indent="0" algn="l" rtl="0">
               <a:spcBef>
                 <a:spcPts val="0"/>
               </a:spcBef>
@@ -7842,9 +7987,6 @@
               </a:spcAft>
               <a:buNone/>
             </a:pPr>
-            <a:r>
-              <a:t/>
-            </a:r>
             <a:endParaRPr/>
           </a:p>
         </p:txBody>
@@ -7894,23 +8036,23 @@
           <a:solidFill>
             <a:srgbClr val="D9EAD3"/>
           </a:solidFill>
-          <a:ln cap="flat" cmpd="sng" w="9525">
+          <a:ln w="9525" cap="flat" cmpd="sng">
             <a:solidFill>
               <a:srgbClr val="000000"/>
             </a:solidFill>
             <a:prstDash val="solid"/>
             <a:round/>
-            <a:headEnd len="sm" w="sm" type="none"/>
-            <a:tailEnd len="sm" w="sm" type="none"/>
+            <a:headEnd type="none" w="sm" len="sm"/>
+            <a:tailEnd type="none" w="sm" len="sm"/>
           </a:ln>
         </p:spPr>
         <p:txBody>
-          <a:bodyPr anchorCtr="0" anchor="ctr" bIns="91425" lIns="91425" spcFirstLastPara="1" rIns="91425" wrap="square" tIns="91425">
+          <a:bodyPr spcFirstLastPara="1" wrap="square" lIns="91425" tIns="91425" rIns="91425" bIns="91425" anchor="ctr" anchorCtr="0">
             <a:noAutofit/>
           </a:bodyPr>
           <a:lstStyle/>
           <a:p>
-            <a:pPr indent="0" lvl="0" marL="0" rtl="0" algn="ctr">
+            <a:pPr marL="0" lvl="0" indent="0" algn="ctr" rtl="0">
               <a:spcBef>
                 <a:spcPts val="0"/>
               </a:spcBef>
@@ -7947,12 +8089,12 @@
           </a:ln>
         </p:spPr>
         <p:txBody>
-          <a:bodyPr anchorCtr="0" anchor="t" bIns="91425" lIns="91425" spcFirstLastPara="1" rIns="91425" wrap="square" tIns="91425">
+          <a:bodyPr spcFirstLastPara="1" wrap="square" lIns="91425" tIns="91425" rIns="91425" bIns="91425" anchor="t" anchorCtr="0">
             <a:noAutofit/>
           </a:bodyPr>
           <a:lstStyle/>
           <a:p>
-            <a:pPr indent="0" lvl="0" marL="0" rtl="0" algn="l">
+            <a:pPr marL="0" lvl="0" indent="0" algn="l" rtl="0">
               <a:spcBef>
                 <a:spcPts val="0"/>
               </a:spcBef>
@@ -7989,12 +8131,12 @@
           </a:ln>
         </p:spPr>
         <p:txBody>
-          <a:bodyPr anchorCtr="0" anchor="t" bIns="91425" lIns="91425" spcFirstLastPara="1" rIns="91425" wrap="square" tIns="91425">
+          <a:bodyPr spcFirstLastPara="1" wrap="square" lIns="91425" tIns="91425" rIns="91425" bIns="91425" anchor="t" anchorCtr="0">
             <a:noAutofit/>
           </a:bodyPr>
           <a:lstStyle/>
           <a:p>
-            <a:pPr indent="0" lvl="0" marL="0" rtl="0" algn="ctr">
+            <a:pPr marL="0" lvl="0" indent="0" algn="ctr" rtl="0">
               <a:spcBef>
                 <a:spcPts val="0"/>
               </a:spcBef>
@@ -8031,12 +8173,12 @@
           </a:ln>
         </p:spPr>
         <p:txBody>
-          <a:bodyPr anchorCtr="0" anchor="t" bIns="91425" lIns="91425" spcFirstLastPara="1" rIns="91425" wrap="square" tIns="91425">
+          <a:bodyPr spcFirstLastPara="1" wrap="square" lIns="91425" tIns="91425" rIns="91425" bIns="91425" anchor="t" anchorCtr="0">
             <a:noAutofit/>
           </a:bodyPr>
           <a:lstStyle/>
           <a:p>
-            <a:pPr indent="0" lvl="0" marL="0" rtl="0" algn="l">
+            <a:pPr marL="0" lvl="0" indent="0" algn="l" rtl="0">
               <a:spcBef>
                 <a:spcPts val="0"/>
               </a:spcBef>
@@ -8076,14 +8218,14 @@
             <a:avLst/>
           </a:prstGeom>
           <a:noFill/>
-          <a:ln cap="flat" cmpd="sng" w="9525">
+          <a:ln w="9525" cap="flat" cmpd="sng">
             <a:solidFill>
               <a:srgbClr val="000000"/>
             </a:solidFill>
             <a:prstDash val="solid"/>
             <a:round/>
-            <a:headEnd len="sm" w="sm" type="none"/>
-            <a:tailEnd len="sm" w="sm" type="none"/>
+            <a:headEnd type="none" w="sm" len="sm"/>
+            <a:tailEnd type="none" w="sm" len="sm"/>
           </a:ln>
         </p:spPr>
       </p:pic>
@@ -8105,14 +8247,14 @@
             <a:avLst/>
           </a:prstGeom>
           <a:noFill/>
-          <a:ln cap="flat" cmpd="sng" w="9525">
+          <a:ln w="9525" cap="flat" cmpd="sng">
             <a:solidFill>
               <a:schemeClr val="dk2"/>
             </a:solidFill>
             <a:prstDash val="solid"/>
             <a:round/>
-            <a:headEnd len="med" w="med" type="none"/>
-            <a:tailEnd len="med" w="med" type="triangle"/>
+            <a:headEnd type="none" w="med" len="med"/>
+            <a:tailEnd type="triangle" w="med" len="med"/>
           </a:ln>
         </p:spPr>
       </p:cxnSp>
@@ -8136,12 +8278,12 @@
           </a:ln>
         </p:spPr>
         <p:txBody>
-          <a:bodyPr anchorCtr="0" anchor="t" bIns="91425" lIns="91425" spcFirstLastPara="1" rIns="91425" wrap="square" tIns="91425">
+          <a:bodyPr spcFirstLastPara="1" wrap="square" lIns="91425" tIns="91425" rIns="91425" bIns="91425" anchor="t" anchorCtr="0">
             <a:noAutofit/>
           </a:bodyPr>
           <a:lstStyle/>
           <a:p>
-            <a:pPr indent="0" lvl="0" marL="0" rtl="0" algn="ctr">
+            <a:pPr marL="0" lvl="0" indent="0" algn="ctr" rtl="0">
               <a:spcBef>
                 <a:spcPts val="0"/>
               </a:spcBef>
@@ -8175,14 +8317,14 @@
             <a:avLst/>
           </a:prstGeom>
           <a:noFill/>
-          <a:ln cap="flat" cmpd="sng" w="9525">
+          <a:ln w="9525" cap="flat" cmpd="sng">
             <a:solidFill>
               <a:schemeClr val="dk2"/>
             </a:solidFill>
             <a:prstDash val="solid"/>
             <a:round/>
-            <a:headEnd len="med" w="med" type="none"/>
-            <a:tailEnd len="med" w="med" type="triangle"/>
+            <a:headEnd type="none" w="med" len="med"/>
+            <a:tailEnd type="triangle" w="med" len="med"/>
           </a:ln>
         </p:spPr>
       </p:cxnSp>
@@ -8203,14 +8345,14 @@
             <a:avLst/>
           </a:prstGeom>
           <a:noFill/>
-          <a:ln cap="flat" cmpd="sng" w="9525">
+          <a:ln w="9525" cap="flat" cmpd="sng">
             <a:solidFill>
               <a:schemeClr val="dk2"/>
             </a:solidFill>
             <a:prstDash val="solid"/>
             <a:round/>
-            <a:headEnd len="med" w="med" type="none"/>
-            <a:tailEnd len="med" w="med" type="triangle"/>
+            <a:headEnd type="none" w="med" len="med"/>
+            <a:tailEnd type="triangle" w="med" len="med"/>
           </a:ln>
         </p:spPr>
       </p:cxnSp>
@@ -8229,23 +8371,23 @@
             <a:avLst/>
           </a:prstGeom>
           <a:noFill/>
-          <a:ln cap="flat" cmpd="sng" w="9525">
+          <a:ln w="9525" cap="flat" cmpd="sng">
             <a:solidFill>
               <a:srgbClr val="000000"/>
             </a:solidFill>
             <a:prstDash val="solid"/>
             <a:round/>
-            <a:headEnd len="sm" w="sm" type="none"/>
-            <a:tailEnd len="sm" w="sm" type="none"/>
+            <a:headEnd type="none" w="sm" len="sm"/>
+            <a:tailEnd type="none" w="sm" len="sm"/>
           </a:ln>
         </p:spPr>
         <p:txBody>
-          <a:bodyPr anchorCtr="0" anchor="t" bIns="91425" lIns="91425" spcFirstLastPara="1" rIns="91425" wrap="square" tIns="91425">
+          <a:bodyPr spcFirstLastPara="1" wrap="square" lIns="91425" tIns="91425" rIns="91425" bIns="91425" anchor="t" anchorCtr="0">
             <a:noAutofit/>
           </a:bodyPr>
           <a:lstStyle/>
           <a:p>
-            <a:pPr indent="-304800" lvl="0" marL="457200" rtl="0" algn="just">
+            <a:pPr marL="457200" lvl="0" indent="-304800" algn="just" rtl="0">
               <a:spcBef>
                 <a:spcPts val="0"/>
               </a:spcBef>
@@ -8256,17 +8398,13 @@
               <a:buAutoNum type="arabicPeriod"/>
             </a:pPr>
             <a:r>
-              <a:rPr b="1" lang="en" sz="1200"/>
-              <a:t>Provide </a:t>
+              <a:rPr lang="en" sz="1200" b="1"/>
+              <a:t>Provide 3 strategies of vectorization:</a:t>
             </a:r>
-            <a:r>
-              <a:rPr b="1" lang="en" sz="1200"/>
-              <a:t>3 strategies of vectorization:</a:t>
-            </a:r>
-            <a:endParaRPr b="1" sz="1200"/>
-          </a:p>
-          <a:p>
-            <a:pPr indent="-304800" lvl="0" marL="457200" rtl="0" algn="just">
+            <a:endParaRPr sz="1200" b="1"/>
+          </a:p>
+          <a:p>
+            <a:pPr marL="457200" lvl="0" indent="-304800" algn="just" rtl="0">
               <a:spcBef>
                 <a:spcPts val="0"/>
               </a:spcBef>
@@ -8281,7 +8419,7 @@
               <a:t>Original in </a:t>
             </a:r>
             <a:r>
-              <a:rPr b="1" lang="en" sz="1200"/>
+              <a:rPr lang="en" sz="1200" b="1"/>
               <a:t>NLP</a:t>
             </a:r>
             <a:r>
@@ -8289,7 +8427,7 @@
               <a:t>: </a:t>
             </a:r>
             <a:r>
-              <a:rPr b="1" lang="en" sz="1200"/>
+              <a:rPr lang="en" sz="1200" b="1"/>
               <a:t>TF-IDF</a:t>
             </a:r>
             <a:r>
@@ -8299,7 +8437,7 @@
             <a:endParaRPr sz="1200"/>
           </a:p>
           <a:p>
-            <a:pPr indent="-304800" lvl="0" marL="457200" rtl="0" algn="just">
+            <a:pPr marL="457200" lvl="0" indent="-304800" algn="just" rtl="0">
               <a:spcBef>
                 <a:spcPts val="0"/>
               </a:spcBef>
@@ -8316,7 +8454,7 @@
             <a:endParaRPr sz="1200"/>
           </a:p>
           <a:p>
-            <a:pPr indent="-304800" lvl="0" marL="457200" rtl="0" algn="just">
+            <a:pPr marL="457200" lvl="0" indent="-304800" algn="just" rtl="0">
               <a:spcBef>
                 <a:spcPts val="0"/>
               </a:spcBef>
@@ -8333,7 +8471,7 @@
             <a:endParaRPr sz="1200"/>
           </a:p>
           <a:p>
-            <a:pPr indent="0" lvl="0" marL="914400" rtl="0" algn="just">
+            <a:pPr marL="914400" lvl="0" indent="0" algn="just" rtl="0">
               <a:spcBef>
                 <a:spcPts val="0"/>
               </a:spcBef>
@@ -8342,13 +8480,10 @@
               </a:spcAft>
               <a:buNone/>
             </a:pPr>
-            <a:r>
-              <a:t/>
-            </a:r>
             <a:endParaRPr sz="1200"/>
           </a:p>
           <a:p>
-            <a:pPr indent="-304800" lvl="0" marL="457200" rtl="0" algn="just">
+            <a:pPr marL="457200" lvl="0" indent="-304800" algn="just" rtl="0">
               <a:spcBef>
                 <a:spcPts val="0"/>
               </a:spcBef>
@@ -8359,10 +8494,10 @@
               <a:buAutoNum type="arabicPeriod"/>
             </a:pPr>
             <a:r>
-              <a:rPr b="1" lang="en" sz="1200"/>
+              <a:rPr lang="en" sz="1200" b="1"/>
               <a:t>Use 10 popular Machine Learning approaches.</a:t>
             </a:r>
-            <a:endParaRPr b="1" sz="1200"/>
+            <a:endParaRPr sz="1200" b="1"/>
           </a:p>
         </p:txBody>
       </p:sp>
@@ -8381,23 +8516,23 @@
             <a:avLst/>
           </a:prstGeom>
           <a:noFill/>
-          <a:ln cap="flat" cmpd="sng" w="9525">
+          <a:ln w="9525" cap="flat" cmpd="sng">
             <a:solidFill>
               <a:srgbClr val="000000"/>
             </a:solidFill>
             <a:prstDash val="solid"/>
             <a:round/>
-            <a:headEnd len="sm" w="sm" type="none"/>
-            <a:tailEnd len="sm" w="sm" type="none"/>
+            <a:headEnd type="none" w="sm" len="sm"/>
+            <a:tailEnd type="none" w="sm" len="sm"/>
           </a:ln>
         </p:spPr>
         <p:txBody>
-          <a:bodyPr anchorCtr="0" anchor="t" bIns="91425" lIns="91425" spcFirstLastPara="1" rIns="91425" wrap="square" tIns="91425">
+          <a:bodyPr spcFirstLastPara="1" wrap="square" lIns="91425" tIns="91425" rIns="91425" bIns="91425" anchor="t" anchorCtr="0">
             <a:noAutofit/>
           </a:bodyPr>
           <a:lstStyle/>
           <a:p>
-            <a:pPr indent="-279400" lvl="0" marL="342900" rtl="0" algn="l">
+            <a:pPr marL="342900" lvl="0" indent="-279400" algn="l" rtl="0">
               <a:lnSpc>
                 <a:spcPct val="115000"/>
               </a:lnSpc>
@@ -8415,7 +8550,7 @@
               <a:buAutoNum type="arabicPeriod"/>
             </a:pPr>
             <a:r>
-              <a:rPr b="1" lang="en" sz="800">
+              <a:rPr lang="en" sz="800" b="1">
                 <a:solidFill>
                   <a:schemeClr val="dk1"/>
                 </a:solidFill>
@@ -8429,7 +8564,7 @@
               </a:rPr>
               <a:t>GaussianNB</a:t>
             </a:r>
-            <a:endParaRPr b="1" sz="800">
+            <a:endParaRPr sz="800" b="1">
               <a:solidFill>
                 <a:schemeClr val="dk1"/>
               </a:solidFill>
@@ -8443,7 +8578,7 @@
             </a:endParaRPr>
           </a:p>
           <a:p>
-            <a:pPr indent="-279400" lvl="0" marL="342900" rtl="0" algn="l">
+            <a:pPr marL="342900" lvl="0" indent="-279400" algn="l" rtl="0">
               <a:lnSpc>
                 <a:spcPct val="115000"/>
               </a:lnSpc>
@@ -8461,7 +8596,7 @@
               <a:buAutoNum type="arabicPeriod"/>
             </a:pPr>
             <a:r>
-              <a:rPr b="1" lang="en" sz="800">
+              <a:rPr lang="en" sz="800" b="1">
                 <a:solidFill>
                   <a:schemeClr val="dk1"/>
                 </a:solidFill>
@@ -8475,7 +8610,7 @@
               </a:rPr>
               <a:t>LogisticRegression</a:t>
             </a:r>
-            <a:endParaRPr b="1" sz="800">
+            <a:endParaRPr sz="800" b="1">
               <a:solidFill>
                 <a:schemeClr val="dk1"/>
               </a:solidFill>
@@ -8489,7 +8624,7 @@
             </a:endParaRPr>
           </a:p>
           <a:p>
-            <a:pPr indent="-279400" lvl="0" marL="342900" rtl="0" algn="l">
+            <a:pPr marL="342900" lvl="0" indent="-279400" algn="l" rtl="0">
               <a:lnSpc>
                 <a:spcPct val="115000"/>
               </a:lnSpc>
@@ -8507,7 +8642,7 @@
               <a:buAutoNum type="arabicPeriod"/>
             </a:pPr>
             <a:r>
-              <a:rPr b="1" lang="en" sz="800">
+              <a:rPr lang="en" sz="800" b="1">
                 <a:solidFill>
                   <a:schemeClr val="dk1"/>
                 </a:solidFill>
@@ -8521,7 +8656,7 @@
               </a:rPr>
               <a:t>DecisionTreeClassifier</a:t>
             </a:r>
-            <a:endParaRPr b="1" sz="800">
+            <a:endParaRPr sz="800" b="1">
               <a:solidFill>
                 <a:schemeClr val="dk1"/>
               </a:solidFill>
@@ -8535,7 +8670,7 @@
             </a:endParaRPr>
           </a:p>
           <a:p>
-            <a:pPr indent="-279400" lvl="0" marL="342900" rtl="0" algn="l">
+            <a:pPr marL="342900" lvl="0" indent="-279400" algn="l" rtl="0">
               <a:lnSpc>
                 <a:spcPct val="115000"/>
               </a:lnSpc>
@@ -8553,7 +8688,7 @@
               <a:buAutoNum type="arabicPeriod"/>
             </a:pPr>
             <a:r>
-              <a:rPr b="1" lang="en" sz="800">
+              <a:rPr lang="en" sz="800" b="1">
                 <a:solidFill>
                   <a:schemeClr val="dk1"/>
                 </a:solidFill>
@@ -8567,7 +8702,7 @@
               </a:rPr>
               <a:t>RandomForestClassifier</a:t>
             </a:r>
-            <a:endParaRPr b="1" sz="800">
+            <a:endParaRPr sz="800" b="1">
               <a:solidFill>
                 <a:schemeClr val="dk1"/>
               </a:solidFill>
@@ -8581,7 +8716,7 @@
             </a:endParaRPr>
           </a:p>
           <a:p>
-            <a:pPr indent="-279400" lvl="0" marL="342900" rtl="0" algn="l">
+            <a:pPr marL="342900" lvl="0" indent="-279400" algn="l" rtl="0">
               <a:lnSpc>
                 <a:spcPct val="115000"/>
               </a:lnSpc>
@@ -8599,7 +8734,7 @@
               <a:buAutoNum type="arabicPeriod"/>
             </a:pPr>
             <a:r>
-              <a:rPr b="1" lang="en" sz="800">
+              <a:rPr lang="en" sz="800" b="1">
                 <a:solidFill>
                   <a:schemeClr val="dk1"/>
                 </a:solidFill>
@@ -8613,7 +8748,7 @@
               </a:rPr>
               <a:t>AdaBoostClassifier</a:t>
             </a:r>
-            <a:endParaRPr b="1" sz="800">
+            <a:endParaRPr sz="800" b="1">
               <a:solidFill>
                 <a:schemeClr val="dk1"/>
               </a:solidFill>
@@ -8627,7 +8762,7 @@
             </a:endParaRPr>
           </a:p>
           <a:p>
-            <a:pPr indent="-279400" lvl="0" marL="342900" rtl="0" algn="l">
+            <a:pPr marL="342900" lvl="0" indent="-279400" algn="l" rtl="0">
               <a:lnSpc>
                 <a:spcPct val="115000"/>
               </a:lnSpc>
@@ -8645,7 +8780,7 @@
               <a:buAutoNum type="arabicPeriod"/>
             </a:pPr>
             <a:r>
-              <a:rPr b="1" lang="en" sz="800">
+              <a:rPr lang="en" sz="800" b="1">
                 <a:solidFill>
                   <a:schemeClr val="dk1"/>
                 </a:solidFill>
@@ -8659,7 +8794,7 @@
               </a:rPr>
               <a:t>LinearDiscriminantAnalysis</a:t>
             </a:r>
-            <a:endParaRPr b="1" sz="800">
+            <a:endParaRPr sz="800" b="1">
               <a:solidFill>
                 <a:schemeClr val="dk1"/>
               </a:solidFill>
@@ -8673,7 +8808,7 @@
             </a:endParaRPr>
           </a:p>
           <a:p>
-            <a:pPr indent="-279400" lvl="0" marL="342900" rtl="0" algn="l">
+            <a:pPr marL="342900" lvl="0" indent="-279400" algn="l" rtl="0">
               <a:lnSpc>
                 <a:spcPct val="115000"/>
               </a:lnSpc>
@@ -8691,7 +8826,7 @@
               <a:buAutoNum type="arabicPeriod"/>
             </a:pPr>
             <a:r>
-              <a:rPr b="1" lang="en" sz="800">
+              <a:rPr lang="en" sz="800" b="1">
                 <a:solidFill>
                   <a:schemeClr val="dk1"/>
                 </a:solidFill>
@@ -8705,7 +8840,7 @@
               </a:rPr>
               <a:t>QuadraticDiscriminantAnalysis</a:t>
             </a:r>
-            <a:endParaRPr b="1" sz="800">
+            <a:endParaRPr sz="800" b="1">
               <a:solidFill>
                 <a:schemeClr val="dk1"/>
               </a:solidFill>
@@ -8719,7 +8854,7 @@
             </a:endParaRPr>
           </a:p>
           <a:p>
-            <a:pPr indent="-279400" lvl="0" marL="342900" rtl="0" algn="l">
+            <a:pPr marL="342900" lvl="0" indent="-279400" algn="l" rtl="0">
               <a:lnSpc>
                 <a:spcPct val="115000"/>
               </a:lnSpc>
@@ -8737,7 +8872,7 @@
               <a:buAutoNum type="arabicPeriod"/>
             </a:pPr>
             <a:r>
-              <a:rPr b="1" lang="en" sz="800">
+              <a:rPr lang="en" sz="800" b="1">
                 <a:solidFill>
                   <a:schemeClr val="dk1"/>
                 </a:solidFill>
@@ -8751,7 +8886,7 @@
               </a:rPr>
               <a:t>LinearSVC</a:t>
             </a:r>
-            <a:endParaRPr b="1" sz="800">
+            <a:endParaRPr sz="800" b="1">
               <a:solidFill>
                 <a:schemeClr val="dk1"/>
               </a:solidFill>
@@ -8765,7 +8900,7 @@
             </a:endParaRPr>
           </a:p>
           <a:p>
-            <a:pPr indent="-279400" lvl="0" marL="342900" rtl="0" algn="l">
+            <a:pPr marL="342900" lvl="0" indent="-279400" algn="l" rtl="0">
               <a:lnSpc>
                 <a:spcPct val="115000"/>
               </a:lnSpc>
@@ -8783,7 +8918,7 @@
               <a:buAutoNum type="arabicPeriod"/>
             </a:pPr>
             <a:r>
-              <a:rPr b="1" lang="en" sz="800">
+              <a:rPr lang="en" sz="800" b="1">
                 <a:solidFill>
                   <a:schemeClr val="dk1"/>
                 </a:solidFill>
@@ -8797,7 +8932,7 @@
               </a:rPr>
               <a:t>MLPClassifier</a:t>
             </a:r>
-            <a:endParaRPr b="1" sz="800">
+            <a:endParaRPr sz="800" b="1">
               <a:solidFill>
                 <a:schemeClr val="dk1"/>
               </a:solidFill>
@@ -8811,7 +8946,7 @@
             </a:endParaRPr>
           </a:p>
           <a:p>
-            <a:pPr indent="-279400" lvl="0" marL="342900" rtl="0" algn="l">
+            <a:pPr marL="342900" lvl="0" indent="-279400" algn="l" rtl="0">
               <a:lnSpc>
                 <a:spcPct val="115000"/>
               </a:lnSpc>
@@ -8829,7 +8964,7 @@
               <a:buAutoNum type="arabicPeriod"/>
             </a:pPr>
             <a:r>
-              <a:rPr b="1" lang="en" sz="800">
+              <a:rPr lang="en" sz="800" b="1">
                 <a:solidFill>
                   <a:schemeClr val="dk1"/>
                 </a:solidFill>
@@ -8843,7 +8978,7 @@
               </a:rPr>
               <a:t>GradientBoostingClassifier</a:t>
             </a:r>
-            <a:endParaRPr b="1" sz="800"/>
+            <a:endParaRPr sz="800" b="1"/>
           </a:p>
         </p:txBody>
       </p:sp>
@@ -8865,14 +9000,14 @@
             <a:avLst/>
           </a:prstGeom>
           <a:noFill/>
-          <a:ln cap="flat" cmpd="sng" w="9525">
+          <a:ln w="9525" cap="flat" cmpd="sng">
             <a:solidFill>
               <a:schemeClr val="dk2"/>
             </a:solidFill>
             <a:prstDash val="solid"/>
             <a:round/>
-            <a:headEnd len="med" w="med" type="triangle"/>
-            <a:tailEnd len="med" w="med" type="triangle"/>
+            <a:headEnd type="triangle" w="med" len="med"/>
+            <a:tailEnd type="triangle" w="med" len="med"/>
           </a:ln>
         </p:spPr>
       </p:cxnSp>
@@ -8885,11 +9020,11 @@
 </file>
 
 <file path=ppt/slides/slide5.xml><?xml version="1.0" encoding="utf-8"?>
-<p:sld xmlns:a="http://schemas.openxmlformats.org/drawingml/2006/main" xmlns:r="http://schemas.openxmlformats.org/officeDocument/2006/relationships" xmlns:mc="http://schemas.openxmlformats.org/markup-compatibility/2006" xmlns:mv="urn:schemas-microsoft-com:mac:vml" xmlns:p="http://schemas.openxmlformats.org/presentationml/2006/main" xmlns:c="http://schemas.openxmlformats.org/drawingml/2006/chart" xmlns:dgm="http://schemas.openxmlformats.org/drawingml/2006/diagram" xmlns:o="urn:schemas-microsoft-com:office:office" xmlns:v="urn:schemas-microsoft-com:vml" xmlns:pvml="urn:schemas-microsoft-com:office:powerpoint" xmlns:com="http://schemas.openxmlformats.org/drawingml/2006/compatibility" xmlns:p14="http://schemas.microsoft.com/office/powerpoint/2010/main" xmlns:p15="http://schemas.microsoft.com/office/powerpoint/2012/main">
+<p:sld xmlns:a="http://schemas.openxmlformats.org/drawingml/2006/main" xmlns:r="http://schemas.openxmlformats.org/officeDocument/2006/relationships" xmlns:p="http://schemas.openxmlformats.org/presentationml/2006/main">
   <p:cSld>
     <p:spTree>
       <p:nvGrpSpPr>
-        <p:cNvPr id="124" name="Shape 124"/>
+        <p:cNvPr id="1" name="Shape 124"/>
         <p:cNvGrpSpPr/>
         <p:nvPr/>
       </p:nvGrpSpPr>
@@ -8904,7 +9039,9 @@
       <p:sp>
         <p:nvSpPr>
           <p:cNvPr id="125" name="Google Shape;125;p17"/>
-          <p:cNvSpPr txBox="1"/>
+          <p:cNvSpPr txBox="1">
+            <a:spLocks noGrp="1"/>
+          </p:cNvSpPr>
           <p:nvPr>
             <p:ph type="title"/>
           </p:nvPr>
@@ -8919,12 +9056,12 @@
           </a:prstGeom>
         </p:spPr>
         <p:txBody>
-          <a:bodyPr anchorCtr="0" anchor="t" bIns="91425" lIns="91425" spcFirstLastPara="1" rIns="91425" wrap="square" tIns="91425">
+          <a:bodyPr spcFirstLastPara="1" wrap="square" lIns="91425" tIns="91425" rIns="91425" bIns="91425" anchor="t" anchorCtr="0">
             <a:noAutofit/>
           </a:bodyPr>
           <a:lstStyle/>
           <a:p>
-            <a:pPr indent="0" lvl="0" marL="0" rtl="0" algn="l">
+            <a:pPr marL="0" lvl="0" indent="0" algn="l" rtl="0">
               <a:spcBef>
                 <a:spcPts val="0"/>
               </a:spcBef>
@@ -8958,23 +9095,23 @@
           <a:solidFill>
             <a:schemeClr val="lt2"/>
           </a:solidFill>
-          <a:ln cap="flat" cmpd="sng" w="9525">
+          <a:ln w="9525" cap="flat" cmpd="sng">
             <a:solidFill>
               <a:schemeClr val="dk2"/>
             </a:solidFill>
             <a:prstDash val="solid"/>
             <a:round/>
-            <a:headEnd len="sm" w="sm" type="none"/>
-            <a:tailEnd len="sm" w="sm" type="none"/>
+            <a:headEnd type="none" w="sm" len="sm"/>
+            <a:tailEnd type="none" w="sm" len="sm"/>
           </a:ln>
         </p:spPr>
         <p:txBody>
-          <a:bodyPr anchorCtr="0" anchor="ctr" bIns="91425" lIns="91425" spcFirstLastPara="1" rIns="91425" wrap="square" tIns="91425">
+          <a:bodyPr spcFirstLastPara="1" wrap="square" lIns="91425" tIns="91425" rIns="91425" bIns="91425" anchor="ctr" anchorCtr="0">
             <a:noAutofit/>
           </a:bodyPr>
           <a:lstStyle/>
           <a:p>
-            <a:pPr indent="0" lvl="0" marL="0" rtl="0" algn="l">
+            <a:pPr marL="0" lvl="0" indent="0" algn="l" rtl="0">
               <a:spcBef>
                 <a:spcPts val="0"/>
               </a:spcBef>
@@ -8983,9 +9120,6 @@
               </a:spcAft>
               <a:buNone/>
             </a:pPr>
-            <a:r>
-              <a:t/>
-            </a:r>
             <a:endParaRPr/>
           </a:p>
         </p:txBody>
@@ -9013,14 +9147,14 @@
             <a:avLst/>
           </a:prstGeom>
           <a:noFill/>
-          <a:ln cap="flat" cmpd="sng" w="9525">
+          <a:ln w="9525" cap="flat" cmpd="sng">
             <a:solidFill>
               <a:srgbClr val="000000"/>
             </a:solidFill>
             <a:prstDash val="solid"/>
             <a:round/>
-            <a:headEnd len="sm" w="sm" type="none"/>
-            <a:tailEnd len="sm" w="sm" type="none"/>
+            <a:headEnd type="none" w="sm" len="sm"/>
+            <a:tailEnd type="none" w="sm" len="sm"/>
           </a:ln>
         </p:spPr>
       </p:pic>
@@ -9047,14 +9181,14 @@
             <a:avLst/>
           </a:prstGeom>
           <a:noFill/>
-          <a:ln cap="flat" cmpd="sng" w="9525">
+          <a:ln w="9525" cap="flat" cmpd="sng">
             <a:solidFill>
               <a:srgbClr val="000000"/>
             </a:solidFill>
             <a:prstDash val="solid"/>
             <a:round/>
-            <a:headEnd len="sm" w="sm" type="none"/>
-            <a:tailEnd len="sm" w="sm" type="none"/>
+            <a:headEnd type="none" w="sm" len="sm"/>
+            <a:tailEnd type="none" w="sm" len="sm"/>
           </a:ln>
         </p:spPr>
       </p:pic>
@@ -9081,14 +9215,14 @@
             <a:avLst/>
           </a:prstGeom>
           <a:noFill/>
-          <a:ln cap="flat" cmpd="sng" w="9525">
+          <a:ln w="9525" cap="flat" cmpd="sng">
             <a:solidFill>
               <a:srgbClr val="000000"/>
             </a:solidFill>
             <a:prstDash val="solid"/>
             <a:round/>
-            <a:headEnd len="sm" w="sm" type="none"/>
-            <a:tailEnd len="sm" w="sm" type="none"/>
+            <a:headEnd type="none" w="sm" len="sm"/>
+            <a:tailEnd type="none" w="sm" len="sm"/>
           </a:ln>
         </p:spPr>
       </p:pic>
@@ -9138,14 +9272,14 @@
             <a:avLst/>
           </a:prstGeom>
           <a:noFill/>
-          <a:ln cap="flat" cmpd="sng" w="9525">
+          <a:ln w="9525" cap="flat" cmpd="sng">
             <a:solidFill>
               <a:schemeClr val="dk2"/>
             </a:solidFill>
             <a:prstDash val="solid"/>
             <a:round/>
-            <a:headEnd len="med" w="med" type="none"/>
-            <a:tailEnd len="med" w="med" type="triangle"/>
+            <a:headEnd type="none" w="med" len="med"/>
+            <a:tailEnd type="triangle" w="med" len="med"/>
           </a:ln>
         </p:spPr>
       </p:cxnSp>
@@ -9169,12 +9303,12 @@
           </a:ln>
         </p:spPr>
         <p:txBody>
-          <a:bodyPr anchorCtr="0" anchor="t" bIns="91425" lIns="91425" spcFirstLastPara="1" rIns="91425" wrap="square" tIns="91425">
+          <a:bodyPr spcFirstLastPara="1" wrap="square" lIns="91425" tIns="91425" rIns="91425" bIns="91425" anchor="t" anchorCtr="0">
             <a:noAutofit/>
           </a:bodyPr>
           <a:lstStyle/>
           <a:p>
-            <a:pPr indent="0" lvl="0" marL="0" rtl="0" algn="l">
+            <a:pPr marL="0" lvl="0" indent="0" algn="l" rtl="0">
               <a:spcBef>
                 <a:spcPts val="0"/>
               </a:spcBef>
@@ -9208,23 +9342,23 @@
           <a:solidFill>
             <a:srgbClr val="D9EAD3"/>
           </a:solidFill>
-          <a:ln cap="flat" cmpd="sng" w="9525">
+          <a:ln w="9525" cap="flat" cmpd="sng">
             <a:solidFill>
               <a:srgbClr val="000000"/>
             </a:solidFill>
             <a:prstDash val="solid"/>
             <a:round/>
-            <a:headEnd len="sm" w="sm" type="none"/>
-            <a:tailEnd len="sm" w="sm" type="none"/>
+            <a:headEnd type="none" w="sm" len="sm"/>
+            <a:tailEnd type="none" w="sm" len="sm"/>
           </a:ln>
         </p:spPr>
         <p:txBody>
-          <a:bodyPr anchorCtr="0" anchor="ctr" bIns="91425" lIns="91425" spcFirstLastPara="1" rIns="91425" wrap="square" tIns="91425">
+          <a:bodyPr spcFirstLastPara="1" wrap="square" lIns="91425" tIns="91425" rIns="91425" bIns="91425" anchor="ctr" anchorCtr="0">
             <a:noAutofit/>
           </a:bodyPr>
           <a:lstStyle/>
           <a:p>
-            <a:pPr indent="0" lvl="0" marL="0" rtl="0" algn="ctr">
+            <a:pPr marL="0" lvl="0" indent="0" algn="ctr" rtl="0">
               <a:spcBef>
                 <a:spcPts val="0"/>
               </a:spcBef>
@@ -9259,14 +9393,14 @@
             <a:avLst/>
           </a:prstGeom>
           <a:noFill/>
-          <a:ln cap="flat" cmpd="sng" w="9525">
+          <a:ln w="9525" cap="flat" cmpd="sng">
             <a:solidFill>
               <a:schemeClr val="dk2"/>
             </a:solidFill>
             <a:prstDash val="solid"/>
             <a:round/>
-            <a:headEnd len="med" w="med" type="none"/>
-            <a:tailEnd len="med" w="med" type="triangle"/>
+            <a:headEnd type="none" w="med" len="med"/>
+            <a:tailEnd type="triangle" w="med" len="med"/>
           </a:ln>
         </p:spPr>
       </p:cxnSp>
@@ -9287,23 +9421,23 @@
           <a:solidFill>
             <a:srgbClr val="9FC5E8"/>
           </a:solidFill>
-          <a:ln cap="flat" cmpd="sng" w="9525">
+          <a:ln w="9525" cap="flat" cmpd="sng">
             <a:solidFill>
               <a:schemeClr val="dk2"/>
             </a:solidFill>
             <a:prstDash val="solid"/>
             <a:round/>
-            <a:headEnd len="sm" w="sm" type="none"/>
-            <a:tailEnd len="sm" w="sm" type="none"/>
+            <a:headEnd type="none" w="sm" len="sm"/>
+            <a:tailEnd type="none" w="sm" len="sm"/>
           </a:ln>
         </p:spPr>
         <p:txBody>
-          <a:bodyPr anchorCtr="0" anchor="ctr" bIns="91425" lIns="91425" spcFirstLastPara="1" rIns="91425" wrap="square" tIns="91425">
+          <a:bodyPr spcFirstLastPara="1" wrap="square" lIns="91425" tIns="91425" rIns="91425" bIns="91425" anchor="ctr" anchorCtr="0">
             <a:noAutofit/>
           </a:bodyPr>
           <a:lstStyle/>
           <a:p>
-            <a:pPr indent="0" lvl="0" marL="0" rtl="0" algn="l">
+            <a:pPr marL="0" lvl="0" indent="0" algn="l" rtl="0">
               <a:spcBef>
                 <a:spcPts val="0"/>
               </a:spcBef>
@@ -9319,7 +9453,7 @@
             <a:endParaRPr/>
           </a:p>
           <a:p>
-            <a:pPr indent="0" lvl="0" marL="0" rtl="0" algn="l">
+            <a:pPr marL="0" lvl="0" indent="0" algn="l" rtl="0">
               <a:spcBef>
                 <a:spcPts val="0"/>
               </a:spcBef>
@@ -9335,7 +9469,7 @@
             <a:endParaRPr/>
           </a:p>
           <a:p>
-            <a:pPr indent="0" lvl="0" marL="0" rtl="0" algn="l">
+            <a:pPr marL="0" lvl="0" indent="0" algn="l" rtl="0">
               <a:spcBef>
                 <a:spcPts val="0"/>
               </a:spcBef>
@@ -9351,7 +9485,7 @@
             <a:endParaRPr/>
           </a:p>
           <a:p>
-            <a:pPr indent="0" lvl="0" marL="0" rtl="0" algn="l">
+            <a:pPr marL="0" lvl="0" indent="0" algn="l" rtl="0">
               <a:spcBef>
                 <a:spcPts val="0"/>
               </a:spcBef>
@@ -9367,7 +9501,7 @@
             <a:endParaRPr/>
           </a:p>
           <a:p>
-            <a:pPr indent="0" lvl="0" marL="0" rtl="0" algn="l">
+            <a:pPr marL="0" lvl="0" indent="0" algn="l" rtl="0">
               <a:spcBef>
                 <a:spcPts val="0"/>
               </a:spcBef>
@@ -9402,14 +9536,14 @@
             <a:avLst/>
           </a:prstGeom>
           <a:noFill/>
-          <a:ln cap="flat" cmpd="sng" w="9525">
+          <a:ln w="9525" cap="flat" cmpd="sng">
             <a:solidFill>
               <a:schemeClr val="dk2"/>
             </a:solidFill>
             <a:prstDash val="solid"/>
             <a:round/>
-            <a:headEnd len="med" w="med" type="none"/>
-            <a:tailEnd len="med" w="med" type="triangle"/>
+            <a:headEnd type="none" w="med" len="med"/>
+            <a:tailEnd type="triangle" w="med" len="med"/>
           </a:ln>
         </p:spPr>
       </p:cxnSp>
@@ -9433,12 +9567,12 @@
           </a:ln>
         </p:spPr>
         <p:txBody>
-          <a:bodyPr anchorCtr="0" anchor="t" bIns="91425" lIns="91425" spcFirstLastPara="1" rIns="91425" wrap="square" tIns="91425">
+          <a:bodyPr spcFirstLastPara="1" wrap="square" lIns="91425" tIns="91425" rIns="91425" bIns="91425" anchor="t" anchorCtr="0">
             <a:noAutofit/>
           </a:bodyPr>
           <a:lstStyle/>
           <a:p>
-            <a:pPr indent="0" lvl="0" marL="0" rtl="0" algn="l">
+            <a:pPr marL="0" lvl="0" indent="0" algn="l" rtl="0">
               <a:spcBef>
                 <a:spcPts val="0"/>
               </a:spcBef>
@@ -9470,23 +9604,23 @@
             <a:avLst/>
           </a:prstGeom>
           <a:noFill/>
-          <a:ln cap="flat" cmpd="sng" w="9525">
+          <a:ln w="9525" cap="flat" cmpd="sng">
             <a:solidFill>
               <a:srgbClr val="000000"/>
             </a:solidFill>
             <a:prstDash val="solid"/>
             <a:round/>
-            <a:headEnd len="sm" w="sm" type="none"/>
-            <a:tailEnd len="sm" w="sm" type="none"/>
+            <a:headEnd type="none" w="sm" len="sm"/>
+            <a:tailEnd type="none" w="sm" len="sm"/>
           </a:ln>
         </p:spPr>
         <p:txBody>
-          <a:bodyPr anchorCtr="0" anchor="t" bIns="91425" lIns="91425" spcFirstLastPara="1" rIns="91425" wrap="square" tIns="91425">
+          <a:bodyPr spcFirstLastPara="1" wrap="square" lIns="91425" tIns="91425" rIns="91425" bIns="91425" anchor="t" anchorCtr="0">
             <a:noAutofit/>
           </a:bodyPr>
           <a:lstStyle/>
           <a:p>
-            <a:pPr indent="0" lvl="0" marL="0" rtl="0" algn="just">
+            <a:pPr marL="0" lvl="0" indent="0" algn="just" rtl="0">
               <a:spcBef>
                 <a:spcPts val="0"/>
               </a:spcBef>
@@ -9496,13 +9630,13 @@
               <a:buNone/>
             </a:pPr>
             <a:r>
-              <a:rPr b="1" lang="en" sz="1200"/>
+              <a:rPr lang="en" sz="1200" b="1"/>
               <a:t>Evaluation: </a:t>
             </a:r>
-            <a:endParaRPr b="1" sz="1200"/>
-          </a:p>
-          <a:p>
-            <a:pPr indent="0" lvl="0" marL="0" rtl="0" algn="just">
+            <a:endParaRPr sz="1200" b="1"/>
+          </a:p>
+          <a:p>
+            <a:pPr marL="0" lvl="0" indent="0" algn="just" rtl="0">
               <a:spcBef>
                 <a:spcPts val="0"/>
               </a:spcBef>
@@ -9512,7 +9646,7 @@
               <a:buNone/>
             </a:pPr>
             <a:r>
-              <a:rPr b="1" lang="en" sz="1200"/>
+              <a:rPr lang="en" sz="1200" b="1"/>
               <a:t>130</a:t>
             </a:r>
             <a:r>
@@ -9520,14 +9654,14 @@
               <a:t> student solutions for Homework 2 (JavaScript and HTML) of </a:t>
             </a:r>
             <a:r>
-              <a:rPr b="1" lang="en" sz="1200"/>
+              <a:rPr lang="en" sz="1200" b="1"/>
               <a:t>COMS 319</a:t>
             </a:r>
             <a:r>
               <a:rPr lang="en" sz="1200"/>
               <a:t> (Construction of User Interfaces) of Iowa State University, Fall 2019.</a:t>
             </a:r>
-            <a:endParaRPr b="1" sz="1200"/>
+            <a:endParaRPr sz="1200" b="1"/>
           </a:p>
         </p:txBody>
       </p:sp>
@@ -9548,23 +9682,23 @@
           <a:solidFill>
             <a:schemeClr val="lt2"/>
           </a:solidFill>
-          <a:ln cap="flat" cmpd="sng" w="9525">
+          <a:ln w="9525" cap="flat" cmpd="sng">
             <a:solidFill>
               <a:schemeClr val="dk2"/>
             </a:solidFill>
             <a:prstDash val="solid"/>
             <a:round/>
-            <a:headEnd len="sm" w="sm" type="none"/>
-            <a:tailEnd len="sm" w="sm" type="none"/>
+            <a:headEnd type="none" w="sm" len="sm"/>
+            <a:tailEnd type="none" w="sm" len="sm"/>
           </a:ln>
         </p:spPr>
         <p:txBody>
-          <a:bodyPr anchorCtr="0" anchor="ctr" bIns="91425" lIns="91425" spcFirstLastPara="1" rIns="91425" wrap="square" tIns="91425">
+          <a:bodyPr spcFirstLastPara="1" wrap="square" lIns="91425" tIns="91425" rIns="91425" bIns="91425" anchor="ctr" anchorCtr="0">
             <a:noAutofit/>
           </a:bodyPr>
           <a:lstStyle/>
           <a:p>
-            <a:pPr indent="0" lvl="0" marL="0" rtl="0" algn="l">
+            <a:pPr marL="0" lvl="0" indent="0" algn="l" rtl="0">
               <a:spcBef>
                 <a:spcPts val="0"/>
               </a:spcBef>
@@ -9574,13 +9708,13 @@
               <a:buNone/>
             </a:pPr>
             <a:r>
-              <a:rPr b="1" lang="en" sz="1200"/>
+              <a:rPr lang="en" sz="1200" b="1"/>
               <a:t>Result:</a:t>
             </a:r>
-            <a:endParaRPr b="1" sz="1200"/>
-          </a:p>
-          <a:p>
-            <a:pPr indent="0" lvl="0" marL="0" rtl="0" algn="l">
+            <a:endParaRPr sz="1200" b="1"/>
+          </a:p>
+          <a:p>
+            <a:pPr marL="0" lvl="0" indent="0" algn="l" rtl="0">
               <a:spcBef>
                 <a:spcPts val="0"/>
               </a:spcBef>
@@ -9590,7 +9724,7 @@
               <a:buNone/>
             </a:pPr>
             <a:r>
-              <a:rPr b="1" lang="en" sz="1200"/>
+              <a:rPr lang="en" sz="1200" b="1"/>
               <a:t>50%</a:t>
             </a:r>
             <a:r>
@@ -9600,7 +9734,7 @@
             <a:endParaRPr sz="1200"/>
           </a:p>
           <a:p>
-            <a:pPr indent="0" lvl="0" marL="0" rtl="0" algn="l">
+            <a:pPr marL="0" lvl="0" indent="0" algn="l" rtl="0">
               <a:spcBef>
                 <a:spcPts val="0"/>
               </a:spcBef>
@@ -9610,13 +9744,13 @@
               <a:buNone/>
             </a:pPr>
             <a:r>
-              <a:rPr b="1" lang="en" sz="1200"/>
+              <a:rPr lang="en" sz="1200" b="1"/>
               <a:t>Decision Tree</a:t>
             </a:r>
-            <a:endParaRPr b="1" sz="1200"/>
-          </a:p>
-          <a:p>
-            <a:pPr indent="0" lvl="0" marL="0" rtl="0" algn="l">
+            <a:endParaRPr sz="1200" b="1"/>
+          </a:p>
+          <a:p>
+            <a:pPr marL="0" lvl="0" indent="0" algn="l" rtl="0">
               <a:spcBef>
                 <a:spcPts val="0"/>
               </a:spcBef>
@@ -9648,23 +9782,23 @@
             <a:avLst/>
           </a:prstGeom>
           <a:noFill/>
-          <a:ln cap="flat" cmpd="sng" w="9525">
+          <a:ln w="9525" cap="flat" cmpd="sng">
             <a:solidFill>
               <a:srgbClr val="000000"/>
             </a:solidFill>
             <a:prstDash val="solid"/>
             <a:round/>
-            <a:headEnd len="sm" w="sm" type="none"/>
-            <a:tailEnd len="sm" w="sm" type="none"/>
+            <a:headEnd type="none" w="sm" len="sm"/>
+            <a:tailEnd type="none" w="sm" len="sm"/>
           </a:ln>
         </p:spPr>
         <p:txBody>
-          <a:bodyPr anchorCtr="0" anchor="t" bIns="91425" lIns="91425" spcFirstLastPara="1" rIns="91425" wrap="square" tIns="91425">
+          <a:bodyPr spcFirstLastPara="1" wrap="square" lIns="91425" tIns="91425" rIns="91425" bIns="91425" anchor="t" anchorCtr="0">
             <a:noAutofit/>
           </a:bodyPr>
           <a:lstStyle/>
           <a:p>
-            <a:pPr indent="0" lvl="0" marL="0" rtl="0" algn="just">
+            <a:pPr marL="0" lvl="0" indent="0" algn="just" rtl="0">
               <a:spcBef>
                 <a:spcPts val="0"/>
               </a:spcBef>
@@ -9674,13 +9808,13 @@
               <a:buNone/>
             </a:pPr>
             <a:r>
-              <a:rPr b="1" lang="en" sz="1200"/>
+              <a:rPr lang="en" sz="1200" b="1"/>
               <a:t>Disadvantage:</a:t>
             </a:r>
-            <a:endParaRPr b="1" sz="1200"/>
-          </a:p>
-          <a:p>
-            <a:pPr indent="0" lvl="0" marL="0" rtl="0" algn="just">
+            <a:endParaRPr sz="1200" b="1"/>
+          </a:p>
+          <a:p>
+            <a:pPr marL="0" lvl="0" indent="0" algn="just" rtl="0">
               <a:spcBef>
                 <a:spcPts val="0"/>
               </a:spcBef>
@@ -9694,7 +9828,7 @@
               <a:t>Raw TF-IDF is used for</a:t>
             </a:r>
             <a:r>
-              <a:rPr b="1" lang="en" sz="1200"/>
+              <a:rPr lang="en" sz="1200" b="1"/>
               <a:t> document summarization </a:t>
             </a:r>
             <a:r>
@@ -9702,7 +9836,7 @@
               <a:t>instead of </a:t>
             </a:r>
             <a:r>
-              <a:rPr b="1" lang="en" sz="1200"/>
+              <a:rPr lang="en" sz="1200" b="1"/>
               <a:t>score prediction</a:t>
             </a:r>
             <a:r>
@@ -9721,7 +9855,7 @@
         </p:nvGraphicFramePr>
         <p:xfrm>
           <a:off x="5692625" y="2726375"/>
-          <a:ext cx="3000000" cy="3000000"/>
+          <a:ext cx="2282750" cy="2203969"/>
         </p:xfrm>
         <a:graphic>
           <a:graphicData uri="http://schemas.openxmlformats.org/drawingml/2006/table">
@@ -9731,8 +9865,20 @@
                 <a:tableStyleId>{9353506A-3076-43B7-B8B4-74FACE9349AC}</a:tableStyleId>
               </a:tblPr>
               <a:tblGrid>
-                <a:gridCol w="1141375"/>
-                <a:gridCol w="1141375"/>
+                <a:gridCol w="1141375">
+                  <a:extLst>
+                    <a:ext uri="{9D8B030D-6E8A-4147-A177-3AD203B41FA5}">
+                      <a16:colId xmlns:a16="http://schemas.microsoft.com/office/drawing/2014/main" val="20000"/>
+                    </a:ext>
+                  </a:extLst>
+                </a:gridCol>
+                <a:gridCol w="1141375">
+                  <a:extLst>
+                    <a:ext uri="{9D8B030D-6E8A-4147-A177-3AD203B41FA5}">
+                      <a16:colId xmlns:a16="http://schemas.microsoft.com/office/drawing/2014/main" val="20001"/>
+                    </a:ext>
+                  </a:extLst>
+                </a:gridCol>
               </a:tblGrid>
               <a:tr h="314575">
                 <a:tc>
@@ -9740,7 +9886,7 @@
                     <a:bodyPr/>
                     <a:lstStyle/>
                     <a:p>
-                      <a:pPr indent="0" lvl="0" marL="0" rtl="0" algn="ctr">
+                      <a:pPr marL="0" lvl="0" indent="0" algn="ctr" rtl="0">
                         <a:spcBef>
                           <a:spcPts val="0"/>
                         </a:spcBef>
@@ -9750,20 +9896,20 @@
                         <a:buNone/>
                       </a:pPr>
                       <a:r>
-                        <a:rPr b="1" lang="en" sz="1200"/>
+                        <a:rPr lang="en" sz="1200" b="1"/>
                         <a:t>Grade</a:t>
                       </a:r>
-                      <a:endParaRPr b="1" sz="1200"/>
+                      <a:endParaRPr sz="1200" b="1"/>
                     </a:p>
                   </a:txBody>
-                  <a:tcPr marT="91425" marB="91425" marR="91425" marL="91425"/>
+                  <a:tcPr marL="91425" marR="91425" marT="91425" marB="91425"/>
                 </a:tc>
                 <a:tc>
                   <a:txBody>
                     <a:bodyPr/>
                     <a:lstStyle/>
                     <a:p>
-                      <a:pPr indent="0" lvl="0" marL="0" rtl="0" algn="ctr">
+                      <a:pPr marL="0" lvl="0" indent="0" algn="ctr" rtl="0">
                         <a:spcBef>
                           <a:spcPts val="0"/>
                         </a:spcBef>
@@ -9773,14 +9919,19 @@
                         <a:buNone/>
                       </a:pPr>
                       <a:r>
-                        <a:rPr b="1" lang="en" sz="1200"/>
+                        <a:rPr lang="en" sz="1200" b="1"/>
                         <a:t>Score Range</a:t>
                       </a:r>
-                      <a:endParaRPr b="1" sz="1200"/>
+                      <a:endParaRPr sz="1200" b="1"/>
                     </a:p>
                   </a:txBody>
-                  <a:tcPr marT="91425" marB="91425" marR="91425" marL="91425"/>
+                  <a:tcPr marL="91425" marR="91425" marT="91425" marB="91425"/>
                 </a:tc>
+                <a:extLst>
+                  <a:ext uri="{0D108BD9-81ED-4DB2-BD59-A6C34878D82A}">
+                    <a16:rowId xmlns:a16="http://schemas.microsoft.com/office/drawing/2014/main" val="10000"/>
+                  </a:ext>
+                </a:extLst>
               </a:tr>
               <a:tr h="365725">
                 <a:tc>
@@ -9788,7 +9939,7 @@
                     <a:bodyPr/>
                     <a:lstStyle/>
                     <a:p>
-                      <a:pPr indent="0" lvl="0" marL="0" rtl="0" algn="ctr">
+                      <a:pPr marL="0" lvl="0" indent="0" algn="ctr" rtl="0">
                         <a:spcBef>
                           <a:spcPts val="0"/>
                         </a:spcBef>
@@ -9798,20 +9949,20 @@
                         <a:buNone/>
                       </a:pPr>
                       <a:r>
-                        <a:rPr b="1" lang="en" sz="1200"/>
+                        <a:rPr lang="en" sz="1200" b="1"/>
                         <a:t>A</a:t>
                       </a:r>
-                      <a:endParaRPr b="1" sz="1200"/>
+                      <a:endParaRPr sz="1200" b="1"/>
                     </a:p>
                   </a:txBody>
-                  <a:tcPr marT="91425" marB="91425" marR="91425" marL="91425"/>
+                  <a:tcPr marL="91425" marR="91425" marT="91425" marB="91425"/>
                 </a:tc>
                 <a:tc>
                   <a:txBody>
                     <a:bodyPr/>
                     <a:lstStyle/>
                     <a:p>
-                      <a:pPr indent="0" lvl="0" marL="0" rtl="0" algn="ctr">
+                      <a:pPr marL="0" lvl="0" indent="0" algn="ctr" rtl="0">
                         <a:spcBef>
                           <a:spcPts val="0"/>
                         </a:spcBef>
@@ -9821,14 +9972,19 @@
                         <a:buNone/>
                       </a:pPr>
                       <a:r>
-                        <a:rPr b="1" lang="en" sz="1200"/>
+                        <a:rPr lang="en" sz="1200" b="1"/>
                         <a:t>50</a:t>
                       </a:r>
-                      <a:endParaRPr b="1" sz="1200"/>
+                      <a:endParaRPr sz="1200" b="1"/>
                     </a:p>
                   </a:txBody>
-                  <a:tcPr marT="91425" marB="91425" marR="91425" marL="91425"/>
+                  <a:tcPr marL="91425" marR="91425" marT="91425" marB="91425"/>
                 </a:tc>
+                <a:extLst>
+                  <a:ext uri="{0D108BD9-81ED-4DB2-BD59-A6C34878D82A}">
+                    <a16:rowId xmlns:a16="http://schemas.microsoft.com/office/drawing/2014/main" val="10001"/>
+                  </a:ext>
+                </a:extLst>
               </a:tr>
               <a:tr h="365725">
                 <a:tc>
@@ -9836,7 +9992,7 @@
                     <a:bodyPr/>
                     <a:lstStyle/>
                     <a:p>
-                      <a:pPr indent="0" lvl="0" marL="0" rtl="0" algn="ctr">
+                      <a:pPr marL="0" lvl="0" indent="0" algn="ctr" rtl="0">
                         <a:spcBef>
                           <a:spcPts val="0"/>
                         </a:spcBef>
@@ -9846,20 +10002,20 @@
                         <a:buNone/>
                       </a:pPr>
                       <a:r>
-                        <a:rPr b="1" lang="en" sz="1200"/>
+                        <a:rPr lang="en" sz="1200" b="1"/>
                         <a:t>A-</a:t>
                       </a:r>
-                      <a:endParaRPr b="1" sz="1200"/>
+                      <a:endParaRPr sz="1200" b="1"/>
                     </a:p>
                   </a:txBody>
-                  <a:tcPr marT="91425" marB="91425" marR="91425" marL="91425"/>
+                  <a:tcPr marL="91425" marR="91425" marT="91425" marB="91425"/>
                 </a:tc>
                 <a:tc>
                   <a:txBody>
                     <a:bodyPr/>
                     <a:lstStyle/>
                     <a:p>
-                      <a:pPr indent="0" lvl="0" marL="0" rtl="0" algn="ctr">
+                      <a:pPr marL="0" lvl="0" indent="0" algn="ctr" rtl="0">
                         <a:lnSpc>
                           <a:spcPct val="115000"/>
                         </a:lnSpc>
@@ -9877,18 +10033,23 @@
                         <a:buNone/>
                       </a:pPr>
                       <a:r>
-                        <a:rPr b="1" lang="en" sz="1200">
+                        <a:rPr lang="en" sz="1200" b="1">
                           <a:solidFill>
                             <a:schemeClr val="dk1"/>
                           </a:solidFill>
                         </a:rPr>
                         <a:t>[45-50)</a:t>
                       </a:r>
-                      <a:endParaRPr b="1" sz="1200"/>
+                      <a:endParaRPr sz="1200" b="1"/>
                     </a:p>
                   </a:txBody>
-                  <a:tcPr marT="91425" marB="91425" marR="91425" marL="91425"/>
+                  <a:tcPr marL="91425" marR="91425" marT="91425" marB="91425"/>
                 </a:tc>
+                <a:extLst>
+                  <a:ext uri="{0D108BD9-81ED-4DB2-BD59-A6C34878D82A}">
+                    <a16:rowId xmlns:a16="http://schemas.microsoft.com/office/drawing/2014/main" val="10002"/>
+                  </a:ext>
+                </a:extLst>
               </a:tr>
               <a:tr h="365725">
                 <a:tc>
@@ -9896,7 +10057,7 @@
                     <a:bodyPr/>
                     <a:lstStyle/>
                     <a:p>
-                      <a:pPr indent="0" lvl="0" marL="0" rtl="0" algn="ctr">
+                      <a:pPr marL="0" lvl="0" indent="0" algn="ctr" rtl="0">
                         <a:spcBef>
                           <a:spcPts val="0"/>
                         </a:spcBef>
@@ -9906,20 +10067,20 @@
                         <a:buNone/>
                       </a:pPr>
                       <a:r>
-                        <a:rPr b="1" lang="en" sz="1200"/>
+                        <a:rPr lang="en" sz="1200" b="1"/>
                         <a:t>B+</a:t>
                       </a:r>
-                      <a:endParaRPr b="1" sz="1200"/>
+                      <a:endParaRPr sz="1200" b="1"/>
                     </a:p>
                   </a:txBody>
-                  <a:tcPr marT="91425" marB="91425" marR="91425" marL="91425"/>
+                  <a:tcPr marL="91425" marR="91425" marT="91425" marB="91425"/>
                 </a:tc>
                 <a:tc>
                   <a:txBody>
                     <a:bodyPr/>
                     <a:lstStyle/>
                     <a:p>
-                      <a:pPr indent="0" lvl="0" marL="0" rtl="0" algn="ctr">
+                      <a:pPr marL="0" lvl="0" indent="0" algn="ctr" rtl="0">
                         <a:spcBef>
                           <a:spcPts val="0"/>
                         </a:spcBef>
@@ -9929,14 +10090,19 @@
                         <a:buNone/>
                       </a:pPr>
                       <a:r>
-                        <a:rPr b="1" lang="en" sz="1200"/>
+                        <a:rPr lang="en" sz="1200" b="1"/>
                         <a:t>[40-45)</a:t>
                       </a:r>
-                      <a:endParaRPr b="1" sz="1200"/>
+                      <a:endParaRPr sz="1200" b="1"/>
                     </a:p>
                   </a:txBody>
-                  <a:tcPr marT="91425" marB="91425" marR="91425" marL="91425"/>
+                  <a:tcPr marL="91425" marR="91425" marT="91425" marB="91425"/>
                 </a:tc>
+                <a:extLst>
+                  <a:ext uri="{0D108BD9-81ED-4DB2-BD59-A6C34878D82A}">
+                    <a16:rowId xmlns:a16="http://schemas.microsoft.com/office/drawing/2014/main" val="10003"/>
+                  </a:ext>
+                </a:extLst>
               </a:tr>
               <a:tr h="365725">
                 <a:tc>
@@ -9944,7 +10110,7 @@
                     <a:bodyPr/>
                     <a:lstStyle/>
                     <a:p>
-                      <a:pPr indent="0" lvl="0" marL="0" rtl="0" algn="ctr">
+                      <a:pPr marL="0" lvl="0" indent="0" algn="ctr" rtl="0">
                         <a:spcBef>
                           <a:spcPts val="0"/>
                         </a:spcBef>
@@ -9954,20 +10120,20 @@
                         <a:buNone/>
                       </a:pPr>
                       <a:r>
-                        <a:rPr b="1" lang="en" sz="1200"/>
+                        <a:rPr lang="en" sz="1200" b="1"/>
                         <a:t>B</a:t>
                       </a:r>
-                      <a:endParaRPr b="1" sz="1200"/>
+                      <a:endParaRPr sz="1200" b="1"/>
                     </a:p>
                   </a:txBody>
-                  <a:tcPr marT="91425" marB="91425" marR="91425" marL="91425"/>
+                  <a:tcPr marL="91425" marR="91425" marT="91425" marB="91425"/>
                 </a:tc>
                 <a:tc>
                   <a:txBody>
                     <a:bodyPr/>
                     <a:lstStyle/>
                     <a:p>
-                      <a:pPr indent="0" lvl="0" marL="0" rtl="0" algn="ctr">
+                      <a:pPr marL="0" lvl="0" indent="0" algn="ctr" rtl="0">
                         <a:spcBef>
                           <a:spcPts val="0"/>
                         </a:spcBef>
@@ -9977,14 +10143,19 @@
                         <a:buNone/>
                       </a:pPr>
                       <a:r>
-                        <a:rPr b="1" lang="en" sz="1200"/>
+                        <a:rPr lang="en" sz="1200" b="1"/>
                         <a:t>[30-40)</a:t>
                       </a:r>
-                      <a:endParaRPr b="1" sz="1200"/>
+                      <a:endParaRPr sz="1200" b="1"/>
                     </a:p>
                   </a:txBody>
-                  <a:tcPr marT="91425" marB="91425" marR="91425" marL="91425"/>
+                  <a:tcPr marL="91425" marR="91425" marT="91425" marB="91425"/>
                 </a:tc>
+                <a:extLst>
+                  <a:ext uri="{0D108BD9-81ED-4DB2-BD59-A6C34878D82A}">
+                    <a16:rowId xmlns:a16="http://schemas.microsoft.com/office/drawing/2014/main" val="10004"/>
+                  </a:ext>
+                </a:extLst>
               </a:tr>
               <a:tr h="365725">
                 <a:tc>
@@ -9992,7 +10163,7 @@
                     <a:bodyPr/>
                     <a:lstStyle/>
                     <a:p>
-                      <a:pPr indent="0" lvl="0" marL="0" rtl="0" algn="ctr">
+                      <a:pPr marL="0" lvl="0" indent="0" algn="ctr" rtl="0">
                         <a:spcBef>
                           <a:spcPts val="0"/>
                         </a:spcBef>
@@ -10002,20 +10173,20 @@
                         <a:buNone/>
                       </a:pPr>
                       <a:r>
-                        <a:rPr b="1" lang="en" sz="1200"/>
+                        <a:rPr lang="en" sz="1200" b="1"/>
                         <a:t>B-</a:t>
                       </a:r>
-                      <a:endParaRPr b="1" sz="1200"/>
+                      <a:endParaRPr sz="1200" b="1"/>
                     </a:p>
                   </a:txBody>
-                  <a:tcPr marT="91425" marB="91425" marR="91425" marL="91425"/>
+                  <a:tcPr marL="91425" marR="91425" marT="91425" marB="91425"/>
                 </a:tc>
                 <a:tc>
                   <a:txBody>
                     <a:bodyPr/>
                     <a:lstStyle/>
                     <a:p>
-                      <a:pPr indent="0" lvl="0" marL="0" rtl="0" algn="ctr">
+                      <a:pPr marL="0" lvl="0" indent="0" algn="ctr" rtl="0">
                         <a:spcBef>
                           <a:spcPts val="0"/>
                         </a:spcBef>
@@ -10025,14 +10196,19 @@
                         <a:buNone/>
                       </a:pPr>
                       <a:r>
-                        <a:rPr b="1" lang="en" sz="1200"/>
+                        <a:rPr lang="en" sz="1200" b="1"/>
                         <a:t>&lt;30</a:t>
                       </a:r>
-                      <a:endParaRPr b="1" sz="1200"/>
+                      <a:endParaRPr sz="1200" b="1"/>
                     </a:p>
                   </a:txBody>
-                  <a:tcPr marT="91425" marB="91425" marR="91425" marL="91425"/>
+                  <a:tcPr marL="91425" marR="91425" marT="91425" marB="91425"/>
                 </a:tc>
+                <a:extLst>
+                  <a:ext uri="{0D108BD9-81ED-4DB2-BD59-A6C34878D82A}">
+                    <a16:rowId xmlns:a16="http://schemas.microsoft.com/office/drawing/2014/main" val="10005"/>
+                  </a:ext>
+                </a:extLst>
               </a:tr>
             </a:tbl>
           </a:graphicData>
@@ -10047,11 +10223,11 @@
 </file>
 
 <file path=ppt/slides/slide6.xml><?xml version="1.0" encoding="utf-8"?>
-<p:sld xmlns:a="http://schemas.openxmlformats.org/drawingml/2006/main" xmlns:r="http://schemas.openxmlformats.org/officeDocument/2006/relationships" xmlns:mc="http://schemas.openxmlformats.org/markup-compatibility/2006" xmlns:mv="urn:schemas-microsoft-com:mac:vml" xmlns:p="http://schemas.openxmlformats.org/presentationml/2006/main" xmlns:c="http://schemas.openxmlformats.org/drawingml/2006/chart" xmlns:dgm="http://schemas.openxmlformats.org/drawingml/2006/diagram" xmlns:o="urn:schemas-microsoft-com:office:office" xmlns:v="urn:schemas-microsoft-com:vml" xmlns:pvml="urn:schemas-microsoft-com:office:powerpoint" xmlns:com="http://schemas.openxmlformats.org/drawingml/2006/compatibility" xmlns:p14="http://schemas.microsoft.com/office/powerpoint/2010/main" xmlns:p15="http://schemas.microsoft.com/office/powerpoint/2012/main">
+<p:sld xmlns:a="http://schemas.openxmlformats.org/drawingml/2006/main" xmlns:r="http://schemas.openxmlformats.org/officeDocument/2006/relationships" xmlns:p="http://schemas.openxmlformats.org/presentationml/2006/main">
   <p:cSld>
     <p:spTree>
       <p:nvGrpSpPr>
-        <p:cNvPr id="145" name="Shape 145"/>
+        <p:cNvPr id="1" name="Shape 145"/>
         <p:cNvGrpSpPr/>
         <p:nvPr/>
       </p:nvGrpSpPr>
@@ -10080,23 +10256,23 @@
           <a:solidFill>
             <a:srgbClr val="FFF2CC"/>
           </a:solidFill>
-          <a:ln cap="flat" cmpd="sng" w="9525">
+          <a:ln w="9525" cap="flat" cmpd="sng">
             <a:solidFill>
               <a:schemeClr val="dk2"/>
             </a:solidFill>
             <a:prstDash val="solid"/>
             <a:round/>
-            <a:headEnd len="sm" w="sm" type="none"/>
-            <a:tailEnd len="sm" w="sm" type="none"/>
+            <a:headEnd type="none" w="sm" len="sm"/>
+            <a:tailEnd type="none" w="sm" len="sm"/>
           </a:ln>
         </p:spPr>
         <p:txBody>
-          <a:bodyPr anchorCtr="0" anchor="ctr" bIns="91425" lIns="91425" spcFirstLastPara="1" rIns="91425" wrap="square" tIns="91425">
+          <a:bodyPr spcFirstLastPara="1" wrap="square" lIns="91425" tIns="91425" rIns="91425" bIns="91425" anchor="ctr" anchorCtr="0">
             <a:noAutofit/>
           </a:bodyPr>
           <a:lstStyle/>
           <a:p>
-            <a:pPr indent="0" lvl="0" marL="0" rtl="0" algn="l">
+            <a:pPr marL="0" lvl="0" indent="0" algn="l" rtl="0">
               <a:spcBef>
                 <a:spcPts val="0"/>
               </a:spcBef>
@@ -10105,9 +10281,6 @@
               </a:spcAft>
               <a:buNone/>
             </a:pPr>
-            <a:r>
-              <a:t/>
-            </a:r>
             <a:endParaRPr/>
           </a:p>
         </p:txBody>
@@ -10129,23 +10302,23 @@
           <a:solidFill>
             <a:srgbClr val="FFF2CC"/>
           </a:solidFill>
-          <a:ln cap="flat" cmpd="sng" w="9525">
+          <a:ln w="9525" cap="flat" cmpd="sng">
             <a:solidFill>
               <a:schemeClr val="dk2"/>
             </a:solidFill>
             <a:prstDash val="solid"/>
             <a:round/>
-            <a:headEnd len="sm" w="sm" type="none"/>
-            <a:tailEnd len="sm" w="sm" type="none"/>
+            <a:headEnd type="none" w="sm" len="sm"/>
+            <a:tailEnd type="none" w="sm" len="sm"/>
           </a:ln>
         </p:spPr>
         <p:txBody>
-          <a:bodyPr anchorCtr="0" anchor="ctr" bIns="91425" lIns="91425" spcFirstLastPara="1" rIns="91425" wrap="square" tIns="91425">
+          <a:bodyPr spcFirstLastPara="1" wrap="square" lIns="91425" tIns="91425" rIns="91425" bIns="91425" anchor="ctr" anchorCtr="0">
             <a:noAutofit/>
           </a:bodyPr>
           <a:lstStyle/>
           <a:p>
-            <a:pPr indent="0" lvl="0" marL="0" rtl="0" algn="l">
+            <a:pPr marL="0" lvl="0" indent="0" algn="l" rtl="0">
               <a:spcBef>
                 <a:spcPts val="0"/>
               </a:spcBef>
@@ -10154,9 +10327,6 @@
               </a:spcAft>
               <a:buNone/>
             </a:pPr>
-            <a:r>
-              <a:t/>
-            </a:r>
             <a:endParaRPr/>
           </a:p>
         </p:txBody>
@@ -10178,23 +10348,23 @@
           <a:solidFill>
             <a:srgbClr val="E6B8AF"/>
           </a:solidFill>
-          <a:ln cap="flat" cmpd="sng" w="9525">
+          <a:ln w="9525" cap="flat" cmpd="sng">
             <a:solidFill>
               <a:schemeClr val="dk2"/>
             </a:solidFill>
             <a:prstDash val="solid"/>
             <a:round/>
-            <a:headEnd len="sm" w="sm" type="none"/>
-            <a:tailEnd len="sm" w="sm" type="none"/>
+            <a:headEnd type="none" w="sm" len="sm"/>
+            <a:tailEnd type="none" w="sm" len="sm"/>
           </a:ln>
         </p:spPr>
         <p:txBody>
-          <a:bodyPr anchorCtr="0" anchor="ctr" bIns="91425" lIns="91425" spcFirstLastPara="1" rIns="91425" wrap="square" tIns="91425">
+          <a:bodyPr spcFirstLastPara="1" wrap="square" lIns="91425" tIns="91425" rIns="91425" bIns="91425" anchor="ctr" anchorCtr="0">
             <a:noAutofit/>
           </a:bodyPr>
           <a:lstStyle/>
           <a:p>
-            <a:pPr indent="0" lvl="0" marL="0" rtl="0" algn="l">
+            <a:pPr marL="0" lvl="0" indent="0" algn="l" rtl="0">
               <a:spcBef>
                 <a:spcPts val="0"/>
               </a:spcBef>
@@ -10203,9 +10373,6 @@
               </a:spcAft>
               <a:buNone/>
             </a:pPr>
-            <a:r>
-              <a:t/>
-            </a:r>
             <a:endParaRPr/>
           </a:p>
         </p:txBody>
@@ -10241,7 +10408,9 @@
       <p:sp>
         <p:nvSpPr>
           <p:cNvPr id="150" name="Google Shape;150;p18"/>
-          <p:cNvSpPr txBox="1"/>
+          <p:cNvSpPr txBox="1">
+            <a:spLocks noGrp="1"/>
+          </p:cNvSpPr>
           <p:nvPr>
             <p:ph type="title"/>
           </p:nvPr>
@@ -10256,12 +10425,12 @@
           </a:prstGeom>
         </p:spPr>
         <p:txBody>
-          <a:bodyPr anchorCtr="0" anchor="t" bIns="91425" lIns="91425" spcFirstLastPara="1" rIns="91425" wrap="square" tIns="91425">
+          <a:bodyPr spcFirstLastPara="1" wrap="square" lIns="91425" tIns="91425" rIns="91425" bIns="91425" anchor="t" anchorCtr="0">
             <a:noAutofit/>
           </a:bodyPr>
           <a:lstStyle/>
           <a:p>
-            <a:pPr indent="0" lvl="0" marL="0" rtl="0" algn="l">
+            <a:pPr marL="0" lvl="0" indent="0" algn="l" rtl="0">
               <a:spcBef>
                 <a:spcPts val="0"/>
               </a:spcBef>
@@ -10298,12 +10467,12 @@
           </a:ln>
         </p:spPr>
         <p:txBody>
-          <a:bodyPr anchorCtr="0" anchor="t" bIns="91425" lIns="91425" spcFirstLastPara="1" rIns="91425" wrap="square" tIns="91425">
+          <a:bodyPr spcFirstLastPara="1" wrap="square" lIns="91425" tIns="91425" rIns="91425" bIns="91425" anchor="t" anchorCtr="0">
             <a:noAutofit/>
           </a:bodyPr>
           <a:lstStyle/>
           <a:p>
-            <a:pPr indent="0" lvl="0" marL="0" rtl="0" algn="l">
+            <a:pPr marL="0" lvl="0" indent="0" algn="l" rtl="0">
               <a:spcBef>
                 <a:spcPts val="0"/>
               </a:spcBef>
@@ -10313,10 +10482,10 @@
               <a:buNone/>
             </a:pPr>
             <a:r>
-              <a:rPr b="1" lang="en" sz="1200"/>
+              <a:rPr lang="en" sz="1200" b="1"/>
               <a:t>Vectorization for AST Nodes</a:t>
             </a:r>
-            <a:endParaRPr b="1" sz="1200"/>
+            <a:endParaRPr sz="1200" b="1"/>
           </a:p>
         </p:txBody>
       </p:sp>
@@ -10340,12 +10509,12 @@
           </a:ln>
         </p:spPr>
         <p:txBody>
-          <a:bodyPr anchorCtr="0" anchor="t" bIns="91425" lIns="91425" spcFirstLastPara="1" rIns="91425" wrap="square" tIns="91425">
+          <a:bodyPr spcFirstLastPara="1" wrap="square" lIns="91425" tIns="91425" rIns="91425" bIns="91425" anchor="t" anchorCtr="0">
             <a:noAutofit/>
           </a:bodyPr>
           <a:lstStyle/>
           <a:p>
-            <a:pPr indent="0" lvl="0" marL="0" rtl="0" algn="l">
+            <a:pPr marL="0" lvl="0" indent="0" algn="l" rtl="0">
               <a:spcBef>
                 <a:spcPts val="0"/>
               </a:spcBef>
@@ -10355,10 +10524,10 @@
               <a:buNone/>
             </a:pPr>
             <a:r>
-              <a:rPr b="1" lang="en" sz="1200"/>
+              <a:rPr lang="en" sz="1200" b="1"/>
               <a:t>Training</a:t>
             </a:r>
-            <a:endParaRPr b="1" sz="1200"/>
+            <a:endParaRPr sz="1200" b="1"/>
           </a:p>
         </p:txBody>
       </p:sp>
@@ -10379,23 +10548,23 @@
           <a:solidFill>
             <a:schemeClr val="lt2"/>
           </a:solidFill>
-          <a:ln cap="flat" cmpd="sng" w="9525">
+          <a:ln w="9525" cap="flat" cmpd="sng">
             <a:solidFill>
               <a:schemeClr val="dk2"/>
             </a:solidFill>
             <a:prstDash val="solid"/>
             <a:round/>
-            <a:headEnd len="sm" w="sm" type="none"/>
-            <a:tailEnd len="sm" w="sm" type="none"/>
+            <a:headEnd type="none" w="sm" len="sm"/>
+            <a:tailEnd type="none" w="sm" len="sm"/>
           </a:ln>
         </p:spPr>
         <p:txBody>
-          <a:bodyPr anchorCtr="0" anchor="ctr" bIns="91425" lIns="91425" spcFirstLastPara="1" rIns="91425" wrap="square" tIns="91425">
+          <a:bodyPr spcFirstLastPara="1" wrap="square" lIns="91425" tIns="91425" rIns="91425" bIns="91425" anchor="ctr" anchorCtr="0">
             <a:noAutofit/>
           </a:bodyPr>
           <a:lstStyle/>
           <a:p>
-            <a:pPr indent="0" lvl="0" marL="0" rtl="0" algn="l">
+            <a:pPr marL="0" lvl="0" indent="0" algn="l" rtl="0">
               <a:spcBef>
                 <a:spcPts val="0"/>
               </a:spcBef>
@@ -10404,9 +10573,6 @@
               </a:spcAft>
               <a:buNone/>
             </a:pPr>
-            <a:r>
-              <a:t/>
-            </a:r>
             <a:endParaRPr/>
           </a:p>
         </p:txBody>
@@ -10434,14 +10600,14 @@
             <a:avLst/>
           </a:prstGeom>
           <a:noFill/>
-          <a:ln cap="flat" cmpd="sng" w="9525">
+          <a:ln w="9525" cap="flat" cmpd="sng">
             <a:solidFill>
               <a:srgbClr val="000000"/>
             </a:solidFill>
             <a:prstDash val="solid"/>
             <a:round/>
-            <a:headEnd len="sm" w="sm" type="none"/>
-            <a:tailEnd len="sm" w="sm" type="none"/>
+            <a:headEnd type="none" w="sm" len="sm"/>
+            <a:tailEnd type="none" w="sm" len="sm"/>
           </a:ln>
         </p:spPr>
       </p:pic>
@@ -10468,14 +10634,14 @@
             <a:avLst/>
           </a:prstGeom>
           <a:noFill/>
-          <a:ln cap="flat" cmpd="sng" w="9525">
+          <a:ln w="9525" cap="flat" cmpd="sng">
             <a:solidFill>
               <a:srgbClr val="000000"/>
             </a:solidFill>
             <a:prstDash val="solid"/>
             <a:round/>
-            <a:headEnd len="sm" w="sm" type="none"/>
-            <a:tailEnd len="sm" w="sm" type="none"/>
+            <a:headEnd type="none" w="sm" len="sm"/>
+            <a:tailEnd type="none" w="sm" len="sm"/>
           </a:ln>
         </p:spPr>
       </p:pic>
@@ -10502,14 +10668,14 @@
             <a:avLst/>
           </a:prstGeom>
           <a:noFill/>
-          <a:ln cap="flat" cmpd="sng" w="9525">
+          <a:ln w="9525" cap="flat" cmpd="sng">
             <a:solidFill>
               <a:srgbClr val="000000"/>
             </a:solidFill>
             <a:prstDash val="solid"/>
             <a:round/>
-            <a:headEnd len="sm" w="sm" type="none"/>
-            <a:tailEnd len="sm" w="sm" type="none"/>
+            <a:headEnd type="none" w="sm" len="sm"/>
+            <a:tailEnd type="none" w="sm" len="sm"/>
           </a:ln>
         </p:spPr>
       </p:pic>
@@ -10531,14 +10697,14 @@
             <a:avLst/>
           </a:prstGeom>
           <a:noFill/>
-          <a:ln cap="flat" cmpd="sng" w="9525">
+          <a:ln w="9525" cap="flat" cmpd="sng">
             <a:solidFill>
               <a:schemeClr val="dk2"/>
             </a:solidFill>
             <a:prstDash val="solid"/>
             <a:round/>
-            <a:headEnd len="med" w="med" type="none"/>
-            <a:tailEnd len="med" w="med" type="triangle"/>
+            <a:headEnd type="none" w="med" len="med"/>
+            <a:tailEnd type="triangle" w="med" len="med"/>
           </a:ln>
         </p:spPr>
       </p:cxnSp>
@@ -10559,23 +10725,23 @@
           <a:solidFill>
             <a:srgbClr val="D9EAD3"/>
           </a:solidFill>
-          <a:ln cap="flat" cmpd="sng" w="9525">
+          <a:ln w="9525" cap="flat" cmpd="sng">
             <a:solidFill>
               <a:schemeClr val="dk2"/>
             </a:solidFill>
             <a:prstDash val="solid"/>
             <a:round/>
-            <a:headEnd len="sm" w="sm" type="none"/>
-            <a:tailEnd len="sm" w="sm" type="none"/>
+            <a:headEnd type="none" w="sm" len="sm"/>
+            <a:tailEnd type="none" w="sm" len="sm"/>
           </a:ln>
         </p:spPr>
         <p:txBody>
-          <a:bodyPr anchorCtr="0" anchor="ctr" bIns="91425" lIns="91425" spcFirstLastPara="1" rIns="91425" wrap="square" tIns="91425">
+          <a:bodyPr spcFirstLastPara="1" wrap="square" lIns="91425" tIns="91425" rIns="91425" bIns="91425" anchor="ctr" anchorCtr="0">
             <a:noAutofit/>
           </a:bodyPr>
           <a:lstStyle/>
           <a:p>
-            <a:pPr indent="0" lvl="0" marL="0" rtl="0" algn="ctr">
+            <a:pPr marL="0" lvl="0" indent="0" algn="ctr" rtl="0">
               <a:spcBef>
                 <a:spcPts val="0"/>
               </a:spcBef>
@@ -10609,23 +10775,23 @@
           <a:solidFill>
             <a:schemeClr val="lt2"/>
           </a:solidFill>
-          <a:ln cap="flat" cmpd="sng" w="9525">
+          <a:ln w="9525" cap="flat" cmpd="sng">
             <a:solidFill>
               <a:schemeClr val="dk2"/>
             </a:solidFill>
             <a:prstDash val="solid"/>
             <a:round/>
-            <a:headEnd len="sm" w="sm" type="none"/>
-            <a:tailEnd len="sm" w="sm" type="none"/>
+            <a:headEnd type="none" w="sm" len="sm"/>
+            <a:tailEnd type="none" w="sm" len="sm"/>
           </a:ln>
         </p:spPr>
         <p:txBody>
-          <a:bodyPr anchorCtr="0" anchor="ctr" bIns="91425" lIns="91425" spcFirstLastPara="1" rIns="91425" wrap="square" tIns="91425">
+          <a:bodyPr spcFirstLastPara="1" wrap="square" lIns="91425" tIns="91425" rIns="91425" bIns="91425" anchor="ctr" anchorCtr="0">
             <a:noAutofit/>
           </a:bodyPr>
           <a:lstStyle/>
           <a:p>
-            <a:pPr indent="0" lvl="0" marL="0" rtl="0" algn="l">
+            <a:pPr marL="0" lvl="0" indent="0" algn="l" rtl="0">
               <a:spcBef>
                 <a:spcPts val="0"/>
               </a:spcBef>
@@ -10634,9 +10800,6 @@
               </a:spcAft>
               <a:buNone/>
             </a:pPr>
-            <a:r>
-              <a:t/>
-            </a:r>
             <a:endParaRPr/>
           </a:p>
         </p:txBody>
@@ -10664,14 +10827,14 @@
             <a:avLst/>
           </a:prstGeom>
           <a:noFill/>
-          <a:ln cap="flat" cmpd="sng" w="9525">
+          <a:ln w="9525" cap="flat" cmpd="sng">
             <a:solidFill>
               <a:srgbClr val="000000"/>
             </a:solidFill>
             <a:prstDash val="solid"/>
             <a:round/>
-            <a:headEnd len="sm" w="sm" type="none"/>
-            <a:tailEnd len="sm" w="sm" type="none"/>
+            <a:headEnd type="none" w="sm" len="sm"/>
+            <a:tailEnd type="none" w="sm" len="sm"/>
           </a:ln>
         </p:spPr>
       </p:pic>
@@ -10698,14 +10861,14 @@
             <a:avLst/>
           </a:prstGeom>
           <a:noFill/>
-          <a:ln cap="flat" cmpd="sng" w="9525">
+          <a:ln w="9525" cap="flat" cmpd="sng">
             <a:solidFill>
               <a:srgbClr val="000000"/>
             </a:solidFill>
             <a:prstDash val="solid"/>
             <a:round/>
-            <a:headEnd len="sm" w="sm" type="none"/>
-            <a:tailEnd len="sm" w="sm" type="none"/>
+            <a:headEnd type="none" w="sm" len="sm"/>
+            <a:tailEnd type="none" w="sm" len="sm"/>
           </a:ln>
         </p:spPr>
       </p:pic>
@@ -10732,14 +10895,14 @@
             <a:avLst/>
           </a:prstGeom>
           <a:noFill/>
-          <a:ln cap="flat" cmpd="sng" w="9525">
+          <a:ln w="9525" cap="flat" cmpd="sng">
             <a:solidFill>
               <a:srgbClr val="000000"/>
             </a:solidFill>
             <a:prstDash val="solid"/>
             <a:round/>
-            <a:headEnd len="sm" w="sm" type="none"/>
-            <a:tailEnd len="sm" w="sm" type="none"/>
+            <a:headEnd type="none" w="sm" len="sm"/>
+            <a:tailEnd type="none" w="sm" len="sm"/>
           </a:ln>
         </p:spPr>
       </p:pic>
@@ -10761,14 +10924,14 @@
             <a:avLst/>
           </a:prstGeom>
           <a:noFill/>
-          <a:ln cap="flat" cmpd="sng" w="9525">
+          <a:ln w="9525" cap="flat" cmpd="sng">
             <a:solidFill>
               <a:schemeClr val="dk2"/>
             </a:solidFill>
             <a:prstDash val="solid"/>
             <a:round/>
-            <a:headEnd len="med" w="med" type="none"/>
-            <a:tailEnd len="med" w="med" type="triangle"/>
+            <a:headEnd type="none" w="med" len="med"/>
+            <a:tailEnd type="triangle" w="med" len="med"/>
           </a:ln>
         </p:spPr>
       </p:cxnSp>
@@ -10789,23 +10952,23 @@
           <a:solidFill>
             <a:srgbClr val="D9EAD3"/>
           </a:solidFill>
-          <a:ln cap="flat" cmpd="sng" w="9525">
+          <a:ln w="9525" cap="flat" cmpd="sng">
             <a:solidFill>
               <a:schemeClr val="dk2"/>
             </a:solidFill>
             <a:prstDash val="solid"/>
             <a:round/>
-            <a:headEnd len="sm" w="sm" type="none"/>
-            <a:tailEnd len="sm" w="sm" type="none"/>
+            <a:headEnd type="none" w="sm" len="sm"/>
+            <a:tailEnd type="none" w="sm" len="sm"/>
           </a:ln>
         </p:spPr>
         <p:txBody>
-          <a:bodyPr anchorCtr="0" anchor="ctr" bIns="91425" lIns="91425" spcFirstLastPara="1" rIns="91425" wrap="square" tIns="91425">
+          <a:bodyPr spcFirstLastPara="1" wrap="square" lIns="91425" tIns="91425" rIns="91425" bIns="91425" anchor="ctr" anchorCtr="0">
             <a:noAutofit/>
           </a:bodyPr>
           <a:lstStyle/>
           <a:p>
-            <a:pPr indent="0" lvl="0" marL="0" rtl="0" algn="ctr">
+            <a:pPr marL="0" lvl="0" indent="0" algn="ctr" rtl="0">
               <a:spcBef>
                 <a:spcPts val="0"/>
               </a:spcBef>
@@ -10840,14 +11003,14 @@
             <a:avLst/>
           </a:prstGeom>
           <a:noFill/>
-          <a:ln cap="flat" cmpd="sng" w="9525">
+          <a:ln w="9525" cap="flat" cmpd="sng">
             <a:solidFill>
               <a:schemeClr val="dk2"/>
             </a:solidFill>
             <a:prstDash val="solid"/>
             <a:round/>
-            <a:headEnd len="med" w="med" type="none"/>
-            <a:tailEnd len="med" w="med" type="triangle"/>
+            <a:headEnd type="none" w="med" len="med"/>
+            <a:tailEnd type="triangle" w="med" len="med"/>
           </a:ln>
         </p:spPr>
       </p:cxnSp>
@@ -10871,12 +11034,12 @@
           </a:ln>
         </p:spPr>
         <p:txBody>
-          <a:bodyPr anchorCtr="0" anchor="t" bIns="91425" lIns="91425" spcFirstLastPara="1" rIns="91425" wrap="square" tIns="91425">
+          <a:bodyPr spcFirstLastPara="1" wrap="square" lIns="91425" tIns="91425" rIns="91425" bIns="91425" anchor="t" anchorCtr="0">
             <a:noAutofit/>
           </a:bodyPr>
           <a:lstStyle/>
           <a:p>
-            <a:pPr indent="0" lvl="0" marL="0" rtl="0" algn="ctr">
+            <a:pPr marL="0" lvl="0" indent="0" algn="ctr" rtl="0">
               <a:spcBef>
                 <a:spcPts val="0"/>
               </a:spcBef>
@@ -10919,14 +11082,14 @@
             <a:avLst/>
           </a:prstGeom>
           <a:noFill/>
-          <a:ln cap="flat" cmpd="sng" w="9525">
+          <a:ln w="9525" cap="flat" cmpd="sng">
             <a:solidFill>
               <a:schemeClr val="dk2"/>
             </a:solidFill>
             <a:prstDash val="solid"/>
             <a:round/>
-            <a:headEnd len="med" w="med" type="none"/>
-            <a:tailEnd len="med" w="med" type="triangle"/>
+            <a:headEnd type="none" w="med" len="med"/>
+            <a:tailEnd type="triangle" w="med" len="med"/>
           </a:ln>
         </p:spPr>
       </p:cxnSp>
@@ -10947,23 +11110,23 @@
           <a:solidFill>
             <a:srgbClr val="9FC5E8"/>
           </a:solidFill>
-          <a:ln cap="flat" cmpd="sng" w="9525">
+          <a:ln w="9525" cap="flat" cmpd="sng">
             <a:solidFill>
               <a:schemeClr val="dk2"/>
             </a:solidFill>
             <a:prstDash val="solid"/>
             <a:round/>
-            <a:headEnd len="sm" w="sm" type="none"/>
-            <a:tailEnd len="sm" w="sm" type="none"/>
+            <a:headEnd type="none" w="sm" len="sm"/>
+            <a:tailEnd type="none" w="sm" len="sm"/>
           </a:ln>
         </p:spPr>
         <p:txBody>
-          <a:bodyPr anchorCtr="0" anchor="ctr" bIns="91425" lIns="91425" spcFirstLastPara="1" rIns="91425" wrap="square" tIns="91425">
+          <a:bodyPr spcFirstLastPara="1" wrap="square" lIns="91425" tIns="91425" rIns="91425" bIns="91425" anchor="ctr" anchorCtr="0">
             <a:noAutofit/>
           </a:bodyPr>
           <a:lstStyle/>
           <a:p>
-            <a:pPr indent="0" lvl="0" marL="0" rtl="0" algn="l">
+            <a:pPr marL="0" lvl="0" indent="0" algn="l" rtl="0">
               <a:spcBef>
                 <a:spcPts val="0"/>
               </a:spcBef>
@@ -10979,7 +11142,7 @@
             <a:endParaRPr sz="1000"/>
           </a:p>
           <a:p>
-            <a:pPr indent="0" lvl="0" marL="0" rtl="0" algn="l">
+            <a:pPr marL="0" lvl="0" indent="0" algn="l" rtl="0">
               <a:spcBef>
                 <a:spcPts val="0"/>
               </a:spcBef>
@@ -10995,7 +11158,7 @@
             <a:endParaRPr sz="1000"/>
           </a:p>
           <a:p>
-            <a:pPr indent="0" lvl="0" marL="0" rtl="0" algn="l">
+            <a:pPr marL="0" lvl="0" indent="0" algn="l" rtl="0">
               <a:spcBef>
                 <a:spcPts val="0"/>
               </a:spcBef>
@@ -11011,7 +11174,7 @@
             <a:endParaRPr sz="1000"/>
           </a:p>
           <a:p>
-            <a:pPr indent="0" lvl="0" marL="0" rtl="0" algn="l">
+            <a:pPr marL="0" lvl="0" indent="0" algn="l" rtl="0">
               <a:spcBef>
                 <a:spcPts val="0"/>
               </a:spcBef>
@@ -11027,7 +11190,7 @@
             <a:endParaRPr sz="1000"/>
           </a:p>
           <a:p>
-            <a:pPr indent="0" lvl="0" marL="0" rtl="0" algn="l">
+            <a:pPr marL="0" lvl="0" indent="0" algn="l" rtl="0">
               <a:spcBef>
                 <a:spcPts val="0"/>
               </a:spcBef>
@@ -11052,8 +11215,8 @@
         </p:nvSpPr>
         <p:spPr>
           <a:xfrm>
-            <a:off x="8179500" y="2498725"/>
-            <a:ext cx="582300" cy="269100"/>
+            <a:off x="8172387" y="2507725"/>
+            <a:ext cx="646500" cy="269100"/>
           </a:xfrm>
           <a:prstGeom prst="rect">
             <a:avLst/>
@@ -11064,12 +11227,12 @@
           </a:ln>
         </p:spPr>
         <p:txBody>
-          <a:bodyPr anchorCtr="0" anchor="t" bIns="91425" lIns="91425" spcFirstLastPara="1" rIns="91425" wrap="square" tIns="91425">
+          <a:bodyPr spcFirstLastPara="1" wrap="square" lIns="91425" tIns="91425" rIns="91425" bIns="91425" anchor="t" anchorCtr="0">
             <a:noAutofit/>
           </a:bodyPr>
           <a:lstStyle/>
           <a:p>
-            <a:pPr indent="0" lvl="0" marL="0" rtl="0" algn="l">
+            <a:pPr marL="0" lvl="0" indent="0" algn="l" rtl="0">
               <a:spcBef>
                 <a:spcPts val="0"/>
               </a:spcBef>
@@ -11079,13 +11242,13 @@
               <a:buNone/>
             </a:pPr>
             <a:r>
-              <a:rPr lang="en" sz="1000"/>
+              <a:rPr lang="en" sz="1000" dirty="0"/>
               <a:t>TF-IDF </a:t>
             </a:r>
-            <a:endParaRPr sz="1000"/>
-          </a:p>
-          <a:p>
-            <a:pPr indent="0" lvl="0" marL="0" rtl="0" algn="l">
+            <a:endParaRPr sz="1000" dirty="0"/>
+          </a:p>
+          <a:p>
+            <a:pPr marL="0" lvl="0" indent="0" algn="l" rtl="0">
               <a:spcBef>
                 <a:spcPts val="0"/>
               </a:spcBef>
@@ -11095,10 +11258,10 @@
               <a:buNone/>
             </a:pPr>
             <a:r>
-              <a:rPr lang="en" sz="1000"/>
+              <a:rPr lang="en" sz="1000" dirty="0"/>
               <a:t>Vector</a:t>
             </a:r>
-            <a:endParaRPr sz="1000"/>
+            <a:endParaRPr sz="1000" dirty="0"/>
           </a:p>
         </p:txBody>
       </p:sp>
@@ -11119,23 +11282,23 @@
           <a:solidFill>
             <a:srgbClr val="D9EAD3"/>
           </a:solidFill>
-          <a:ln cap="flat" cmpd="sng" w="9525">
+          <a:ln w="9525" cap="flat" cmpd="sng">
             <a:solidFill>
               <a:schemeClr val="dk2"/>
             </a:solidFill>
             <a:prstDash val="solid"/>
             <a:round/>
-            <a:headEnd len="sm" w="sm" type="none"/>
-            <a:tailEnd len="sm" w="sm" type="none"/>
+            <a:headEnd type="none" w="sm" len="sm"/>
+            <a:tailEnd type="none" w="sm" len="sm"/>
           </a:ln>
         </p:spPr>
         <p:txBody>
-          <a:bodyPr anchorCtr="0" anchor="ctr" bIns="91425" lIns="91425" spcFirstLastPara="1" rIns="91425" wrap="square" tIns="91425">
+          <a:bodyPr spcFirstLastPara="1" wrap="square" lIns="91425" tIns="91425" rIns="91425" bIns="91425" anchor="ctr" anchorCtr="0">
             <a:noAutofit/>
           </a:bodyPr>
           <a:lstStyle/>
           <a:p>
-            <a:pPr indent="0" lvl="0" marL="0" rtl="0" algn="ctr">
+            <a:pPr marL="0" lvl="0" indent="0" algn="ctr" rtl="0">
               <a:spcBef>
                 <a:spcPts val="0"/>
               </a:spcBef>
@@ -11161,7 +11324,7 @@
           <p:nvPr/>
         </p:nvCxnSpPr>
         <p:spPr>
-          <a:xfrm flipH="1" rot="10800000">
+          <a:xfrm rot="10800000" flipH="1">
             <a:off x="7200524" y="2156875"/>
             <a:ext cx="192000" cy="8100"/>
           </a:xfrm>
@@ -11169,14 +11332,14 @@
             <a:avLst/>
           </a:prstGeom>
           <a:noFill/>
-          <a:ln cap="flat" cmpd="sng" w="9525">
+          <a:ln w="9525" cap="flat" cmpd="sng">
             <a:solidFill>
               <a:schemeClr val="dk2"/>
             </a:solidFill>
             <a:prstDash val="solid"/>
             <a:round/>
-            <a:headEnd len="med" w="med" type="none"/>
-            <a:tailEnd len="med" w="med" type="triangle"/>
+            <a:headEnd type="none" w="med" len="med"/>
+            <a:tailEnd type="triangle" w="med" len="med"/>
           </a:ln>
         </p:spPr>
       </p:cxnSp>
@@ -11195,14 +11358,14 @@
             <a:avLst/>
           </a:prstGeom>
           <a:noFill/>
-          <a:ln cap="flat" cmpd="sng" w="9525">
+          <a:ln w="9525" cap="flat" cmpd="sng">
             <a:solidFill>
               <a:schemeClr val="dk2"/>
             </a:solidFill>
             <a:prstDash val="solid"/>
             <a:round/>
-            <a:headEnd len="med" w="med" type="none"/>
-            <a:tailEnd len="med" w="med" type="triangle"/>
+            <a:headEnd type="none" w="med" len="med"/>
+            <a:tailEnd type="triangle" w="med" len="med"/>
           </a:ln>
         </p:spPr>
       </p:cxnSp>
@@ -11219,29 +11382,29 @@
           </a:xfrm>
           <a:prstGeom prst="can">
             <a:avLst>
-              <a:gd fmla="val 25000" name="adj"/>
+              <a:gd name="adj" fmla="val 25000"/>
             </a:avLst>
           </a:prstGeom>
           <a:solidFill>
             <a:srgbClr val="EFEFEF"/>
           </a:solidFill>
-          <a:ln cap="flat" cmpd="sng" w="9525">
+          <a:ln w="9525" cap="flat" cmpd="sng">
             <a:solidFill>
               <a:schemeClr val="dk2"/>
             </a:solidFill>
             <a:prstDash val="solid"/>
             <a:round/>
-            <a:headEnd len="sm" w="sm" type="none"/>
-            <a:tailEnd len="sm" w="sm" type="none"/>
+            <a:headEnd type="none" w="sm" len="sm"/>
+            <a:tailEnd type="none" w="sm" len="sm"/>
           </a:ln>
         </p:spPr>
         <p:txBody>
-          <a:bodyPr anchorCtr="0" anchor="ctr" bIns="91425" lIns="91425" spcFirstLastPara="1" rIns="91425" wrap="square" tIns="91425">
+          <a:bodyPr spcFirstLastPara="1" wrap="square" lIns="91425" tIns="91425" rIns="91425" bIns="91425" anchor="ctr" anchorCtr="0">
             <a:noAutofit/>
           </a:bodyPr>
           <a:lstStyle/>
           <a:p>
-            <a:pPr indent="0" lvl="0" marL="0" rtl="0" algn="ctr">
+            <a:pPr marL="0" lvl="0" indent="0" algn="ctr" rtl="0">
               <a:spcBef>
                 <a:spcPts val="0"/>
               </a:spcBef>
@@ -11251,10 +11414,10 @@
               <a:buNone/>
             </a:pPr>
             <a:r>
-              <a:rPr lang="en" sz="1200"/>
-              <a:t>Student Solutions Database</a:t>
+              <a:rPr lang="en" sz="1200" dirty="0"/>
+              <a:t>Students Solutions Database</a:t>
             </a:r>
-            <a:endParaRPr sz="1200"/>
+            <a:endParaRPr sz="1200" dirty="0"/>
           </a:p>
         </p:txBody>
       </p:sp>
@@ -11266,7 +11429,7 @@
         </p:nvGraphicFramePr>
         <p:xfrm>
           <a:off x="1641863" y="3069288"/>
-          <a:ext cx="3000000" cy="3000000"/>
+          <a:ext cx="963400" cy="1523850"/>
         </p:xfrm>
         <a:graphic>
           <a:graphicData uri="http://schemas.openxmlformats.org/drawingml/2006/table">
@@ -11276,7 +11439,13 @@
                 <a:tableStyleId>{9353506A-3076-43B7-B8B4-74FACE9349AC}</a:tableStyleId>
               </a:tblPr>
               <a:tblGrid>
-                <a:gridCol w="963400"/>
+                <a:gridCol w="963400">
+                  <a:extLst>
+                    <a:ext uri="{9D8B030D-6E8A-4147-A177-3AD203B41FA5}">
+                      <a16:colId xmlns:a16="http://schemas.microsoft.com/office/drawing/2014/main" val="20000"/>
+                    </a:ext>
+                  </a:extLst>
+                </a:gridCol>
               </a:tblGrid>
               <a:tr h="265675">
                 <a:tc>
@@ -11284,7 +11453,7 @@
                     <a:bodyPr/>
                     <a:lstStyle/>
                     <a:p>
-                      <a:pPr indent="0" lvl="0" marL="0" rtl="0" algn="just">
+                      <a:pPr marL="0" lvl="0" indent="0" algn="just" rtl="0">
                         <a:spcBef>
                           <a:spcPts val="0"/>
                         </a:spcBef>
@@ -11298,18 +11467,23 @@
                         <a:t>Solutions got</a:t>
                       </a:r>
                       <a:r>
-                        <a:rPr b="1" lang="en" sz="800"/>
+                        <a:rPr lang="en" sz="800" b="1"/>
                         <a:t> A</a:t>
                       </a:r>
-                      <a:endParaRPr b="1" sz="800"/>
+                      <a:endParaRPr sz="800" b="1"/>
                     </a:p>
                   </a:txBody>
-                  <a:tcPr marT="91425" marB="91425" marR="91425" marL="91425">
+                  <a:tcPr marL="91425" marR="91425" marT="91425" marB="91425">
                     <a:solidFill>
                       <a:srgbClr val="CCCCCC"/>
                     </a:solidFill>
                   </a:tcPr>
                 </a:tc>
+                <a:extLst>
+                  <a:ext uri="{0D108BD9-81ED-4DB2-BD59-A6C34878D82A}">
+                    <a16:rowId xmlns:a16="http://schemas.microsoft.com/office/drawing/2014/main" val="10000"/>
+                  </a:ext>
+                </a:extLst>
               </a:tr>
               <a:tr h="270450">
                 <a:tc>
@@ -11317,7 +11491,7 @@
                     <a:bodyPr/>
                     <a:lstStyle/>
                     <a:p>
-                      <a:pPr indent="0" lvl="0" marL="0" rtl="0" algn="just">
+                      <a:pPr marL="0" lvl="0" indent="0" algn="just" rtl="0">
                         <a:spcBef>
                           <a:spcPts val="0"/>
                         </a:spcBef>
@@ -11331,18 +11505,23 @@
                         <a:t>Solutions got</a:t>
                       </a:r>
                       <a:r>
-                        <a:rPr b="1" lang="en" sz="800"/>
+                        <a:rPr lang="en" sz="800" b="1"/>
                         <a:t> A-</a:t>
                       </a:r>
-                      <a:endParaRPr b="1" sz="800"/>
+                      <a:endParaRPr sz="800" b="1"/>
                     </a:p>
                   </a:txBody>
-                  <a:tcPr marT="91425" marB="91425" marR="91425" marL="91425">
+                  <a:tcPr marL="91425" marR="91425" marT="91425" marB="91425">
                     <a:solidFill>
                       <a:srgbClr val="CCCCCC"/>
                     </a:solidFill>
                   </a:tcPr>
                 </a:tc>
+                <a:extLst>
+                  <a:ext uri="{0D108BD9-81ED-4DB2-BD59-A6C34878D82A}">
+                    <a16:rowId xmlns:a16="http://schemas.microsoft.com/office/drawing/2014/main" val="10001"/>
+                  </a:ext>
+                </a:extLst>
               </a:tr>
               <a:tr h="270450">
                 <a:tc>
@@ -11350,7 +11529,7 @@
                     <a:bodyPr/>
                     <a:lstStyle/>
                     <a:p>
-                      <a:pPr indent="0" lvl="0" marL="0" rtl="0" algn="just">
+                      <a:pPr marL="0" lvl="0" indent="0" algn="just" rtl="0">
                         <a:spcBef>
                           <a:spcPts val="0"/>
                         </a:spcBef>
@@ -11364,18 +11543,23 @@
                         <a:t>Solutions got</a:t>
                       </a:r>
                       <a:r>
-                        <a:rPr b="1" lang="en" sz="800"/>
+                        <a:rPr lang="en" sz="800" b="1"/>
                         <a:t> B+</a:t>
                       </a:r>
-                      <a:endParaRPr b="1" sz="800"/>
+                      <a:endParaRPr sz="800" b="1"/>
                     </a:p>
                   </a:txBody>
-                  <a:tcPr marT="91425" marB="91425" marR="91425" marL="91425">
+                  <a:tcPr marL="91425" marR="91425" marT="91425" marB="91425">
                     <a:solidFill>
                       <a:srgbClr val="CCCCCC"/>
                     </a:solidFill>
                   </a:tcPr>
                 </a:tc>
+                <a:extLst>
+                  <a:ext uri="{0D108BD9-81ED-4DB2-BD59-A6C34878D82A}">
+                    <a16:rowId xmlns:a16="http://schemas.microsoft.com/office/drawing/2014/main" val="10002"/>
+                  </a:ext>
+                </a:extLst>
               </a:tr>
               <a:tr h="270450">
                 <a:tc>
@@ -11383,7 +11567,7 @@
                     <a:bodyPr/>
                     <a:lstStyle/>
                     <a:p>
-                      <a:pPr indent="0" lvl="0" marL="0" rtl="0" algn="just">
+                      <a:pPr marL="0" lvl="0" indent="0" algn="just" rtl="0">
                         <a:spcBef>
                           <a:spcPts val="0"/>
                         </a:spcBef>
@@ -11397,18 +11581,23 @@
                         <a:t>Solutions got</a:t>
                       </a:r>
                       <a:r>
-                        <a:rPr b="1" lang="en" sz="800"/>
+                        <a:rPr lang="en" sz="800" b="1"/>
                         <a:t> B</a:t>
                       </a:r>
-                      <a:endParaRPr b="1" sz="800"/>
+                      <a:endParaRPr sz="800" b="1"/>
                     </a:p>
                   </a:txBody>
-                  <a:tcPr marT="91425" marB="91425" marR="91425" marL="91425">
+                  <a:tcPr marL="91425" marR="91425" marT="91425" marB="91425">
                     <a:solidFill>
                       <a:srgbClr val="CCCCCC"/>
                     </a:solidFill>
                   </a:tcPr>
                 </a:tc>
+                <a:extLst>
+                  <a:ext uri="{0D108BD9-81ED-4DB2-BD59-A6C34878D82A}">
+                    <a16:rowId xmlns:a16="http://schemas.microsoft.com/office/drawing/2014/main" val="10003"/>
+                  </a:ext>
+                </a:extLst>
               </a:tr>
               <a:tr h="270450">
                 <a:tc>
@@ -11416,7 +11605,7 @@
                     <a:bodyPr/>
                     <a:lstStyle/>
                     <a:p>
-                      <a:pPr indent="0" lvl="0" marL="0" rtl="0" algn="just">
+                      <a:pPr marL="0" lvl="0" indent="0" algn="just" rtl="0">
                         <a:spcBef>
                           <a:spcPts val="0"/>
                         </a:spcBef>
@@ -11430,18 +11619,23 @@
                         <a:t>Solutions got</a:t>
                       </a:r>
                       <a:r>
-                        <a:rPr b="1" lang="en" sz="800"/>
+                        <a:rPr lang="en" sz="800" b="1"/>
                         <a:t> B-</a:t>
                       </a:r>
-                      <a:endParaRPr b="1" sz="800"/>
+                      <a:endParaRPr sz="800" b="1"/>
                     </a:p>
                   </a:txBody>
-                  <a:tcPr marT="91425" marB="91425" marR="91425" marL="91425">
+                  <a:tcPr marL="91425" marR="91425" marT="91425" marB="91425">
                     <a:solidFill>
                       <a:srgbClr val="CCCCCC"/>
                     </a:solidFill>
                   </a:tcPr>
                 </a:tc>
+                <a:extLst>
+                  <a:ext uri="{0D108BD9-81ED-4DB2-BD59-A6C34878D82A}">
+                    <a16:rowId xmlns:a16="http://schemas.microsoft.com/office/drawing/2014/main" val="10004"/>
+                  </a:ext>
+                </a:extLst>
               </a:tr>
             </a:tbl>
           </a:graphicData>
@@ -11464,14 +11658,14 @@
             <a:avLst/>
           </a:prstGeom>
           <a:noFill/>
-          <a:ln cap="flat" cmpd="sng" w="9525">
+          <a:ln w="9525" cap="flat" cmpd="sng">
             <a:solidFill>
               <a:schemeClr val="dk2"/>
             </a:solidFill>
             <a:prstDash val="solid"/>
             <a:round/>
-            <a:headEnd len="med" w="med" type="none"/>
-            <a:tailEnd len="med" w="med" type="triangle"/>
+            <a:headEnd type="none" w="med" len="med"/>
+            <a:tailEnd type="triangle" w="med" len="med"/>
           </a:ln>
         </p:spPr>
       </p:cxnSp>
@@ -11492,23 +11686,23 @@
           <a:solidFill>
             <a:srgbClr val="E6B8AF"/>
           </a:solidFill>
-          <a:ln cap="flat" cmpd="sng" w="9525">
+          <a:ln w="9525" cap="flat" cmpd="sng">
             <a:solidFill>
               <a:schemeClr val="dk2"/>
             </a:solidFill>
             <a:prstDash val="solid"/>
             <a:round/>
-            <a:headEnd len="sm" w="sm" type="none"/>
-            <a:tailEnd len="sm" w="sm" type="none"/>
+            <a:headEnd type="none" w="sm" len="sm"/>
+            <a:tailEnd type="none" w="sm" len="sm"/>
           </a:ln>
         </p:spPr>
         <p:txBody>
-          <a:bodyPr anchorCtr="0" anchor="ctr" bIns="91425" lIns="91425" spcFirstLastPara="1" rIns="91425" wrap="square" tIns="91425">
+          <a:bodyPr spcFirstLastPara="1" wrap="square" lIns="91425" tIns="91425" rIns="91425" bIns="91425" anchor="ctr" anchorCtr="0">
             <a:noAutofit/>
           </a:bodyPr>
           <a:lstStyle/>
           <a:p>
-            <a:pPr indent="0" lvl="0" marL="0" rtl="0" algn="ctr">
+            <a:pPr marL="0" lvl="0" indent="0" algn="ctr" rtl="0">
               <a:spcBef>
                 <a:spcPts val="0"/>
               </a:spcBef>
@@ -11540,14 +11734,14 @@
             <a:avLst/>
           </a:prstGeom>
           <a:noFill/>
-          <a:ln cap="flat" cmpd="sng" w="9525">
+          <a:ln w="9525" cap="flat" cmpd="sng">
             <a:solidFill>
               <a:schemeClr val="dk2"/>
             </a:solidFill>
             <a:prstDash val="solid"/>
             <a:round/>
-            <a:headEnd len="med" w="med" type="none"/>
-            <a:tailEnd len="med" w="med" type="triangle"/>
+            <a:headEnd type="none" w="med" len="med"/>
+            <a:tailEnd type="triangle" w="med" len="med"/>
           </a:ln>
         </p:spPr>
       </p:cxnSp>
@@ -11568,14 +11762,14 @@
             <a:avLst/>
           </a:prstGeom>
           <a:noFill/>
-          <a:ln cap="flat" cmpd="sng" w="9525">
+          <a:ln w="9525" cap="flat" cmpd="sng">
             <a:solidFill>
               <a:schemeClr val="dk2"/>
             </a:solidFill>
             <a:prstDash val="solid"/>
             <a:round/>
-            <a:headEnd len="med" w="med" type="none"/>
-            <a:tailEnd len="med" w="med" type="triangle"/>
+            <a:headEnd type="none" w="med" len="med"/>
+            <a:tailEnd type="triangle" w="med" len="med"/>
           </a:ln>
         </p:spPr>
       </p:cxnSp>
@@ -11587,7 +11781,7 @@
         </p:nvGraphicFramePr>
         <p:xfrm>
           <a:off x="4058475" y="3069300"/>
-          <a:ext cx="3000000" cy="3000000"/>
+          <a:ext cx="963400" cy="1523850"/>
         </p:xfrm>
         <a:graphic>
           <a:graphicData uri="http://schemas.openxmlformats.org/drawingml/2006/table">
@@ -11597,7 +11791,13 @@
                 <a:tableStyleId>{9353506A-3076-43B7-B8B4-74FACE9349AC}</a:tableStyleId>
               </a:tblPr>
               <a:tblGrid>
-                <a:gridCol w="963400"/>
+                <a:gridCol w="963400">
+                  <a:extLst>
+                    <a:ext uri="{9D8B030D-6E8A-4147-A177-3AD203B41FA5}">
+                      <a16:colId xmlns:a16="http://schemas.microsoft.com/office/drawing/2014/main" val="20000"/>
+                    </a:ext>
+                  </a:extLst>
+                </a:gridCol>
               </a:tblGrid>
               <a:tr h="265675">
                 <a:tc>
@@ -11605,7 +11805,7 @@
                     <a:bodyPr/>
                     <a:lstStyle/>
                     <a:p>
-                      <a:pPr indent="0" lvl="0" marL="0" rtl="0" algn="just">
+                      <a:pPr marL="0" lvl="0" indent="0" algn="just" rtl="0">
                         <a:spcBef>
                           <a:spcPts val="0"/>
                         </a:spcBef>
@@ -11619,18 +11819,23 @@
                         <a:t>Topic vector</a:t>
                       </a:r>
                       <a:r>
-                        <a:rPr b="1" lang="en" sz="800"/>
+                        <a:rPr lang="en" sz="800" b="1"/>
                         <a:t> A</a:t>
                       </a:r>
-                      <a:endParaRPr b="1" sz="800"/>
+                      <a:endParaRPr sz="800" b="1"/>
                     </a:p>
                   </a:txBody>
-                  <a:tcPr marT="91425" marB="91425" marR="91425" marL="91425">
+                  <a:tcPr marL="91425" marR="91425" marT="91425" marB="91425">
                     <a:solidFill>
                       <a:srgbClr val="CFE2F3"/>
                     </a:solidFill>
                   </a:tcPr>
                 </a:tc>
+                <a:extLst>
+                  <a:ext uri="{0D108BD9-81ED-4DB2-BD59-A6C34878D82A}">
+                    <a16:rowId xmlns:a16="http://schemas.microsoft.com/office/drawing/2014/main" val="10000"/>
+                  </a:ext>
+                </a:extLst>
               </a:tr>
               <a:tr h="270450">
                 <a:tc>
@@ -11638,7 +11843,7 @@
                     <a:bodyPr/>
                     <a:lstStyle/>
                     <a:p>
-                      <a:pPr indent="0" lvl="0" marL="0" rtl="0" algn="just">
+                      <a:pPr marL="0" lvl="0" indent="0" algn="just" rtl="0">
                         <a:spcBef>
                           <a:spcPts val="0"/>
                         </a:spcBef>
@@ -11656,7 +11861,7 @@
                         <a:t>Topic vector</a:t>
                       </a:r>
                       <a:r>
-                        <a:rPr b="1" lang="en" sz="800">
+                        <a:rPr lang="en" sz="800" b="1">
                           <a:solidFill>
                             <a:schemeClr val="dk1"/>
                           </a:solidFill>
@@ -11664,18 +11869,23 @@
                         <a:t> </a:t>
                       </a:r>
                       <a:r>
-                        <a:rPr b="1" lang="en" sz="800"/>
+                        <a:rPr lang="en" sz="800" b="1"/>
                         <a:t>A-</a:t>
                       </a:r>
-                      <a:endParaRPr b="1" sz="800"/>
+                      <a:endParaRPr sz="800" b="1"/>
                     </a:p>
                   </a:txBody>
-                  <a:tcPr marT="91425" marB="91425" marR="91425" marL="91425">
+                  <a:tcPr marL="91425" marR="91425" marT="91425" marB="91425">
                     <a:solidFill>
                       <a:srgbClr val="CFE2F3"/>
                     </a:solidFill>
                   </a:tcPr>
                 </a:tc>
+                <a:extLst>
+                  <a:ext uri="{0D108BD9-81ED-4DB2-BD59-A6C34878D82A}">
+                    <a16:rowId xmlns:a16="http://schemas.microsoft.com/office/drawing/2014/main" val="10001"/>
+                  </a:ext>
+                </a:extLst>
               </a:tr>
               <a:tr h="270450">
                 <a:tc>
@@ -11683,7 +11893,7 @@
                     <a:bodyPr/>
                     <a:lstStyle/>
                     <a:p>
-                      <a:pPr indent="0" lvl="0" marL="0" rtl="0" algn="just">
+                      <a:pPr marL="0" lvl="0" indent="0" algn="just" rtl="0">
                         <a:spcBef>
                           <a:spcPts val="0"/>
                         </a:spcBef>
@@ -11701,7 +11911,7 @@
                         <a:t>Topic vector</a:t>
                       </a:r>
                       <a:r>
-                        <a:rPr b="1" lang="en" sz="800">
+                        <a:rPr lang="en" sz="800" b="1">
                           <a:solidFill>
                             <a:schemeClr val="dk1"/>
                           </a:solidFill>
@@ -11709,18 +11919,23 @@
                         <a:t> </a:t>
                       </a:r>
                       <a:r>
-                        <a:rPr b="1" lang="en" sz="800"/>
+                        <a:rPr lang="en" sz="800" b="1"/>
                         <a:t>B+</a:t>
                       </a:r>
-                      <a:endParaRPr b="1" sz="800"/>
+                      <a:endParaRPr sz="800" b="1"/>
                     </a:p>
                   </a:txBody>
-                  <a:tcPr marT="91425" marB="91425" marR="91425" marL="91425">
+                  <a:tcPr marL="91425" marR="91425" marT="91425" marB="91425">
                     <a:solidFill>
                       <a:srgbClr val="CFE2F3"/>
                     </a:solidFill>
                   </a:tcPr>
                 </a:tc>
+                <a:extLst>
+                  <a:ext uri="{0D108BD9-81ED-4DB2-BD59-A6C34878D82A}">
+                    <a16:rowId xmlns:a16="http://schemas.microsoft.com/office/drawing/2014/main" val="10002"/>
+                  </a:ext>
+                </a:extLst>
               </a:tr>
               <a:tr h="270450">
                 <a:tc>
@@ -11728,7 +11943,7 @@
                     <a:bodyPr/>
                     <a:lstStyle/>
                     <a:p>
-                      <a:pPr indent="0" lvl="0" marL="0" rtl="0" algn="just">
+                      <a:pPr marL="0" lvl="0" indent="0" algn="just" rtl="0">
                         <a:spcBef>
                           <a:spcPts val="0"/>
                         </a:spcBef>
@@ -11746,7 +11961,7 @@
                         <a:t>Topic vector</a:t>
                       </a:r>
                       <a:r>
-                        <a:rPr b="1" lang="en" sz="800">
+                        <a:rPr lang="en" sz="800" b="1">
                           <a:solidFill>
                             <a:schemeClr val="dk1"/>
                           </a:solidFill>
@@ -11754,18 +11969,23 @@
                         <a:t> </a:t>
                       </a:r>
                       <a:r>
-                        <a:rPr b="1" lang="en" sz="800"/>
+                        <a:rPr lang="en" sz="800" b="1"/>
                         <a:t>B</a:t>
                       </a:r>
-                      <a:endParaRPr b="1" sz="800"/>
+                      <a:endParaRPr sz="800" b="1"/>
                     </a:p>
                   </a:txBody>
-                  <a:tcPr marT="91425" marB="91425" marR="91425" marL="91425">
+                  <a:tcPr marL="91425" marR="91425" marT="91425" marB="91425">
                     <a:solidFill>
                       <a:srgbClr val="CFE2F3"/>
                     </a:solidFill>
                   </a:tcPr>
                 </a:tc>
+                <a:extLst>
+                  <a:ext uri="{0D108BD9-81ED-4DB2-BD59-A6C34878D82A}">
+                    <a16:rowId xmlns:a16="http://schemas.microsoft.com/office/drawing/2014/main" val="10003"/>
+                  </a:ext>
+                </a:extLst>
               </a:tr>
               <a:tr h="270450">
                 <a:tc>
@@ -11773,7 +11993,7 @@
                     <a:bodyPr/>
                     <a:lstStyle/>
                     <a:p>
-                      <a:pPr indent="0" lvl="0" marL="0" rtl="0" algn="just">
+                      <a:pPr marL="0" lvl="0" indent="0" algn="just" rtl="0">
                         <a:spcBef>
                           <a:spcPts val="0"/>
                         </a:spcBef>
@@ -11791,7 +12011,7 @@
                         <a:t>Topic vector</a:t>
                       </a:r>
                       <a:r>
-                        <a:rPr b="1" lang="en" sz="800">
+                        <a:rPr lang="en" sz="800" b="1">
                           <a:solidFill>
                             <a:schemeClr val="dk1"/>
                           </a:solidFill>
@@ -11799,18 +12019,23 @@
                         <a:t> </a:t>
                       </a:r>
                       <a:r>
-                        <a:rPr b="1" lang="en" sz="800"/>
+                        <a:rPr lang="en" sz="800" b="1"/>
                         <a:t>B-</a:t>
                       </a:r>
-                      <a:endParaRPr b="1" sz="800"/>
+                      <a:endParaRPr sz="800" b="1"/>
                     </a:p>
                   </a:txBody>
-                  <a:tcPr marT="91425" marB="91425" marR="91425" marL="91425">
+                  <a:tcPr marL="91425" marR="91425" marT="91425" marB="91425">
                     <a:solidFill>
                       <a:srgbClr val="CFE2F3"/>
                     </a:solidFill>
                   </a:tcPr>
                 </a:tc>
+                <a:extLst>
+                  <a:ext uri="{0D108BD9-81ED-4DB2-BD59-A6C34878D82A}">
+                    <a16:rowId xmlns:a16="http://schemas.microsoft.com/office/drawing/2014/main" val="10004"/>
+                  </a:ext>
+                </a:extLst>
               </a:tr>
             </a:tbl>
           </a:graphicData>
@@ -11833,23 +12058,23 @@
           <a:solidFill>
             <a:srgbClr val="EFEFEF"/>
           </a:solidFill>
-          <a:ln cap="flat" cmpd="sng" w="9525">
+          <a:ln w="9525" cap="flat" cmpd="sng">
             <a:solidFill>
               <a:srgbClr val="000000"/>
             </a:solidFill>
             <a:prstDash val="solid"/>
             <a:round/>
-            <a:headEnd len="sm" w="sm" type="none"/>
-            <a:tailEnd len="sm" w="sm" type="none"/>
+            <a:headEnd type="none" w="sm" len="sm"/>
+            <a:tailEnd type="none" w="sm" len="sm"/>
           </a:ln>
         </p:spPr>
         <p:txBody>
-          <a:bodyPr anchorCtr="0" anchor="ctr" bIns="91425" lIns="91425" spcFirstLastPara="1" rIns="91425" wrap="square" tIns="91425">
+          <a:bodyPr spcFirstLastPara="1" wrap="square" lIns="91425" tIns="91425" rIns="91425" bIns="91425" anchor="ctr" anchorCtr="0">
             <a:noAutofit/>
           </a:bodyPr>
           <a:lstStyle/>
           <a:p>
-            <a:pPr indent="0" lvl="0" marL="0" rtl="0" algn="ctr">
+            <a:pPr marL="0" lvl="0" indent="0" algn="ctr" rtl="0">
               <a:spcBef>
                 <a:spcPts val="0"/>
               </a:spcBef>
@@ -11865,7 +12090,7 @@
             <a:endParaRPr sz="800"/>
           </a:p>
           <a:p>
-            <a:pPr indent="0" lvl="0" marL="0" rtl="0" algn="ctr">
+            <a:pPr marL="0" lvl="0" indent="0" algn="ctr" rtl="0">
               <a:spcBef>
                 <a:spcPts val="0"/>
               </a:spcBef>
@@ -11899,23 +12124,23 @@
           <a:solidFill>
             <a:srgbClr val="D9EAD3"/>
           </a:solidFill>
-          <a:ln cap="flat" cmpd="sng" w="9525">
+          <a:ln w="9525" cap="flat" cmpd="sng">
             <a:solidFill>
               <a:schemeClr val="dk2"/>
             </a:solidFill>
             <a:prstDash val="solid"/>
             <a:round/>
-            <a:headEnd len="sm" w="sm" type="none"/>
-            <a:tailEnd len="sm" w="sm" type="none"/>
+            <a:headEnd type="none" w="sm" len="sm"/>
+            <a:tailEnd type="none" w="sm" len="sm"/>
           </a:ln>
         </p:spPr>
         <p:txBody>
-          <a:bodyPr anchorCtr="0" anchor="ctr" bIns="91425" lIns="91425" spcFirstLastPara="1" rIns="91425" wrap="square" tIns="91425">
+          <a:bodyPr spcFirstLastPara="1" wrap="square" lIns="91425" tIns="91425" rIns="91425" bIns="91425" anchor="ctr" anchorCtr="0">
             <a:noAutofit/>
           </a:bodyPr>
           <a:lstStyle/>
           <a:p>
-            <a:pPr indent="0" lvl="0" marL="0" rtl="0" algn="l">
+            <a:pPr marL="0" lvl="0" indent="0" algn="l" rtl="0">
               <a:spcBef>
                 <a:spcPts val="0"/>
               </a:spcBef>
@@ -11925,13 +12150,13 @@
               <a:buNone/>
             </a:pPr>
             <a:r>
-              <a:rPr b="1" lang="en" sz="1200"/>
+              <a:rPr lang="en" sz="1200" b="1"/>
               <a:t>Result:</a:t>
             </a:r>
-            <a:endParaRPr b="1" sz="1200"/>
-          </a:p>
-          <a:p>
-            <a:pPr indent="0" lvl="0" marL="0" rtl="0" algn="l">
+            <a:endParaRPr sz="1200" b="1"/>
+          </a:p>
+          <a:p>
+            <a:pPr marL="0" lvl="0" indent="0" algn="l" rtl="0">
               <a:spcBef>
                 <a:spcPts val="0"/>
               </a:spcBef>
@@ -11941,7 +12166,7 @@
               <a:buNone/>
             </a:pPr>
             <a:r>
-              <a:rPr b="1" lang="en" sz="1200"/>
+              <a:rPr lang="en" sz="1200" b="1"/>
               <a:t>91%</a:t>
             </a:r>
             <a:r>
@@ -11951,7 +12176,7 @@
             <a:endParaRPr sz="1200"/>
           </a:p>
           <a:p>
-            <a:pPr indent="0" lvl="0" marL="0" rtl="0" algn="l">
+            <a:pPr marL="0" lvl="0" indent="0" algn="l" rtl="0">
               <a:spcBef>
                 <a:spcPts val="0"/>
               </a:spcBef>
@@ -11961,13 +12186,13 @@
               <a:buNone/>
             </a:pPr>
             <a:r>
-              <a:rPr b="1" lang="en" sz="1200"/>
+              <a:rPr lang="en" sz="1200" b="1"/>
               <a:t>Decision Tree</a:t>
             </a:r>
-            <a:endParaRPr b="1" sz="1200"/>
-          </a:p>
-          <a:p>
-            <a:pPr indent="0" lvl="0" marL="0" rtl="0" algn="l">
+            <a:endParaRPr sz="1200" b="1"/>
+          </a:p>
+          <a:p>
+            <a:pPr marL="0" lvl="0" indent="0" algn="l" rtl="0">
               <a:spcBef>
                 <a:spcPts val="0"/>
               </a:spcBef>
@@ -12004,12 +12229,12 @@
           </a:ln>
         </p:spPr>
         <p:txBody>
-          <a:bodyPr anchorCtr="0" anchor="t" bIns="91425" lIns="91425" spcFirstLastPara="1" rIns="91425" wrap="square" tIns="91425">
+          <a:bodyPr spcFirstLastPara="1" wrap="square" lIns="91425" tIns="91425" rIns="91425" bIns="91425" anchor="t" anchorCtr="0">
             <a:noAutofit/>
           </a:bodyPr>
           <a:lstStyle/>
           <a:p>
-            <a:pPr indent="0" lvl="0" marL="0" rtl="0" algn="l">
+            <a:pPr marL="0" lvl="0" indent="0" algn="l" rtl="0">
               <a:spcBef>
                 <a:spcPts val="0"/>
               </a:spcBef>
@@ -12019,10 +12244,10 @@
               <a:buNone/>
             </a:pPr>
             <a:r>
-              <a:rPr b="1" lang="en" sz="1200"/>
+              <a:rPr lang="en" sz="1200" b="1"/>
               <a:t>Testing</a:t>
             </a:r>
-            <a:endParaRPr b="1" sz="1200"/>
+            <a:endParaRPr sz="1200" b="1"/>
           </a:p>
         </p:txBody>
       </p:sp>
@@ -12049,14 +12274,14 @@
             <a:avLst/>
           </a:prstGeom>
           <a:noFill/>
-          <a:ln cap="flat" cmpd="sng" w="9525">
+          <a:ln w="9525" cap="flat" cmpd="sng">
             <a:solidFill>
               <a:srgbClr val="000000"/>
             </a:solidFill>
             <a:prstDash val="solid"/>
             <a:round/>
-            <a:headEnd len="sm" w="sm" type="none"/>
-            <a:tailEnd len="sm" w="sm" type="none"/>
+            <a:headEnd type="none" w="sm" len="sm"/>
+            <a:tailEnd type="none" w="sm" len="sm"/>
           </a:ln>
         </p:spPr>
       </p:pic>
@@ -12077,14 +12302,14 @@
             <a:avLst/>
           </a:prstGeom>
           <a:noFill/>
-          <a:ln cap="flat" cmpd="sng" w="9525">
+          <a:ln w="9525" cap="flat" cmpd="sng">
             <a:solidFill>
               <a:schemeClr val="dk2"/>
             </a:solidFill>
             <a:prstDash val="solid"/>
             <a:round/>
-            <a:headEnd len="med" w="med" type="none"/>
-            <a:tailEnd len="med" w="med" type="triangle"/>
+            <a:headEnd type="none" w="med" len="med"/>
+            <a:tailEnd type="triangle" w="med" len="med"/>
           </a:ln>
         </p:spPr>
       </p:cxnSp>
@@ -12108,12 +12333,12 @@
           </a:ln>
         </p:spPr>
         <p:txBody>
-          <a:bodyPr anchorCtr="0" anchor="t" bIns="91425" lIns="91425" spcFirstLastPara="1" rIns="91425" wrap="square" tIns="91425">
+          <a:bodyPr spcFirstLastPara="1" wrap="square" lIns="91425" tIns="91425" rIns="91425" bIns="91425" anchor="t" anchorCtr="0">
             <a:noAutofit/>
           </a:bodyPr>
           <a:lstStyle/>
           <a:p>
-            <a:pPr indent="0" lvl="0" marL="0" rtl="0" algn="ctr">
+            <a:pPr marL="0" lvl="0" indent="0" algn="ctr" rtl="0">
               <a:spcBef>
                 <a:spcPts val="0"/>
               </a:spcBef>
@@ -12147,23 +12372,23 @@
           <a:solidFill>
             <a:srgbClr val="E6B8AF"/>
           </a:solidFill>
-          <a:ln cap="flat" cmpd="sng" w="9525">
+          <a:ln w="9525" cap="flat" cmpd="sng">
             <a:solidFill>
               <a:schemeClr val="dk2"/>
             </a:solidFill>
             <a:prstDash val="solid"/>
             <a:round/>
-            <a:headEnd len="sm" w="sm" type="none"/>
-            <a:tailEnd len="sm" w="sm" type="none"/>
+            <a:headEnd type="none" w="sm" len="sm"/>
+            <a:tailEnd type="none" w="sm" len="sm"/>
           </a:ln>
         </p:spPr>
         <p:txBody>
-          <a:bodyPr anchorCtr="0" anchor="ctr" bIns="91425" lIns="91425" spcFirstLastPara="1" rIns="91425" wrap="square" tIns="91425">
+          <a:bodyPr spcFirstLastPara="1" wrap="square" lIns="91425" tIns="91425" rIns="91425" bIns="91425" anchor="ctr" anchorCtr="0">
             <a:noAutofit/>
           </a:bodyPr>
           <a:lstStyle/>
           <a:p>
-            <a:pPr indent="0" lvl="0" marL="0" rtl="0" algn="ctr">
+            <a:pPr marL="0" lvl="0" indent="0" algn="ctr" rtl="0">
               <a:spcBef>
                 <a:spcPts val="0"/>
               </a:spcBef>
@@ -12197,23 +12422,23 @@
           <a:solidFill>
             <a:srgbClr val="D9EAD3"/>
           </a:solidFill>
-          <a:ln cap="flat" cmpd="sng" w="9525">
+          <a:ln w="9525" cap="flat" cmpd="sng">
             <a:solidFill>
               <a:schemeClr val="dk2"/>
             </a:solidFill>
             <a:prstDash val="solid"/>
             <a:round/>
-            <a:headEnd len="sm" w="sm" type="none"/>
-            <a:tailEnd len="sm" w="sm" type="none"/>
+            <a:headEnd type="none" w="sm" len="sm"/>
+            <a:tailEnd type="none" w="sm" len="sm"/>
           </a:ln>
         </p:spPr>
         <p:txBody>
-          <a:bodyPr anchorCtr="0" anchor="ctr" bIns="91425" lIns="91425" spcFirstLastPara="1" rIns="91425" wrap="square" tIns="91425">
+          <a:bodyPr spcFirstLastPara="1" wrap="square" lIns="91425" tIns="91425" rIns="91425" bIns="91425" anchor="ctr" anchorCtr="0">
             <a:noAutofit/>
           </a:bodyPr>
           <a:lstStyle/>
           <a:p>
-            <a:pPr indent="0" lvl="0" marL="0" rtl="0" algn="ctr">
+            <a:pPr marL="0" lvl="0" indent="0" algn="ctr" rtl="0">
               <a:spcBef>
                 <a:spcPts val="0"/>
               </a:spcBef>
@@ -12248,14 +12473,14 @@
             <a:avLst/>
           </a:prstGeom>
           <a:noFill/>
-          <a:ln cap="flat" cmpd="sng" w="9525">
+          <a:ln w="9525" cap="flat" cmpd="sng">
             <a:solidFill>
               <a:schemeClr val="dk2"/>
             </a:solidFill>
             <a:prstDash val="solid"/>
             <a:round/>
-            <a:headEnd len="med" w="med" type="none"/>
-            <a:tailEnd len="med" w="med" type="triangle"/>
+            <a:headEnd type="none" w="med" len="med"/>
+            <a:tailEnd type="triangle" w="med" len="med"/>
           </a:ln>
         </p:spPr>
       </p:cxnSp>
@@ -12268,7 +12493,7 @@
           <p:nvPr/>
         </p:nvCxnSpPr>
         <p:spPr>
-          <a:xfrm flipH="1" rot="-5400000">
+          <a:xfrm rot="-5400000" flipH="1">
             <a:off x="6220425" y="3547050"/>
             <a:ext cx="369300" cy="770400"/>
           </a:xfrm>
@@ -12276,14 +12501,14 @@
             <a:avLst/>
           </a:prstGeom>
           <a:noFill/>
-          <a:ln cap="flat" cmpd="sng" w="9525">
+          <a:ln w="9525" cap="flat" cmpd="sng">
             <a:solidFill>
               <a:schemeClr val="dk2"/>
             </a:solidFill>
             <a:prstDash val="solid"/>
             <a:round/>
-            <a:headEnd len="med" w="med" type="none"/>
-            <a:tailEnd len="med" w="med" type="triangle"/>
+            <a:headEnd type="none" w="med" len="med"/>
+            <a:tailEnd type="triangle" w="med" len="med"/>
           </a:ln>
         </p:spPr>
       </p:cxnSp>
@@ -12302,18 +12527,18 @@
           </a:xfrm>
           <a:prstGeom prst="bentConnector3">
             <a:avLst>
-              <a:gd fmla="val 13156" name="adj1"/>
+              <a:gd name="adj1" fmla="val 13156"/>
             </a:avLst>
           </a:prstGeom>
           <a:noFill/>
-          <a:ln cap="flat" cmpd="sng" w="9525">
+          <a:ln w="9525" cap="flat" cmpd="sng">
             <a:solidFill>
               <a:schemeClr val="dk2"/>
             </a:solidFill>
             <a:prstDash val="solid"/>
             <a:round/>
-            <a:headEnd len="med" w="med" type="none"/>
-            <a:tailEnd len="med" w="med" type="triangle"/>
+            <a:headEnd type="none" w="med" len="med"/>
+            <a:tailEnd type="triangle" w="med" len="med"/>
           </a:ln>
         </p:spPr>
       </p:cxnSp>
@@ -12332,18 +12557,18 @@
           </a:xfrm>
           <a:prstGeom prst="bentConnector3">
             <a:avLst>
-              <a:gd fmla="val 8489" name="adj1"/>
+              <a:gd name="adj1" fmla="val 8489"/>
             </a:avLst>
           </a:prstGeom>
           <a:noFill/>
-          <a:ln cap="flat" cmpd="sng" w="9525">
+          <a:ln w="9525" cap="flat" cmpd="sng">
             <a:solidFill>
               <a:schemeClr val="dk2"/>
             </a:solidFill>
             <a:prstDash val="solid"/>
             <a:round/>
-            <a:headEnd len="med" w="med" type="none"/>
-            <a:tailEnd len="med" w="med" type="triangle"/>
+            <a:headEnd type="none" w="med" len="med"/>
+            <a:tailEnd type="triangle" w="med" len="med"/>
           </a:ln>
         </p:spPr>
       </p:cxnSp>
@@ -12362,18 +12587,18 @@
           </a:xfrm>
           <a:prstGeom prst="bentConnector3">
             <a:avLst>
-              <a:gd fmla="val 5656" name="adj1"/>
+              <a:gd name="adj1" fmla="val 5656"/>
             </a:avLst>
           </a:prstGeom>
           <a:noFill/>
-          <a:ln cap="flat" cmpd="sng" w="9525">
+          <a:ln w="9525" cap="flat" cmpd="sng">
             <a:solidFill>
               <a:schemeClr val="dk2"/>
             </a:solidFill>
             <a:prstDash val="solid"/>
             <a:round/>
-            <a:headEnd len="med" w="med" type="none"/>
-            <a:tailEnd len="med" w="med" type="triangle"/>
+            <a:headEnd type="none" w="med" len="med"/>
+            <a:tailEnd type="triangle" w="med" len="med"/>
           </a:ln>
         </p:spPr>
       </p:cxnSp>
@@ -12392,18 +12617,18 @@
           </a:xfrm>
           <a:prstGeom prst="bentConnector3">
             <a:avLst>
-              <a:gd fmla="val 4206" name="adj1"/>
+              <a:gd name="adj1" fmla="val 4206"/>
             </a:avLst>
           </a:prstGeom>
           <a:noFill/>
-          <a:ln cap="flat" cmpd="sng" w="9525">
+          <a:ln w="9525" cap="flat" cmpd="sng">
             <a:solidFill>
               <a:schemeClr val="dk2"/>
             </a:solidFill>
             <a:prstDash val="solid"/>
             <a:round/>
-            <a:headEnd len="med" w="med" type="none"/>
-            <a:tailEnd len="med" w="med" type="triangle"/>
+            <a:headEnd type="none" w="med" len="med"/>
+            <a:tailEnd type="triangle" w="med" len="med"/>
           </a:ln>
         </p:spPr>
       </p:cxnSp>
@@ -12416,24 +12641,24 @@
           <p:nvPr/>
         </p:nvCxnSpPr>
         <p:spPr>
-          <a:xfrm flipH="1" rot="10800000">
+          <a:xfrm rot="10800000" flipH="1">
             <a:off x="5027075" y="4331175"/>
             <a:ext cx="1746000" cy="105600"/>
           </a:xfrm>
           <a:prstGeom prst="bentConnector3">
             <a:avLst>
-              <a:gd fmla="val 2353" name="adj1"/>
+              <a:gd name="adj1" fmla="val 2353"/>
             </a:avLst>
           </a:prstGeom>
           <a:noFill/>
-          <a:ln cap="flat" cmpd="sng" w="9525">
+          <a:ln w="9525" cap="flat" cmpd="sng">
             <a:solidFill>
               <a:schemeClr val="dk2"/>
             </a:solidFill>
             <a:prstDash val="solid"/>
             <a:round/>
-            <a:headEnd len="med" w="med" type="none"/>
-            <a:tailEnd len="med" w="med" type="triangle"/>
+            <a:headEnd type="none" w="med" len="med"/>
+            <a:tailEnd type="triangle" w="med" len="med"/>
           </a:ln>
         </p:spPr>
       </p:cxnSp>
@@ -12445,7 +12670,7 @@
         </p:nvSpPr>
         <p:spPr>
           <a:xfrm>
-            <a:off x="8278650" y="3710950"/>
+            <a:off x="8288114" y="3833875"/>
             <a:ext cx="384000" cy="821100"/>
           </a:xfrm>
           <a:prstGeom prst="rect">
@@ -12454,23 +12679,23 @@
           <a:solidFill>
             <a:srgbClr val="B4A7D6"/>
           </a:solidFill>
-          <a:ln cap="flat" cmpd="sng" w="9525">
+          <a:ln w="9525" cap="flat" cmpd="sng">
             <a:solidFill>
               <a:schemeClr val="dk2"/>
             </a:solidFill>
             <a:prstDash val="solid"/>
             <a:round/>
-            <a:headEnd len="sm" w="sm" type="none"/>
-            <a:tailEnd len="sm" w="sm" type="none"/>
+            <a:headEnd type="none" w="sm" len="sm"/>
+            <a:tailEnd type="none" w="sm" len="sm"/>
           </a:ln>
         </p:spPr>
         <p:txBody>
-          <a:bodyPr anchorCtr="0" anchor="ctr" bIns="91425" lIns="91425" spcFirstLastPara="1" rIns="91425" wrap="square" tIns="91425">
+          <a:bodyPr spcFirstLastPara="1" wrap="square" lIns="91425" tIns="91425" rIns="91425" bIns="91425" anchor="ctr" anchorCtr="0">
             <a:noAutofit/>
           </a:bodyPr>
           <a:lstStyle/>
           <a:p>
-            <a:pPr indent="0" lvl="0" marL="0" rtl="0" algn="l">
+            <a:pPr marL="0" lvl="0" indent="0" algn="l" rtl="0">
               <a:spcBef>
                 <a:spcPts val="0"/>
               </a:spcBef>
@@ -12486,7 +12711,7 @@
             <a:endParaRPr sz="1000"/>
           </a:p>
           <a:p>
-            <a:pPr indent="0" lvl="0" marL="0" rtl="0" algn="l">
+            <a:pPr marL="0" lvl="0" indent="0" algn="l" rtl="0">
               <a:spcBef>
                 <a:spcPts val="0"/>
               </a:spcBef>
@@ -12502,7 +12727,7 @@
             <a:endParaRPr sz="1000"/>
           </a:p>
           <a:p>
-            <a:pPr indent="0" lvl="0" marL="0" rtl="0" algn="l">
+            <a:pPr marL="0" lvl="0" indent="0" algn="l" rtl="0">
               <a:spcBef>
                 <a:spcPts val="0"/>
               </a:spcBef>
@@ -12518,7 +12743,7 @@
             <a:endParaRPr sz="1000"/>
           </a:p>
           <a:p>
-            <a:pPr indent="0" lvl="0" marL="0" rtl="0" algn="l">
+            <a:pPr marL="0" lvl="0" indent="0" algn="l" rtl="0">
               <a:spcBef>
                 <a:spcPts val="0"/>
               </a:spcBef>
@@ -12534,7 +12759,7 @@
             <a:endParaRPr sz="1000"/>
           </a:p>
           <a:p>
-            <a:pPr indent="0" lvl="0" marL="0" rtl="0" algn="l">
+            <a:pPr marL="0" lvl="0" indent="0" algn="l" rtl="0">
               <a:spcBef>
                 <a:spcPts val="0"/>
               </a:spcBef>
@@ -12559,8 +12784,8 @@
         </p:nvSpPr>
         <p:spPr>
           <a:xfrm>
-            <a:off x="7724075" y="4511300"/>
-            <a:ext cx="1049700" cy="269100"/>
+            <a:off x="7714274" y="4550293"/>
+            <a:ext cx="1186475" cy="269100"/>
           </a:xfrm>
           <a:prstGeom prst="rect">
             <a:avLst/>
@@ -12571,12 +12796,12 @@
           </a:ln>
         </p:spPr>
         <p:txBody>
-          <a:bodyPr anchorCtr="0" anchor="t" bIns="91425" lIns="91425" spcFirstLastPara="1" rIns="91425" wrap="square" tIns="91425">
+          <a:bodyPr spcFirstLastPara="1" wrap="square" lIns="91425" tIns="91425" rIns="91425" bIns="91425" anchor="t" anchorCtr="0">
             <a:noAutofit/>
           </a:bodyPr>
           <a:lstStyle/>
           <a:p>
-            <a:pPr indent="0" lvl="0" marL="0" rtl="0" algn="l">
+            <a:pPr marL="0" lvl="0" indent="0" algn="l" rtl="0">
               <a:spcBef>
                 <a:spcPts val="0"/>
               </a:spcBef>
@@ -12586,10 +12811,10 @@
               <a:buNone/>
             </a:pPr>
             <a:r>
-              <a:rPr lang="en" sz="1000"/>
+              <a:rPr lang="en" sz="1000" dirty="0"/>
               <a:t>Updated Vector</a:t>
             </a:r>
-            <a:endParaRPr sz="1000"/>
+            <a:endParaRPr sz="1000" dirty="0"/>
           </a:p>
         </p:txBody>
       </p:sp>
@@ -12602,22 +12827,22 @@
           <p:nvPr/>
         </p:nvCxnSpPr>
         <p:spPr>
-          <a:xfrm flipH="1" rot="10800000">
-            <a:off x="7692450" y="4121500"/>
+          <a:xfrm rot="10800000" flipH="1">
+            <a:off x="7701914" y="4244425"/>
             <a:ext cx="586200" cy="11700"/>
           </a:xfrm>
           <a:prstGeom prst="straightConnector1">
             <a:avLst/>
           </a:prstGeom>
           <a:noFill/>
-          <a:ln cap="flat" cmpd="sng" w="9525">
+          <a:ln w="9525" cap="flat" cmpd="sng">
             <a:solidFill>
               <a:schemeClr val="dk2"/>
             </a:solidFill>
             <a:prstDash val="solid"/>
             <a:round/>
-            <a:headEnd len="med" w="med" type="none"/>
-            <a:tailEnd len="med" w="med" type="triangle"/>
+            <a:headEnd type="none" w="med" len="med"/>
+            <a:tailEnd type="triangle" w="med" len="med"/>
           </a:ln>
         </p:spPr>
       </p:cxnSp>
@@ -12641,12 +12866,12 @@
           </a:ln>
         </p:spPr>
         <p:txBody>
-          <a:bodyPr anchorCtr="0" anchor="t" bIns="91425" lIns="91425" spcFirstLastPara="1" rIns="91425" wrap="square" tIns="91425">
+          <a:bodyPr spcFirstLastPara="1" wrap="square" lIns="91425" tIns="91425" rIns="91425" bIns="91425" anchor="t" anchorCtr="0">
             <a:noAutofit/>
           </a:bodyPr>
           <a:lstStyle/>
           <a:p>
-            <a:pPr indent="0" lvl="0" marL="0" rtl="0" algn="ctr">
+            <a:pPr marL="0" lvl="0" indent="0" algn="ctr" rtl="0">
               <a:spcBef>
                 <a:spcPts val="0"/>
               </a:spcBef>
@@ -12683,12 +12908,12 @@
           </a:ln>
         </p:spPr>
         <p:txBody>
-          <a:bodyPr anchorCtr="0" anchor="t" bIns="91425" lIns="91425" spcFirstLastPara="1" rIns="91425" wrap="square" tIns="91425">
+          <a:bodyPr spcFirstLastPara="1" wrap="square" lIns="91425" tIns="91425" rIns="91425" bIns="91425" anchor="t" anchorCtr="0">
             <a:noAutofit/>
           </a:bodyPr>
           <a:lstStyle/>
           <a:p>
-            <a:pPr indent="0" lvl="0" marL="0" rtl="0" algn="ctr">
+            <a:pPr marL="0" lvl="0" indent="0" algn="ctr" rtl="0">
               <a:spcBef>
                 <a:spcPts val="0"/>
               </a:spcBef>
@@ -12699,11 +12924,7 @@
             </a:pPr>
             <a:r>
               <a:rPr lang="en" sz="1000"/>
-              <a:t>In</a:t>
-            </a:r>
-            <a:r>
-              <a:rPr lang="en" sz="1000"/>
-              <a:t>put</a:t>
+              <a:t>Input</a:t>
             </a:r>
             <a:endParaRPr sz="1000"/>
           </a:p>
@@ -12718,11 +12939,11 @@
 </file>
 
 <file path=ppt/slides/slide7.xml><?xml version="1.0" encoding="utf-8"?>
-<p:sld xmlns:a="http://schemas.openxmlformats.org/drawingml/2006/main" xmlns:r="http://schemas.openxmlformats.org/officeDocument/2006/relationships" xmlns:mc="http://schemas.openxmlformats.org/markup-compatibility/2006" xmlns:mv="urn:schemas-microsoft-com:mac:vml" xmlns:p="http://schemas.openxmlformats.org/presentationml/2006/main" xmlns:c="http://schemas.openxmlformats.org/drawingml/2006/chart" xmlns:dgm="http://schemas.openxmlformats.org/drawingml/2006/diagram" xmlns:o="urn:schemas-microsoft-com:office:office" xmlns:v="urn:schemas-microsoft-com:vml" xmlns:pvml="urn:schemas-microsoft-com:office:powerpoint" xmlns:com="http://schemas.openxmlformats.org/drawingml/2006/compatibility" xmlns:p14="http://schemas.microsoft.com/office/powerpoint/2010/main" xmlns:p15="http://schemas.microsoft.com/office/powerpoint/2012/main">
+<p:sld xmlns:a="http://schemas.openxmlformats.org/drawingml/2006/main" xmlns:r="http://schemas.openxmlformats.org/officeDocument/2006/relationships" xmlns:p="http://schemas.openxmlformats.org/presentationml/2006/main">
   <p:cSld>
     <p:spTree>
       <p:nvGrpSpPr>
-        <p:cNvPr id="203" name="Shape 203"/>
+        <p:cNvPr id="1" name="Shape 203"/>
         <p:cNvGrpSpPr/>
         <p:nvPr/>
       </p:nvGrpSpPr>
@@ -12737,7 +12958,9 @@
       <p:sp>
         <p:nvSpPr>
           <p:cNvPr id="204" name="Google Shape;204;p19"/>
-          <p:cNvSpPr txBox="1"/>
+          <p:cNvSpPr txBox="1">
+            <a:spLocks noGrp="1"/>
+          </p:cNvSpPr>
           <p:nvPr>
             <p:ph type="title"/>
           </p:nvPr>
@@ -12752,12 +12975,12 @@
           </a:prstGeom>
         </p:spPr>
         <p:txBody>
-          <a:bodyPr anchorCtr="0" anchor="t" bIns="91425" lIns="91425" spcFirstLastPara="1" rIns="91425" wrap="square" tIns="91425">
+          <a:bodyPr spcFirstLastPara="1" wrap="square" lIns="91425" tIns="91425" rIns="91425" bIns="91425" anchor="t" anchorCtr="0">
             <a:noAutofit/>
           </a:bodyPr>
           <a:lstStyle/>
           <a:p>
-            <a:pPr indent="0" lvl="0" marL="0" rtl="0" algn="l">
+            <a:pPr marL="0" lvl="0" indent="0" algn="l" rtl="0">
               <a:spcBef>
                 <a:spcPts val="0"/>
               </a:spcBef>
@@ -12777,9 +13000,11 @@
       <p:sp>
         <p:nvSpPr>
           <p:cNvPr id="205" name="Google Shape;205;p19"/>
-          <p:cNvSpPr txBox="1"/>
+          <p:cNvSpPr txBox="1">
+            <a:spLocks noGrp="1"/>
+          </p:cNvSpPr>
           <p:nvPr>
-            <p:ph idx="1" type="body"/>
+            <p:ph type="body" idx="1"/>
           </p:nvPr>
         </p:nvSpPr>
         <p:spPr>
@@ -12792,12 +13017,12 @@
           </a:prstGeom>
         </p:spPr>
         <p:txBody>
-          <a:bodyPr anchorCtr="0" anchor="t" bIns="91425" lIns="91425" spcFirstLastPara="1" rIns="91425" wrap="square" tIns="91425">
+          <a:bodyPr spcFirstLastPara="1" wrap="square" lIns="91425" tIns="91425" rIns="91425" bIns="91425" anchor="t" anchorCtr="0">
             <a:noAutofit/>
           </a:bodyPr>
           <a:lstStyle/>
           <a:p>
-            <a:pPr indent="-342900" lvl="0" marL="457200" rtl="0" algn="l">
+            <a:pPr marL="457200" lvl="0" indent="-342900" algn="l" rtl="0">
               <a:spcBef>
                 <a:spcPts val="0"/>
               </a:spcBef>
@@ -12814,7 +13039,7 @@
             <a:endParaRPr/>
           </a:p>
           <a:p>
-            <a:pPr indent="-342900" lvl="0" marL="457200" rtl="0" algn="l">
+            <a:pPr marL="457200" lvl="0" indent="-342900" algn="l" rtl="0">
               <a:spcBef>
                 <a:spcPts val="0"/>
               </a:spcBef>
@@ -12831,7 +13056,7 @@
             <a:endParaRPr/>
           </a:p>
           <a:p>
-            <a:pPr indent="-342900" lvl="0" marL="457200" rtl="0" algn="l">
+            <a:pPr marL="457200" lvl="0" indent="-342900" algn="l" rtl="0">
               <a:spcBef>
                 <a:spcPts val="0"/>
               </a:spcBef>
@@ -12848,7 +13073,7 @@
             <a:endParaRPr/>
           </a:p>
           <a:p>
-            <a:pPr indent="-342900" lvl="0" marL="457200" rtl="0" algn="l">
+            <a:pPr marL="457200" lvl="0" indent="-342900" algn="l" rtl="0">
               <a:spcBef>
                 <a:spcPts val="0"/>
               </a:spcBef>
@@ -12865,7 +13090,7 @@
             <a:endParaRPr/>
           </a:p>
           <a:p>
-            <a:pPr indent="0" lvl="0" marL="0" rtl="0" algn="l">
+            <a:pPr marL="0" lvl="0" indent="0" algn="l" rtl="0">
               <a:spcBef>
                 <a:spcPts val="1600"/>
               </a:spcBef>
@@ -12879,7 +13104,7 @@
               <a:t>In overall, </a:t>
             </a:r>
             <a:r>
-              <a:rPr b="1" lang="en"/>
+              <a:rPr lang="en" b="1"/>
               <a:t>CLPAAutoScoring </a:t>
             </a:r>
             <a:r>
@@ -12899,7 +13124,7 @@
 </file>
 
 <file path=ppt/theme/theme1.xml><?xml version="1.0" encoding="utf-8"?>
-<a:theme xmlns:a="http://schemas.openxmlformats.org/drawingml/2006/main" xmlns:r="http://schemas.openxmlformats.org/officeDocument/2006/relationships" name="Simple Light">
+<a:theme xmlns:a="http://schemas.openxmlformats.org/drawingml/2006/main" name="Simple Light">
   <a:themeElements>
     <a:clrScheme name="Simple Light">
       <a:dk1>
@@ -13174,11 +13399,13 @@
       </a:bgFillStyleLst>
     </a:fmtScheme>
   </a:themeElements>
+  <a:objectDefaults/>
+  <a:extraClrSchemeLst/>
 </a:theme>
 </file>
 
 <file path=ppt/theme/theme2.xml><?xml version="1.0" encoding="utf-8"?>
-<a:theme xmlns:a="http://schemas.openxmlformats.org/drawingml/2006/main" xmlns:r="http://schemas.openxmlformats.org/officeDocument/2006/relationships">
+<a:theme xmlns:a="http://schemas.openxmlformats.org/drawingml/2006/main">
   <a:themeElements>
     <a:clrScheme name="Default">
       <a:dk1>
@@ -13453,5 +13680,7 @@
       </a:bgFillStyleLst>
     </a:fmtScheme>
   </a:themeElements>
+  <a:objectDefaults/>
+  <a:extraClrSchemeLst/>
 </a:theme>
 </file>